--- a/Week5-Exploratory-Data-Analysis-and-Data-Vizsualization/Week 5-Exploratory Data Analysis and Data Vizsualization.pptx
+++ b/Week5-Exploratory-Data-Analysis-and-Data-Vizsualization/Week 5-Exploratory Data Analysis and Data Vizsualization.pptx
@@ -1,33 +1,460 @@
 
 <file path=ppt/presentation.xml><?xml version="1.0" encoding="utf-8"?>
-<p:presentation xmlns:a="http://schemas.openxmlformats.org/drawingml/2006/main" xmlns:p="http://schemas.openxmlformats.org/presentationml/2006/main" xmlns:r="http://schemas.openxmlformats.org/officeDocument/2006/relationships" xmlns:p14="http://schemas.microsoft.com/office/powerpoint/2010/main" xmlns:p15="http://schemas.microsoft.com/office/powerpoint/2012/main" xmlns:mc="http://schemas.openxmlformats.org/markup-compatibility/2006">
+<p:presentation xmlns:a="http://schemas.openxmlformats.org/drawingml/2006/main" xmlns:r="http://schemas.openxmlformats.org/officeDocument/2006/relationships" xmlns:p="http://schemas.openxmlformats.org/presentationml/2006/main">
   <p:sldMasterIdLst>
-    <p:sldMasterId id="2147483648" r:id="rId2"/>
-    <p:sldMasterId id="2147483661" r:id="rId3"/>
+    <p:sldMasterId id="2147483648" r:id="rId1"/>
+    <p:sldMasterId id="2147483661" r:id="rId2"/>
   </p:sldMasterIdLst>
   <p:notesMasterIdLst>
-    <p:notesMasterId r:id="rId4"/>
+    <p:notesMasterId r:id="rId14"/>
   </p:notesMasterIdLst>
   <p:sldIdLst>
-    <p:sldId id="256" r:id="rId5"/>
-    <p:sldId id="257" r:id="rId6"/>
-    <p:sldId id="258" r:id="rId7"/>
-    <p:sldId id="259" r:id="rId8"/>
-    <p:sldId id="260" r:id="rId9"/>
-    <p:sldId id="261" r:id="rId10"/>
-    <p:sldId id="262" r:id="rId11"/>
-    <p:sldId id="263" r:id="rId12"/>
-    <p:sldId id="264" r:id="rId13"/>
-    <p:sldId id="265" r:id="rId14"/>
-    <p:sldId id="266" r:id="rId15"/>
+    <p:sldId id="256" r:id="rId3"/>
+    <p:sldId id="257" r:id="rId4"/>
+    <p:sldId id="258" r:id="rId5"/>
+    <p:sldId id="259" r:id="rId6"/>
+    <p:sldId id="260" r:id="rId7"/>
+    <p:sldId id="261" r:id="rId8"/>
+    <p:sldId id="262" r:id="rId9"/>
+    <p:sldId id="263" r:id="rId10"/>
+    <p:sldId id="264" r:id="rId11"/>
+    <p:sldId id="265" r:id="rId12"/>
+    <p:sldId id="266" r:id="rId13"/>
   </p:sldIdLst>
-  <p:sldSz cx="9144000" cy="5143500"/>
+  <p:sldSz cx="9144000" cy="5143500" type="screen16x9"/>
   <p:notesSz cx="6858000" cy="9144000"/>
+  <p:defaultTextStyle>
+    <a:defPPr>
+      <a:defRPr lang="en-US"/>
+    </a:defPPr>
+    <a:lvl1pPr marL="0" algn="l" defTabSz="914400" rtl="0" eaLnBrk="1" latinLnBrk="0" hangingPunct="1">
+      <a:defRPr sz="1800" kern="1200">
+        <a:solidFill>
+          <a:schemeClr val="tx1"/>
+        </a:solidFill>
+        <a:latin typeface="+mn-lt"/>
+        <a:ea typeface="+mn-ea"/>
+        <a:cs typeface="+mn-cs"/>
+      </a:defRPr>
+    </a:lvl1pPr>
+    <a:lvl2pPr marL="457200" algn="l" defTabSz="914400" rtl="0" eaLnBrk="1" latinLnBrk="0" hangingPunct="1">
+      <a:defRPr sz="1800" kern="1200">
+        <a:solidFill>
+          <a:schemeClr val="tx1"/>
+        </a:solidFill>
+        <a:latin typeface="+mn-lt"/>
+        <a:ea typeface="+mn-ea"/>
+        <a:cs typeface="+mn-cs"/>
+      </a:defRPr>
+    </a:lvl2pPr>
+    <a:lvl3pPr marL="914400" algn="l" defTabSz="914400" rtl="0" eaLnBrk="1" latinLnBrk="0" hangingPunct="1">
+      <a:defRPr sz="1800" kern="1200">
+        <a:solidFill>
+          <a:schemeClr val="tx1"/>
+        </a:solidFill>
+        <a:latin typeface="+mn-lt"/>
+        <a:ea typeface="+mn-ea"/>
+        <a:cs typeface="+mn-cs"/>
+      </a:defRPr>
+    </a:lvl3pPr>
+    <a:lvl4pPr marL="1371600" algn="l" defTabSz="914400" rtl="0" eaLnBrk="1" latinLnBrk="0" hangingPunct="1">
+      <a:defRPr sz="1800" kern="1200">
+        <a:solidFill>
+          <a:schemeClr val="tx1"/>
+        </a:solidFill>
+        <a:latin typeface="+mn-lt"/>
+        <a:ea typeface="+mn-ea"/>
+        <a:cs typeface="+mn-cs"/>
+      </a:defRPr>
+    </a:lvl4pPr>
+    <a:lvl5pPr marL="1828800" algn="l" defTabSz="914400" rtl="0" eaLnBrk="1" latinLnBrk="0" hangingPunct="1">
+      <a:defRPr sz="1800" kern="1200">
+        <a:solidFill>
+          <a:schemeClr val="tx1"/>
+        </a:solidFill>
+        <a:latin typeface="+mn-lt"/>
+        <a:ea typeface="+mn-ea"/>
+        <a:cs typeface="+mn-cs"/>
+      </a:defRPr>
+    </a:lvl5pPr>
+    <a:lvl6pPr marL="2286000" algn="l" defTabSz="914400" rtl="0" eaLnBrk="1" latinLnBrk="0" hangingPunct="1">
+      <a:defRPr sz="1800" kern="1200">
+        <a:solidFill>
+          <a:schemeClr val="tx1"/>
+        </a:solidFill>
+        <a:latin typeface="+mn-lt"/>
+        <a:ea typeface="+mn-ea"/>
+        <a:cs typeface="+mn-cs"/>
+      </a:defRPr>
+    </a:lvl6pPr>
+    <a:lvl7pPr marL="2743200" algn="l" defTabSz="914400" rtl="0" eaLnBrk="1" latinLnBrk="0" hangingPunct="1">
+      <a:defRPr sz="1800" kern="1200">
+        <a:solidFill>
+          <a:schemeClr val="tx1"/>
+        </a:solidFill>
+        <a:latin typeface="+mn-lt"/>
+        <a:ea typeface="+mn-ea"/>
+        <a:cs typeface="+mn-cs"/>
+      </a:defRPr>
+    </a:lvl7pPr>
+    <a:lvl8pPr marL="3200400" algn="l" defTabSz="914400" rtl="0" eaLnBrk="1" latinLnBrk="0" hangingPunct="1">
+      <a:defRPr sz="1800" kern="1200">
+        <a:solidFill>
+          <a:schemeClr val="tx1"/>
+        </a:solidFill>
+        <a:latin typeface="+mn-lt"/>
+        <a:ea typeface="+mn-ea"/>
+        <a:cs typeface="+mn-cs"/>
+      </a:defRPr>
+    </a:lvl8pPr>
+    <a:lvl9pPr marL="3657600" algn="l" defTabSz="914400" rtl="0" eaLnBrk="1" latinLnBrk="0" hangingPunct="1">
+      <a:defRPr sz="1800" kern="1200">
+        <a:solidFill>
+          <a:schemeClr val="tx1"/>
+        </a:solidFill>
+        <a:latin typeface="+mn-lt"/>
+        <a:ea typeface="+mn-ea"/>
+        <a:cs typeface="+mn-cs"/>
+      </a:defRPr>
+    </a:lvl9pPr>
+  </p:defaultTextStyle>
 </p:presentation>
 </file>
 
 <file path=ppt/notesMasters/notesMaster1.xml><?xml version="1.0" encoding="utf-8"?>
-<p:notesMaster xmlns:a="http://schemas.openxmlformats.org/drawingml/2006/main" xmlns:p="http://schemas.openxmlformats.org/presentationml/2006/main" xmlns:r="http://schemas.openxmlformats.org/officeDocument/2006/relationships" xmlns:p14="http://schemas.microsoft.com/office/powerpoint/2010/main" xmlns:p15="http://schemas.microsoft.com/office/powerpoint/2012/main" xmlns:mc="http://schemas.openxmlformats.org/markup-compatibility/2006">
+<p:notesMaster xmlns:a="http://schemas.openxmlformats.org/drawingml/2006/main" xmlns:r="http://schemas.openxmlformats.org/officeDocument/2006/relationships" xmlns:p="http://schemas.openxmlformats.org/presentationml/2006/main">
+  <p:cSld>
+    <p:bg>
+      <p:bgRef idx="1001">
+        <a:schemeClr val="bg1"/>
+      </p:bgRef>
+    </p:bg>
+    <p:spTree>
+      <p:nvGrpSpPr>
+        <p:cNvPr id="1" name=""/>
+        <p:cNvGrpSpPr/>
+        <p:nvPr/>
+      </p:nvGrpSpPr>
+      <p:grpSpPr>
+        <a:xfrm>
+          <a:off x="0" y="0"/>
+          <a:ext cx="0" cy="0"/>
+          <a:chOff x="0" y="0"/>
+          <a:chExt cx="0" cy="0"/>
+        </a:xfrm>
+      </p:grpSpPr>
+      <p:sp>
+        <p:nvSpPr>
+          <p:cNvPr id="82" name="PlaceHolder 1"/>
+          <p:cNvSpPr>
+            <a:spLocks noGrp="1" noRot="1" noChangeAspect="1"/>
+          </p:cNvSpPr>
+          <p:nvPr>
+            <p:ph type="sldImg"/>
+          </p:nvPr>
+        </p:nvSpPr>
+        <p:spPr>
+          <a:xfrm>
+            <a:off x="216000" y="812520"/>
+            <a:ext cx="7127280" cy="4008960"/>
+          </a:xfrm>
+          <a:prstGeom prst="rect">
+            <a:avLst/>
+          </a:prstGeom>
+        </p:spPr>
+        <p:txBody>
+          <a:bodyPr lIns="0" tIns="0" rIns="0" bIns="0" anchor="ctr">
+            <a:noAutofit/>
+          </a:bodyPr>
+          <a:lstStyle/>
+          <a:p>
+            <a:r>
+              <a:rPr lang="en-MY" sz="1400" b="0" strike="noStrike" spc="-1">
+                <a:solidFill>
+                  <a:srgbClr val="000000"/>
+                </a:solidFill>
+                <a:latin typeface="Arial"/>
+              </a:rPr>
+              <a:t>Click to move the slide</a:t>
+            </a:r>
+          </a:p>
+        </p:txBody>
+      </p:sp>
+      <p:sp>
+        <p:nvSpPr>
+          <p:cNvPr id="83" name="PlaceHolder 2"/>
+          <p:cNvSpPr>
+            <a:spLocks noGrp="1"/>
+          </p:cNvSpPr>
+          <p:nvPr>
+            <p:ph type="body"/>
+          </p:nvPr>
+        </p:nvSpPr>
+        <p:spPr>
+          <a:xfrm>
+            <a:off x="756000" y="5078520"/>
+            <a:ext cx="6047640" cy="4811040"/>
+          </a:xfrm>
+          <a:prstGeom prst="rect">
+            <a:avLst/>
+          </a:prstGeom>
+        </p:spPr>
+        <p:txBody>
+          <a:bodyPr lIns="0" tIns="0" rIns="0" bIns="0">
+            <a:noAutofit/>
+          </a:bodyPr>
+          <a:lstStyle/>
+          <a:p>
+            <a:r>
+              <a:rPr lang="en-MY" sz="2000" b="0" strike="noStrike" spc="-1">
+                <a:latin typeface="Arial"/>
+              </a:rPr>
+              <a:t>Click to edit the notes format</a:t>
+            </a:r>
+          </a:p>
+        </p:txBody>
+      </p:sp>
+      <p:sp>
+        <p:nvSpPr>
+          <p:cNvPr id="84" name="PlaceHolder 3"/>
+          <p:cNvSpPr>
+            <a:spLocks noGrp="1"/>
+          </p:cNvSpPr>
+          <p:nvPr>
+            <p:ph type="hdr"/>
+          </p:nvPr>
+        </p:nvSpPr>
+        <p:spPr>
+          <a:xfrm>
+            <a:off x="0" y="0"/>
+            <a:ext cx="3280680" cy="534240"/>
+          </a:xfrm>
+          <a:prstGeom prst="rect">
+            <a:avLst/>
+          </a:prstGeom>
+        </p:spPr>
+        <p:txBody>
+          <a:bodyPr lIns="0" tIns="0" rIns="0" bIns="0">
+            <a:noAutofit/>
+          </a:bodyPr>
+          <a:lstStyle/>
+          <a:p>
+            <a:r>
+              <a:rPr lang="en-MY" sz="1400" b="0" strike="noStrike" spc="-1">
+                <a:latin typeface="Times New Roman"/>
+              </a:rPr>
+              <a:t>&lt;header&gt;</a:t>
+            </a:r>
+          </a:p>
+        </p:txBody>
+      </p:sp>
+      <p:sp>
+        <p:nvSpPr>
+          <p:cNvPr id="85" name="PlaceHolder 4"/>
+          <p:cNvSpPr>
+            <a:spLocks noGrp="1"/>
+          </p:cNvSpPr>
+          <p:nvPr>
+            <p:ph type="dt"/>
+          </p:nvPr>
+        </p:nvSpPr>
+        <p:spPr>
+          <a:xfrm>
+            <a:off x="4278960" y="0"/>
+            <a:ext cx="3280680" cy="534240"/>
+          </a:xfrm>
+          <a:prstGeom prst="rect">
+            <a:avLst/>
+          </a:prstGeom>
+        </p:spPr>
+        <p:txBody>
+          <a:bodyPr lIns="0" tIns="0" rIns="0" bIns="0">
+            <a:noAutofit/>
+          </a:bodyPr>
+          <a:lstStyle/>
+          <a:p>
+            <a:pPr algn="r"/>
+            <a:r>
+              <a:rPr lang="en-MY" sz="1400" b="0" strike="noStrike" spc="-1">
+                <a:latin typeface="Times New Roman"/>
+              </a:rPr>
+              <a:t>&lt;date/time&gt;</a:t>
+            </a:r>
+          </a:p>
+        </p:txBody>
+      </p:sp>
+      <p:sp>
+        <p:nvSpPr>
+          <p:cNvPr id="86" name="PlaceHolder 5"/>
+          <p:cNvSpPr>
+            <a:spLocks noGrp="1"/>
+          </p:cNvSpPr>
+          <p:nvPr>
+            <p:ph type="ftr"/>
+          </p:nvPr>
+        </p:nvSpPr>
+        <p:spPr>
+          <a:xfrm>
+            <a:off x="0" y="10157400"/>
+            <a:ext cx="3280680" cy="534240"/>
+          </a:xfrm>
+          <a:prstGeom prst="rect">
+            <a:avLst/>
+          </a:prstGeom>
+        </p:spPr>
+        <p:txBody>
+          <a:bodyPr lIns="0" tIns="0" rIns="0" bIns="0" anchor="b">
+            <a:noAutofit/>
+          </a:bodyPr>
+          <a:lstStyle/>
+          <a:p>
+            <a:r>
+              <a:rPr lang="en-MY" sz="1400" b="0" strike="noStrike" spc="-1">
+                <a:latin typeface="Times New Roman"/>
+              </a:rPr>
+              <a:t>&lt;footer&gt;</a:t>
+            </a:r>
+          </a:p>
+        </p:txBody>
+      </p:sp>
+      <p:sp>
+        <p:nvSpPr>
+          <p:cNvPr id="87" name="PlaceHolder 6"/>
+          <p:cNvSpPr>
+            <a:spLocks noGrp="1"/>
+          </p:cNvSpPr>
+          <p:nvPr>
+            <p:ph type="sldNum"/>
+          </p:nvPr>
+        </p:nvSpPr>
+        <p:spPr>
+          <a:xfrm>
+            <a:off x="4278960" y="10157400"/>
+            <a:ext cx="3280680" cy="534240"/>
+          </a:xfrm>
+          <a:prstGeom prst="rect">
+            <a:avLst/>
+          </a:prstGeom>
+        </p:spPr>
+        <p:txBody>
+          <a:bodyPr lIns="0" tIns="0" rIns="0" bIns="0" anchor="b">
+            <a:noAutofit/>
+          </a:bodyPr>
+          <a:lstStyle/>
+          <a:p>
+            <a:pPr algn="r"/>
+            <a:fld id="{33845691-FF76-4F9A-ACE3-761F00A3D64D}" type="slidenum">
+              <a:rPr lang="en-MY" sz="1400" b="0" strike="noStrike" spc="-1">
+                <a:latin typeface="Times New Roman"/>
+              </a:rPr>
+              <a:t>‹#›</a:t>
+            </a:fld>
+            <a:endParaRPr lang="en-MY" sz="1400" b="0" strike="noStrike" spc="-1">
+              <a:latin typeface="Times New Roman"/>
+            </a:endParaRPr>
+          </a:p>
+        </p:txBody>
+      </p:sp>
+    </p:spTree>
+  </p:cSld>
+  <p:clrMap bg1="lt1" tx1="dk1" bg2="lt2" tx2="dk2" accent1="accent1" accent2="accent2" accent3="accent3" accent4="accent4" accent5="accent5" accent6="accent6" hlink="hlink" folHlink="folHlink"/>
+  <p:notesStyle>
+    <a:lvl1pPr marL="0" algn="l" defTabSz="914400" rtl="0" eaLnBrk="1" latinLnBrk="0" hangingPunct="1">
+      <a:defRPr sz="1200" kern="1200">
+        <a:solidFill>
+          <a:schemeClr val="tx1"/>
+        </a:solidFill>
+        <a:latin typeface="+mn-lt"/>
+        <a:ea typeface="+mn-ea"/>
+        <a:cs typeface="+mn-cs"/>
+      </a:defRPr>
+    </a:lvl1pPr>
+    <a:lvl2pPr marL="457200" algn="l" defTabSz="914400" rtl="0" eaLnBrk="1" latinLnBrk="0" hangingPunct="1">
+      <a:defRPr sz="1200" kern="1200">
+        <a:solidFill>
+          <a:schemeClr val="tx1"/>
+        </a:solidFill>
+        <a:latin typeface="+mn-lt"/>
+        <a:ea typeface="+mn-ea"/>
+        <a:cs typeface="+mn-cs"/>
+      </a:defRPr>
+    </a:lvl2pPr>
+    <a:lvl3pPr marL="914400" algn="l" defTabSz="914400" rtl="0" eaLnBrk="1" latinLnBrk="0" hangingPunct="1">
+      <a:defRPr sz="1200" kern="1200">
+        <a:solidFill>
+          <a:schemeClr val="tx1"/>
+        </a:solidFill>
+        <a:latin typeface="+mn-lt"/>
+        <a:ea typeface="+mn-ea"/>
+        <a:cs typeface="+mn-cs"/>
+      </a:defRPr>
+    </a:lvl3pPr>
+    <a:lvl4pPr marL="1371600" algn="l" defTabSz="914400" rtl="0" eaLnBrk="1" latinLnBrk="0" hangingPunct="1">
+      <a:defRPr sz="1200" kern="1200">
+        <a:solidFill>
+          <a:schemeClr val="tx1"/>
+        </a:solidFill>
+        <a:latin typeface="+mn-lt"/>
+        <a:ea typeface="+mn-ea"/>
+        <a:cs typeface="+mn-cs"/>
+      </a:defRPr>
+    </a:lvl4pPr>
+    <a:lvl5pPr marL="1828800" algn="l" defTabSz="914400" rtl="0" eaLnBrk="1" latinLnBrk="0" hangingPunct="1">
+      <a:defRPr sz="1200" kern="1200">
+        <a:solidFill>
+          <a:schemeClr val="tx1"/>
+        </a:solidFill>
+        <a:latin typeface="+mn-lt"/>
+        <a:ea typeface="+mn-ea"/>
+        <a:cs typeface="+mn-cs"/>
+      </a:defRPr>
+    </a:lvl5pPr>
+    <a:lvl6pPr marL="2286000" algn="l" defTabSz="914400" rtl="0" eaLnBrk="1" latinLnBrk="0" hangingPunct="1">
+      <a:defRPr sz="1200" kern="1200">
+        <a:solidFill>
+          <a:schemeClr val="tx1"/>
+        </a:solidFill>
+        <a:latin typeface="+mn-lt"/>
+        <a:ea typeface="+mn-ea"/>
+        <a:cs typeface="+mn-cs"/>
+      </a:defRPr>
+    </a:lvl6pPr>
+    <a:lvl7pPr marL="2743200" algn="l" defTabSz="914400" rtl="0" eaLnBrk="1" latinLnBrk="0" hangingPunct="1">
+      <a:defRPr sz="1200" kern="1200">
+        <a:solidFill>
+          <a:schemeClr val="tx1"/>
+        </a:solidFill>
+        <a:latin typeface="+mn-lt"/>
+        <a:ea typeface="+mn-ea"/>
+        <a:cs typeface="+mn-cs"/>
+      </a:defRPr>
+    </a:lvl7pPr>
+    <a:lvl8pPr marL="3200400" algn="l" defTabSz="914400" rtl="0" eaLnBrk="1" latinLnBrk="0" hangingPunct="1">
+      <a:defRPr sz="1200" kern="1200">
+        <a:solidFill>
+          <a:schemeClr val="tx1"/>
+        </a:solidFill>
+        <a:latin typeface="+mn-lt"/>
+        <a:ea typeface="+mn-ea"/>
+        <a:cs typeface="+mn-cs"/>
+      </a:defRPr>
+    </a:lvl8pPr>
+    <a:lvl9pPr marL="3657600" algn="l" defTabSz="914400" rtl="0" eaLnBrk="1" latinLnBrk="0" hangingPunct="1">
+      <a:defRPr sz="1200" kern="1200">
+        <a:solidFill>
+          <a:schemeClr val="tx1"/>
+        </a:solidFill>
+        <a:latin typeface="+mn-lt"/>
+        <a:ea typeface="+mn-ea"/>
+        <a:cs typeface="+mn-cs"/>
+      </a:defRPr>
+    </a:lvl9pPr>
+  </p:notesStyle>
+</p:notesMaster>
+</file>
+
+<file path=ppt/notesSlides/notesSlide1.xml><?xml version="1.0" encoding="utf-8"?>
+<p:notes xmlns:a="http://schemas.openxmlformats.org/drawingml/2006/main" xmlns:r="http://schemas.openxmlformats.org/officeDocument/2006/relationships" xmlns:p="http://schemas.openxmlformats.org/presentationml/2006/main">
   <p:cSld>
     <p:spTree>
       <p:nvGrpSpPr>
@@ -45,9 +472,9 @@
       </p:grpSpPr>
       <p:sp>
         <p:nvSpPr>
-          <p:cNvPr id="82" name="PlaceHolder 1"/>
-          <p:cNvSpPr>
-            <a:spLocks noGrp="1"/>
+          <p:cNvPr id="114" name="PlaceHolder 1"/>
+          <p:cNvSpPr>
+            <a:spLocks noGrp="1" noRot="1" noChangeAspect="1"/>
           </p:cNvSpPr>
           <p:nvPr>
             <p:ph type="sldImg"/>
@@ -55,226 +482,69 @@
         </p:nvSpPr>
         <p:spPr>
           <a:xfrm>
-            <a:off x="216000" y="812520"/>
-            <a:ext cx="7127280" cy="4008960"/>
-          </a:xfrm>
-          <a:prstGeom prst="rect">
-            <a:avLst/>
-          </a:prstGeom>
-        </p:spPr>
-        <p:txBody>
-          <a:bodyPr lIns="0" rIns="0" tIns="0" bIns="0" anchor="ctr">
+            <a:off x="381000" y="685800"/>
+            <a:ext cx="6096000" cy="3429000"/>
+          </a:xfrm>
+          <a:prstGeom prst="rect">
+            <a:avLst/>
+          </a:prstGeom>
+        </p:spPr>
+      </p:sp>
+      <p:sp>
+        <p:nvSpPr>
+          <p:cNvPr id="115" name="PlaceHolder 2"/>
+          <p:cNvSpPr>
+            <a:spLocks noGrp="1"/>
+          </p:cNvSpPr>
+          <p:nvPr>
+            <p:ph type="body"/>
+          </p:nvPr>
+        </p:nvSpPr>
+        <p:spPr>
+          <a:xfrm>
+            <a:off x="685800" y="4343400"/>
+            <a:ext cx="5486040" cy="4114440"/>
+          </a:xfrm>
+          <a:prstGeom prst="rect">
+            <a:avLst/>
+          </a:prstGeom>
+        </p:spPr>
+        <p:txBody>
+          <a:bodyPr tIns="91440" bIns="91440">
             <a:noAutofit/>
           </a:bodyPr>
-          <a:p>
+          <a:lstStyle/>
+          <a:p>
+            <a:pPr>
+              <a:lnSpc>
+                <a:spcPct val="100000"/>
+              </a:lnSpc>
+              <a:tabLst>
+                <a:tab pos="0" algn="l"/>
+              </a:tabLst>
+            </a:pPr>
             <a:r>
-              <a:rPr b="0" lang="en-MY" sz="1400" spc="-1" strike="noStrike">
-                <a:solidFill>
-                  <a:srgbClr val="000000"/>
-                </a:solidFill>
+              <a:rPr lang="en-GB" sz="1100" b="0" strike="noStrike" spc="-1" dirty="0">
                 <a:latin typeface="Arial"/>
               </a:rPr>
-              <a:t>Click to move the slide</a:t>
+              <a:t>https://scientificinquiryinsocialwork.pressbooks.com/chapter/7-1-types-of-research/</a:t>
             </a:r>
-            <a:endParaRPr b="0" lang="en-MY" sz="1400" spc="-1" strike="noStrike">
-              <a:solidFill>
-                <a:srgbClr val="000000"/>
-              </a:solidFill>
-              <a:latin typeface="Arial"/>
-            </a:endParaRPr>
-          </a:p>
-        </p:txBody>
-      </p:sp>
-      <p:sp>
-        <p:nvSpPr>
-          <p:cNvPr id="83" name="PlaceHolder 2"/>
-          <p:cNvSpPr>
-            <a:spLocks noGrp="1"/>
-          </p:cNvSpPr>
-          <p:nvPr>
-            <p:ph type="body"/>
-          </p:nvPr>
-        </p:nvSpPr>
-        <p:spPr>
-          <a:xfrm>
-            <a:off x="756000" y="5078520"/>
-            <a:ext cx="6047640" cy="4811040"/>
-          </a:xfrm>
-          <a:prstGeom prst="rect">
-            <a:avLst/>
-          </a:prstGeom>
-        </p:spPr>
-        <p:txBody>
-          <a:bodyPr lIns="0" rIns="0" tIns="0" bIns="0">
-            <a:noAutofit/>
-          </a:bodyPr>
-          <a:p>
-            <a:r>
-              <a:rPr b="0" lang="en-MY" sz="2000" spc="-1" strike="noStrike">
-                <a:latin typeface="Arial"/>
-              </a:rPr>
-              <a:t>Click to edit the notes format</a:t>
-            </a:r>
-            <a:endParaRPr b="0" lang="en-MY" sz="2000" spc="-1" strike="noStrike">
-              <a:latin typeface="Arial"/>
-            </a:endParaRPr>
-          </a:p>
-        </p:txBody>
-      </p:sp>
-      <p:sp>
-        <p:nvSpPr>
-          <p:cNvPr id="84" name="PlaceHolder 3"/>
-          <p:cNvSpPr>
-            <a:spLocks noGrp="1"/>
-          </p:cNvSpPr>
-          <p:nvPr>
-            <p:ph type="hdr"/>
-          </p:nvPr>
-        </p:nvSpPr>
-        <p:spPr>
-          <a:xfrm>
-            <a:off x="0" y="0"/>
-            <a:ext cx="3280680" cy="534240"/>
-          </a:xfrm>
-          <a:prstGeom prst="rect">
-            <a:avLst/>
-          </a:prstGeom>
-        </p:spPr>
-        <p:txBody>
-          <a:bodyPr lIns="0" rIns="0" tIns="0" bIns="0">
-            <a:noAutofit/>
-          </a:bodyPr>
-          <a:p>
-            <a:r>
-              <a:rPr b="0" lang="en-MY" sz="1400" spc="-1" strike="noStrike">
-                <a:latin typeface="Times New Roman"/>
-              </a:rPr>
-              <a:t>&lt;header&gt;</a:t>
-            </a:r>
-            <a:endParaRPr b="0" lang="en-MY" sz="1400" spc="-1" strike="noStrike">
-              <a:latin typeface="Times New Roman"/>
-            </a:endParaRPr>
-          </a:p>
-        </p:txBody>
-      </p:sp>
-      <p:sp>
-        <p:nvSpPr>
-          <p:cNvPr id="85" name="PlaceHolder 4"/>
-          <p:cNvSpPr>
-            <a:spLocks noGrp="1"/>
-          </p:cNvSpPr>
-          <p:nvPr>
-            <p:ph type="dt"/>
-          </p:nvPr>
-        </p:nvSpPr>
-        <p:spPr>
-          <a:xfrm>
-            <a:off x="4278960" y="0"/>
-            <a:ext cx="3280680" cy="534240"/>
-          </a:xfrm>
-          <a:prstGeom prst="rect">
-            <a:avLst/>
-          </a:prstGeom>
-        </p:spPr>
-        <p:txBody>
-          <a:bodyPr lIns="0" rIns="0" tIns="0" bIns="0">
-            <a:noAutofit/>
-          </a:bodyPr>
-          <a:p>
-            <a:pPr algn="r"/>
-            <a:r>
-              <a:rPr b="0" lang="en-MY" sz="1400" spc="-1" strike="noStrike">
-                <a:latin typeface="Times New Roman"/>
-              </a:rPr>
-              <a:t>&lt;date/time&gt;</a:t>
-            </a:r>
-            <a:endParaRPr b="0" lang="en-MY" sz="1400" spc="-1" strike="noStrike">
-              <a:latin typeface="Times New Roman"/>
-            </a:endParaRPr>
-          </a:p>
-        </p:txBody>
-      </p:sp>
-      <p:sp>
-        <p:nvSpPr>
-          <p:cNvPr id="86" name="PlaceHolder 5"/>
-          <p:cNvSpPr>
-            <a:spLocks noGrp="1"/>
-          </p:cNvSpPr>
-          <p:nvPr>
-            <p:ph type="ftr"/>
-          </p:nvPr>
-        </p:nvSpPr>
-        <p:spPr>
-          <a:xfrm>
-            <a:off x="0" y="10157400"/>
-            <a:ext cx="3280680" cy="534240"/>
-          </a:xfrm>
-          <a:prstGeom prst="rect">
-            <a:avLst/>
-          </a:prstGeom>
-        </p:spPr>
-        <p:txBody>
-          <a:bodyPr lIns="0" rIns="0" tIns="0" bIns="0" anchor="b">
-            <a:noAutofit/>
-          </a:bodyPr>
-          <a:p>
-            <a:r>
-              <a:rPr b="0" lang="en-MY" sz="1400" spc="-1" strike="noStrike">
-                <a:latin typeface="Times New Roman"/>
-              </a:rPr>
-              <a:t>&lt;footer&gt;</a:t>
-            </a:r>
-            <a:endParaRPr b="0" lang="en-MY" sz="1400" spc="-1" strike="noStrike">
-              <a:latin typeface="Times New Roman"/>
-            </a:endParaRPr>
-          </a:p>
-        </p:txBody>
-      </p:sp>
-      <p:sp>
-        <p:nvSpPr>
-          <p:cNvPr id="87" name="PlaceHolder 6"/>
-          <p:cNvSpPr>
-            <a:spLocks noGrp="1"/>
-          </p:cNvSpPr>
-          <p:nvPr>
-            <p:ph type="sldNum"/>
-          </p:nvPr>
-        </p:nvSpPr>
-        <p:spPr>
-          <a:xfrm>
-            <a:off x="4278960" y="10157400"/>
-            <a:ext cx="3280680" cy="534240"/>
-          </a:xfrm>
-          <a:prstGeom prst="rect">
-            <a:avLst/>
-          </a:prstGeom>
-        </p:spPr>
-        <p:txBody>
-          <a:bodyPr lIns="0" rIns="0" tIns="0" bIns="0" anchor="b">
-            <a:noAutofit/>
-          </a:bodyPr>
-          <a:p>
-            <a:pPr algn="r"/>
-            <a:fld id="{33845691-FF76-4F9A-ACE3-761F00A3D64D}" type="slidenum">
-              <a:rPr b="0" lang="en-MY" sz="1400" spc="-1" strike="noStrike">
-                <a:latin typeface="Times New Roman"/>
-              </a:rPr>
-              <a:t>&lt;number&gt;</a:t>
-            </a:fld>
-            <a:endParaRPr b="0" lang="en-MY" sz="1400" spc="-1" strike="noStrike">
-              <a:latin typeface="Times New Roman"/>
+            <a:endParaRPr lang="en-MY" sz="1100" b="0" strike="noStrike" spc="-1" dirty="0">
+              <a:latin typeface="Arial"/>
             </a:endParaRPr>
           </a:p>
         </p:txBody>
       </p:sp>
     </p:spTree>
   </p:cSld>
-  <p:clrMap bg1="lt1" bg2="lt2" tx1="dk1" tx2="dk2" accent1="accent1" accent2="accent2" accent3="accent3" accent4="accent4" accent5="accent5" accent6="accent6" hlink="hlink" folHlink="folHlink"/>
-</p:notesMaster>
+  <p:clrMapOvr>
+    <a:masterClrMapping/>
+  </p:clrMapOvr>
+</p:notes>
 </file>
 
-<file path=ppt/notesSlides/notesSlide3.xml><?xml version="1.0" encoding="utf-8"?>
-<p:notes xmlns:a="http://schemas.openxmlformats.org/drawingml/2006/main" xmlns:p="http://schemas.openxmlformats.org/presentationml/2006/main" xmlns:r="http://schemas.openxmlformats.org/officeDocument/2006/relationships" xmlns:p14="http://schemas.microsoft.com/office/powerpoint/2010/main" xmlns:p15="http://schemas.microsoft.com/office/powerpoint/2012/main" xmlns:mc="http://schemas.openxmlformats.org/markup-compatibility/2006">
+<file path=ppt/notesSlides/notesSlide2.xml><?xml version="1.0" encoding="utf-8"?>
+<p:notes xmlns:a="http://schemas.openxmlformats.org/drawingml/2006/main" xmlns:r="http://schemas.openxmlformats.org/officeDocument/2006/relationships" xmlns:p="http://schemas.openxmlformats.org/presentationml/2006/main">
   <p:cSld>
     <p:spTree>
       <p:nvGrpSpPr>
@@ -292,9 +562,9 @@
       </p:grpSpPr>
       <p:sp>
         <p:nvSpPr>
-          <p:cNvPr id="114" name="PlaceHolder 1"/>
-          <p:cNvSpPr>
-            <a:spLocks noGrp="1"/>
+          <p:cNvPr id="116" name="PlaceHolder 1"/>
+          <p:cNvSpPr>
+            <a:spLocks noGrp="1" noRot="1" noChangeAspect="1"/>
           </p:cNvSpPr>
           <p:nvPr>
             <p:ph type="sldImg"/>
@@ -312,7 +582,7 @@
       </p:sp>
       <p:sp>
         <p:nvSpPr>
-          <p:cNvPr id="115" name="PlaceHolder 2"/>
+          <p:cNvPr id="117" name="PlaceHolder 2"/>
           <p:cNvSpPr>
             <a:spLocks noGrp="1"/>
           </p:cNvSpPr>
@@ -333,22 +603,23 @@
           <a:bodyPr tIns="91440" bIns="91440">
             <a:noAutofit/>
           </a:bodyPr>
+          <a:lstStyle/>
           <a:p>
             <a:pPr>
               <a:lnSpc>
                 <a:spcPct val="100000"/>
               </a:lnSpc>
               <a:tabLst>
-                <a:tab algn="l" pos="0"/>
+                <a:tab pos="0" algn="l"/>
               </a:tabLst>
             </a:pPr>
             <a:r>
-              <a:rPr b="0" lang="en-GB" sz="1100" spc="-1" strike="noStrike">
+              <a:rPr lang="en-GB" sz="1100" b="0" strike="noStrike" spc="-1">
                 <a:latin typeface="Arial"/>
               </a:rPr>
-              <a:t>https://scientificinquiryinsocialwork.pressbooks.com/chapter/7-1-types-of-research/</a:t>
+              <a:t>https://www.researchgate.net/publication/267058525_Exploratory_vs_Confirmatory_Research</a:t>
             </a:r>
-            <a:endParaRPr b="0" lang="en-MY" sz="1100" spc="-1" strike="noStrike">
+            <a:endParaRPr lang="en-MY" sz="1100" b="0" strike="noStrike" spc="-1">
               <a:latin typeface="Arial"/>
             </a:endParaRPr>
           </a:p>
@@ -356,11 +627,14 @@
       </p:sp>
     </p:spTree>
   </p:cSld>
+  <p:clrMapOvr>
+    <a:masterClrMapping/>
+  </p:clrMapOvr>
 </p:notes>
 </file>
 
-<file path=ppt/notesSlides/notesSlide4.xml><?xml version="1.0" encoding="utf-8"?>
-<p:notes xmlns:a="http://schemas.openxmlformats.org/drawingml/2006/main" xmlns:p="http://schemas.openxmlformats.org/presentationml/2006/main" xmlns:r="http://schemas.openxmlformats.org/officeDocument/2006/relationships" xmlns:p14="http://schemas.microsoft.com/office/powerpoint/2010/main" xmlns:p15="http://schemas.microsoft.com/office/powerpoint/2012/main" xmlns:mc="http://schemas.openxmlformats.org/markup-compatibility/2006">
+<file path=ppt/notesSlides/notesSlide3.xml><?xml version="1.0" encoding="utf-8"?>
+<p:notes xmlns:a="http://schemas.openxmlformats.org/drawingml/2006/main" xmlns:r="http://schemas.openxmlformats.org/officeDocument/2006/relationships" xmlns:p="http://schemas.openxmlformats.org/presentationml/2006/main">
   <p:cSld>
     <p:spTree>
       <p:nvGrpSpPr>
@@ -378,9 +652,9 @@
       </p:grpSpPr>
       <p:sp>
         <p:nvSpPr>
-          <p:cNvPr id="116" name="PlaceHolder 1"/>
-          <p:cNvSpPr>
-            <a:spLocks noGrp="1"/>
+          <p:cNvPr id="2" name="Slide Image Placeholder 1"/>
+          <p:cNvSpPr>
+            <a:spLocks noGrp="1" noRot="1" noChangeAspect="1"/>
           </p:cNvSpPr>
           <p:nvPr>
             <p:ph type="sldImg"/>
@@ -388,65 +662,76 @@
         </p:nvSpPr>
         <p:spPr>
           <a:xfrm>
-            <a:off x="381240" y="685800"/>
-            <a:ext cx="6095520" cy="3428640"/>
-          </a:xfrm>
-          <a:prstGeom prst="rect">
-            <a:avLst/>
-          </a:prstGeom>
-        </p:spPr>
-      </p:sp>
-      <p:sp>
-        <p:nvSpPr>
-          <p:cNvPr id="117" name="PlaceHolder 2"/>
-          <p:cNvSpPr>
-            <a:spLocks noGrp="1"/>
-          </p:cNvSpPr>
-          <p:nvPr>
-            <p:ph type="body"/>
-          </p:nvPr>
-        </p:nvSpPr>
-        <p:spPr>
-          <a:xfrm>
-            <a:off x="685800" y="4343400"/>
-            <a:ext cx="5486040" cy="4114440"/>
-          </a:xfrm>
-          <a:prstGeom prst="rect">
-            <a:avLst/>
-          </a:prstGeom>
-        </p:spPr>
-        <p:txBody>
-          <a:bodyPr tIns="91440" bIns="91440">
-            <a:noAutofit/>
-          </a:bodyPr>
-          <a:p>
-            <a:pPr>
-              <a:lnSpc>
-                <a:spcPct val="100000"/>
-              </a:lnSpc>
-              <a:tabLst>
-                <a:tab algn="l" pos="0"/>
-              </a:tabLst>
-            </a:pPr>
+            <a:off x="217488" y="812800"/>
+            <a:ext cx="7124700" cy="4008438"/>
+          </a:xfrm>
+        </p:spPr>
+      </p:sp>
+      <p:sp>
+        <p:nvSpPr>
+          <p:cNvPr id="3" name="Notes Placeholder 2"/>
+          <p:cNvSpPr>
+            <a:spLocks noGrp="1"/>
+          </p:cNvSpPr>
+          <p:nvPr>
+            <p:ph type="body" idx="1"/>
+          </p:nvPr>
+        </p:nvSpPr>
+        <p:spPr/>
+        <p:txBody>
+          <a:bodyPr/>
+          <a:lstStyle/>
+          <a:p>
             <a:r>
-              <a:rPr b="0" lang="en-GB" sz="1100" spc="-1" strike="noStrike">
-                <a:latin typeface="Arial"/>
+              <a:rPr lang="en-MY" dirty="0"/>
+              <a:t>https://www.gapminder.org/tools/#$model$markers$bubble$encoding$frame$value=1816;;;;;&amp;chart-type=bubbles&amp;url=v1</a:t>
+            </a:r>
+          </a:p>
+        </p:txBody>
+      </p:sp>
+      <p:sp>
+        <p:nvSpPr>
+          <p:cNvPr id="4" name="Slide Number Placeholder 3"/>
+          <p:cNvSpPr>
+            <a:spLocks noGrp="1"/>
+          </p:cNvSpPr>
+          <p:nvPr>
+            <p:ph type="sldNum"/>
+          </p:nvPr>
+        </p:nvSpPr>
+        <p:spPr/>
+        <p:txBody>
+          <a:bodyPr/>
+          <a:lstStyle/>
+          <a:p>
+            <a:pPr algn="r"/>
+            <a:fld id="{33845691-FF76-4F9A-ACE3-761F00A3D64D}" type="slidenum">
+              <a:rPr lang="en-MY" sz="1400" b="0" strike="noStrike" spc="-1" smtClean="0">
+                <a:latin typeface="Times New Roman"/>
               </a:rPr>
-              <a:t>https://www.researchgate.net/publication/267058525_Exploratory_vs_Confirmatory_Research</a:t>
-            </a:r>
-            <a:endParaRPr b="0" lang="en-MY" sz="1100" spc="-1" strike="noStrike">
-              <a:latin typeface="Arial"/>
+              <a:t>6</a:t>
+            </a:fld>
+            <a:endParaRPr lang="en-MY" sz="1400" b="0" strike="noStrike" spc="-1">
+              <a:latin typeface="Times New Roman"/>
             </a:endParaRPr>
           </a:p>
         </p:txBody>
       </p:sp>
     </p:spTree>
+    <p:extLst>
+      <p:ext uri="{BB962C8B-B14F-4D97-AF65-F5344CB8AC3E}">
+        <p14:creationId xmlns:p14="http://schemas.microsoft.com/office/powerpoint/2010/main" val="561523856"/>
+      </p:ext>
+    </p:extLst>
   </p:cSld>
+  <p:clrMapOvr>
+    <a:masterClrMapping/>
+  </p:clrMapOvr>
 </p:notes>
 </file>
 
-<file path=ppt/notesSlides/notesSlide8.xml><?xml version="1.0" encoding="utf-8"?>
-<p:notes xmlns:a="http://schemas.openxmlformats.org/drawingml/2006/main" xmlns:p="http://schemas.openxmlformats.org/presentationml/2006/main" xmlns:r="http://schemas.openxmlformats.org/officeDocument/2006/relationships" xmlns:p14="http://schemas.microsoft.com/office/powerpoint/2010/main" xmlns:p15="http://schemas.microsoft.com/office/powerpoint/2012/main" xmlns:mc="http://schemas.openxmlformats.org/markup-compatibility/2006">
+<file path=ppt/notesSlides/notesSlide4.xml><?xml version="1.0" encoding="utf-8"?>
+<p:notes xmlns:a="http://schemas.openxmlformats.org/drawingml/2006/main" xmlns:r="http://schemas.openxmlformats.org/officeDocument/2006/relationships" xmlns:p="http://schemas.openxmlformats.org/presentationml/2006/main">
   <p:cSld>
     <p:spTree>
       <p:nvGrpSpPr>
@@ -466,7 +751,7 @@
         <p:nvSpPr>
           <p:cNvPr id="118" name="PlaceHolder 1"/>
           <p:cNvSpPr>
-            <a:spLocks noGrp="1"/>
+            <a:spLocks noGrp="1" noRot="1" noChangeAspect="1"/>
           </p:cNvSpPr>
           <p:nvPr>
             <p:ph type="sldImg"/>
@@ -474,8 +759,8 @@
         </p:nvSpPr>
         <p:spPr>
           <a:xfrm>
-            <a:off x="381240" y="685800"/>
-            <a:ext cx="6095520" cy="3428640"/>
+            <a:off x="381000" y="685800"/>
+            <a:ext cx="6096000" cy="3429000"/>
           </a:xfrm>
           <a:prstGeom prst="rect">
             <a:avLst/>
@@ -505,22 +790,23 @@
           <a:bodyPr tIns="91440" bIns="91440">
             <a:noAutofit/>
           </a:bodyPr>
+          <a:lstStyle/>
           <a:p>
             <a:pPr>
               <a:lnSpc>
                 <a:spcPct val="100000"/>
               </a:lnSpc>
               <a:tabLst>
-                <a:tab algn="l" pos="0"/>
+                <a:tab pos="0" algn="l"/>
               </a:tabLst>
             </a:pPr>
             <a:r>
-              <a:rPr b="0" lang="en-GB" sz="1100" spc="-1" strike="noStrike">
+              <a:rPr lang="en-GB" sz="1100" b="0" strike="noStrike" spc="-1">
                 <a:latin typeface="Arial"/>
               </a:rPr>
               <a:t>https://www.tableau.com/learn/articles/data-visualization</a:t>
             </a:r>
-            <a:endParaRPr b="0" lang="en-MY" sz="1100" spc="-1" strike="noStrike">
+            <a:endParaRPr lang="en-MY" sz="1100" b="0" strike="noStrike" spc="-1">
               <a:latin typeface="Arial"/>
             </a:endParaRPr>
           </a:p>
@@ -528,11 +814,14 @@
       </p:sp>
     </p:spTree>
   </p:cSld>
+  <p:clrMapOvr>
+    <a:masterClrMapping/>
+  </p:clrMapOvr>
 </p:notes>
 </file>
 
 <file path=ppt/slideLayouts/slideLayout1.xml><?xml version="1.0" encoding="utf-8"?>
-<p:sldLayout xmlns:a="http://schemas.openxmlformats.org/drawingml/2006/main" xmlns:p="http://schemas.openxmlformats.org/presentationml/2006/main" xmlns:r="http://schemas.openxmlformats.org/officeDocument/2006/relationships" xmlns:p14="http://schemas.microsoft.com/office/powerpoint/2010/main" xmlns:p15="http://schemas.microsoft.com/office/powerpoint/2012/main" xmlns:mc="http://schemas.openxmlformats.org/markup-compatibility/2006" type="blank" preserve="1">
+<p:sldLayout xmlns:a="http://schemas.openxmlformats.org/drawingml/2006/main" xmlns:r="http://schemas.openxmlformats.org/officeDocument/2006/relationships" xmlns:p="http://schemas.openxmlformats.org/presentationml/2006/main" type="blank" preserve="1">
   <p:cSld name="Blank Slide">
     <p:spTree>
       <p:nvGrpSpPr>
@@ -550,11 +839,14 @@
       </p:grpSpPr>
     </p:spTree>
   </p:cSld>
+  <p:clrMapOvr>
+    <a:masterClrMapping/>
+  </p:clrMapOvr>
 </p:sldLayout>
 </file>
 
 <file path=ppt/slideLayouts/slideLayout10.xml><?xml version="1.0" encoding="utf-8"?>
-<p:sldLayout xmlns:a="http://schemas.openxmlformats.org/drawingml/2006/main" xmlns:p="http://schemas.openxmlformats.org/presentationml/2006/main" xmlns:r="http://schemas.openxmlformats.org/officeDocument/2006/relationships" xmlns:p14="http://schemas.microsoft.com/office/powerpoint/2010/main" xmlns:p15="http://schemas.microsoft.com/office/powerpoint/2012/main" xmlns:mc="http://schemas.openxmlformats.org/markup-compatibility/2006" type="objOverTx" preserve="1">
+<p:sldLayout xmlns:a="http://schemas.openxmlformats.org/drawingml/2006/main" xmlns:r="http://schemas.openxmlformats.org/officeDocument/2006/relationships" xmlns:p="http://schemas.openxmlformats.org/presentationml/2006/main" type="objOverTx" preserve="1">
   <p:cSld name="Title, Content over Content">
     <p:spTree>
       <p:nvGrpSpPr>
@@ -590,11 +882,12 @@
           </a:prstGeom>
         </p:spPr>
         <p:txBody>
-          <a:bodyPr lIns="0" rIns="0" tIns="0" bIns="0" anchor="ctr">
+          <a:bodyPr lIns="0" tIns="0" rIns="0" bIns="0" anchor="ctr">
             <a:noAutofit/>
           </a:bodyPr>
-          <a:p>
-            <a:endParaRPr b="0" lang="en-MY" sz="1400" spc="-1" strike="noStrike">
+          <a:lstStyle/>
+          <a:p>
+            <a:endParaRPr lang="en-MY" sz="1400" b="0" strike="noStrike" spc="-1">
               <a:solidFill>
                 <a:srgbClr val="000000"/>
               </a:solidFill>
@@ -623,11 +916,12 @@
           </a:prstGeom>
         </p:spPr>
         <p:txBody>
-          <a:bodyPr lIns="0" rIns="0" tIns="0" bIns="0">
+          <a:bodyPr lIns="0" tIns="0" rIns="0" bIns="0">
             <a:normAutofit/>
           </a:bodyPr>
-          <a:p>
-            <a:endParaRPr b="0" lang="en-MY" sz="1400" spc="-1" strike="noStrike">
+          <a:lstStyle/>
+          <a:p>
+            <a:endParaRPr lang="en-MY" sz="1400" b="0" strike="noStrike" spc="-1">
               <a:solidFill>
                 <a:srgbClr val="000000"/>
               </a:solidFill>
@@ -656,11 +950,12 @@
           </a:prstGeom>
         </p:spPr>
         <p:txBody>
-          <a:bodyPr lIns="0" rIns="0" tIns="0" bIns="0">
+          <a:bodyPr lIns="0" tIns="0" rIns="0" bIns="0">
             <a:normAutofit/>
           </a:bodyPr>
-          <a:p>
-            <a:endParaRPr b="0" lang="en-MY" sz="1400" spc="-1" strike="noStrike">
+          <a:lstStyle/>
+          <a:p>
+            <a:endParaRPr lang="en-MY" sz="1400" b="0" strike="noStrike" spc="-1">
               <a:solidFill>
                 <a:srgbClr val="000000"/>
               </a:solidFill>
@@ -671,11 +966,14 @@
       </p:sp>
     </p:spTree>
   </p:cSld>
+  <p:clrMapOvr>
+    <a:masterClrMapping/>
+  </p:clrMapOvr>
 </p:sldLayout>
 </file>
 
 <file path=ppt/slideLayouts/slideLayout11.xml><?xml version="1.0" encoding="utf-8"?>
-<p:sldLayout xmlns:a="http://schemas.openxmlformats.org/drawingml/2006/main" xmlns:p="http://schemas.openxmlformats.org/presentationml/2006/main" xmlns:r="http://schemas.openxmlformats.org/officeDocument/2006/relationships" xmlns:p14="http://schemas.microsoft.com/office/powerpoint/2010/main" xmlns:p15="http://schemas.microsoft.com/office/powerpoint/2012/main" xmlns:mc="http://schemas.openxmlformats.org/markup-compatibility/2006" type="fourObj" preserve="1">
+<p:sldLayout xmlns:a="http://schemas.openxmlformats.org/drawingml/2006/main" xmlns:r="http://schemas.openxmlformats.org/officeDocument/2006/relationships" xmlns:p="http://schemas.openxmlformats.org/presentationml/2006/main" type="fourObj" preserve="1">
   <p:cSld name="Title, 4 Content">
     <p:spTree>
       <p:nvGrpSpPr>
@@ -711,11 +1009,12 @@
           </a:prstGeom>
         </p:spPr>
         <p:txBody>
-          <a:bodyPr lIns="0" rIns="0" tIns="0" bIns="0" anchor="ctr">
+          <a:bodyPr lIns="0" tIns="0" rIns="0" bIns="0" anchor="ctr">
             <a:noAutofit/>
           </a:bodyPr>
-          <a:p>
-            <a:endParaRPr b="0" lang="en-MY" sz="1400" spc="-1" strike="noStrike">
+          <a:lstStyle/>
+          <a:p>
+            <a:endParaRPr lang="en-MY" sz="1400" b="0" strike="noStrike" spc="-1">
               <a:solidFill>
                 <a:srgbClr val="000000"/>
               </a:solidFill>
@@ -744,11 +1043,12 @@
           </a:prstGeom>
         </p:spPr>
         <p:txBody>
-          <a:bodyPr lIns="0" rIns="0" tIns="0" bIns="0">
+          <a:bodyPr lIns="0" tIns="0" rIns="0" bIns="0">
             <a:normAutofit/>
           </a:bodyPr>
-          <a:p>
-            <a:endParaRPr b="0" lang="en-MY" sz="1400" spc="-1" strike="noStrike">
+          <a:lstStyle/>
+          <a:p>
+            <a:endParaRPr lang="en-MY" sz="1400" b="0" strike="noStrike" spc="-1">
               <a:solidFill>
                 <a:srgbClr val="000000"/>
               </a:solidFill>
@@ -777,11 +1077,12 @@
           </a:prstGeom>
         </p:spPr>
         <p:txBody>
-          <a:bodyPr lIns="0" rIns="0" tIns="0" bIns="0">
+          <a:bodyPr lIns="0" tIns="0" rIns="0" bIns="0">
             <a:normAutofit/>
           </a:bodyPr>
-          <a:p>
-            <a:endParaRPr b="0" lang="en-MY" sz="1400" spc="-1" strike="noStrike">
+          <a:lstStyle/>
+          <a:p>
+            <a:endParaRPr lang="en-MY" sz="1400" b="0" strike="noStrike" spc="-1">
               <a:solidFill>
                 <a:srgbClr val="000000"/>
               </a:solidFill>
@@ -810,11 +1111,12 @@
           </a:prstGeom>
         </p:spPr>
         <p:txBody>
-          <a:bodyPr lIns="0" rIns="0" tIns="0" bIns="0">
+          <a:bodyPr lIns="0" tIns="0" rIns="0" bIns="0">
             <a:normAutofit/>
           </a:bodyPr>
-          <a:p>
-            <a:endParaRPr b="0" lang="en-MY" sz="1400" spc="-1" strike="noStrike">
+          <a:lstStyle/>
+          <a:p>
+            <a:endParaRPr lang="en-MY" sz="1400" b="0" strike="noStrike" spc="-1">
               <a:solidFill>
                 <a:srgbClr val="000000"/>
               </a:solidFill>
@@ -843,11 +1145,12 @@
           </a:prstGeom>
         </p:spPr>
         <p:txBody>
-          <a:bodyPr lIns="0" rIns="0" tIns="0" bIns="0">
+          <a:bodyPr lIns="0" tIns="0" rIns="0" bIns="0">
             <a:normAutofit/>
           </a:bodyPr>
-          <a:p>
-            <a:endParaRPr b="0" lang="en-MY" sz="1400" spc="-1" strike="noStrike">
+          <a:lstStyle/>
+          <a:p>
+            <a:endParaRPr lang="en-MY" sz="1400" b="0" strike="noStrike" spc="-1">
               <a:solidFill>
                 <a:srgbClr val="000000"/>
               </a:solidFill>
@@ -858,11 +1161,14 @@
       </p:sp>
     </p:spTree>
   </p:cSld>
+  <p:clrMapOvr>
+    <a:masterClrMapping/>
+  </p:clrMapOvr>
 </p:sldLayout>
 </file>
 
 <file path=ppt/slideLayouts/slideLayout12.xml><?xml version="1.0" encoding="utf-8"?>
-<p:sldLayout xmlns:a="http://schemas.openxmlformats.org/drawingml/2006/main" xmlns:p="http://schemas.openxmlformats.org/presentationml/2006/main" xmlns:r="http://schemas.openxmlformats.org/officeDocument/2006/relationships" xmlns:p14="http://schemas.microsoft.com/office/powerpoint/2010/main" xmlns:p15="http://schemas.microsoft.com/office/powerpoint/2012/main" xmlns:mc="http://schemas.openxmlformats.org/markup-compatibility/2006" type="blank" preserve="1">
+<p:sldLayout xmlns:a="http://schemas.openxmlformats.org/drawingml/2006/main" xmlns:r="http://schemas.openxmlformats.org/officeDocument/2006/relationships" xmlns:p="http://schemas.openxmlformats.org/presentationml/2006/main" type="blank" preserve="1">
   <p:cSld name="Title, 6 Content">
     <p:spTree>
       <p:nvGrpSpPr>
@@ -898,11 +1204,12 @@
           </a:prstGeom>
         </p:spPr>
         <p:txBody>
-          <a:bodyPr lIns="0" rIns="0" tIns="0" bIns="0" anchor="ctr">
+          <a:bodyPr lIns="0" tIns="0" rIns="0" bIns="0" anchor="ctr">
             <a:noAutofit/>
           </a:bodyPr>
-          <a:p>
-            <a:endParaRPr b="0" lang="en-MY" sz="1400" spc="-1" strike="noStrike">
+          <a:lstStyle/>
+          <a:p>
+            <a:endParaRPr lang="en-MY" sz="1400" b="0" strike="noStrike" spc="-1">
               <a:solidFill>
                 <a:srgbClr val="000000"/>
               </a:solidFill>
@@ -931,11 +1238,12 @@
           </a:prstGeom>
         </p:spPr>
         <p:txBody>
-          <a:bodyPr lIns="0" rIns="0" tIns="0" bIns="0">
+          <a:bodyPr lIns="0" tIns="0" rIns="0" bIns="0">
             <a:normAutofit/>
           </a:bodyPr>
-          <a:p>
-            <a:endParaRPr b="0" lang="en-MY" sz="1400" spc="-1" strike="noStrike">
+          <a:lstStyle/>
+          <a:p>
+            <a:endParaRPr lang="en-MY" sz="1400" b="0" strike="noStrike" spc="-1">
               <a:solidFill>
                 <a:srgbClr val="000000"/>
               </a:solidFill>
@@ -964,11 +1272,12 @@
           </a:prstGeom>
         </p:spPr>
         <p:txBody>
-          <a:bodyPr lIns="0" rIns="0" tIns="0" bIns="0">
+          <a:bodyPr lIns="0" tIns="0" rIns="0" bIns="0">
             <a:normAutofit/>
           </a:bodyPr>
-          <a:p>
-            <a:endParaRPr b="0" lang="en-MY" sz="1400" spc="-1" strike="noStrike">
+          <a:lstStyle/>
+          <a:p>
+            <a:endParaRPr lang="en-MY" sz="1400" b="0" strike="noStrike" spc="-1">
               <a:solidFill>
                 <a:srgbClr val="000000"/>
               </a:solidFill>
@@ -997,11 +1306,12 @@
           </a:prstGeom>
         </p:spPr>
         <p:txBody>
-          <a:bodyPr lIns="0" rIns="0" tIns="0" bIns="0">
+          <a:bodyPr lIns="0" tIns="0" rIns="0" bIns="0">
             <a:normAutofit/>
           </a:bodyPr>
-          <a:p>
-            <a:endParaRPr b="0" lang="en-MY" sz="1400" spc="-1" strike="noStrike">
+          <a:lstStyle/>
+          <a:p>
+            <a:endParaRPr lang="en-MY" sz="1400" b="0" strike="noStrike" spc="-1">
               <a:solidFill>
                 <a:srgbClr val="000000"/>
               </a:solidFill>
@@ -1030,11 +1340,12 @@
           </a:prstGeom>
         </p:spPr>
         <p:txBody>
-          <a:bodyPr lIns="0" rIns="0" tIns="0" bIns="0">
+          <a:bodyPr lIns="0" tIns="0" rIns="0" bIns="0">
             <a:normAutofit/>
           </a:bodyPr>
-          <a:p>
-            <a:endParaRPr b="0" lang="en-MY" sz="1400" spc="-1" strike="noStrike">
+          <a:lstStyle/>
+          <a:p>
+            <a:endParaRPr lang="en-MY" sz="1400" b="0" strike="noStrike" spc="-1">
               <a:solidFill>
                 <a:srgbClr val="000000"/>
               </a:solidFill>
@@ -1063,11 +1374,12 @@
           </a:prstGeom>
         </p:spPr>
         <p:txBody>
-          <a:bodyPr lIns="0" rIns="0" tIns="0" bIns="0">
+          <a:bodyPr lIns="0" tIns="0" rIns="0" bIns="0">
             <a:normAutofit/>
           </a:bodyPr>
-          <a:p>
-            <a:endParaRPr b="0" lang="en-MY" sz="1400" spc="-1" strike="noStrike">
+          <a:lstStyle/>
+          <a:p>
+            <a:endParaRPr lang="en-MY" sz="1400" b="0" strike="noStrike" spc="-1">
               <a:solidFill>
                 <a:srgbClr val="000000"/>
               </a:solidFill>
@@ -1096,11 +1408,12 @@
           </a:prstGeom>
         </p:spPr>
         <p:txBody>
-          <a:bodyPr lIns="0" rIns="0" tIns="0" bIns="0">
+          <a:bodyPr lIns="0" tIns="0" rIns="0" bIns="0">
             <a:normAutofit/>
           </a:bodyPr>
-          <a:p>
-            <a:endParaRPr b="0" lang="en-MY" sz="1400" spc="-1" strike="noStrike">
+          <a:lstStyle/>
+          <a:p>
+            <a:endParaRPr lang="en-MY" sz="1400" b="0" strike="noStrike" spc="-1">
               <a:solidFill>
                 <a:srgbClr val="000000"/>
               </a:solidFill>
@@ -1111,11 +1424,14 @@
       </p:sp>
     </p:spTree>
   </p:cSld>
+  <p:clrMapOvr>
+    <a:masterClrMapping/>
+  </p:clrMapOvr>
 </p:sldLayout>
 </file>
 
 <file path=ppt/slideLayouts/slideLayout13.xml><?xml version="1.0" encoding="utf-8"?>
-<p:sldLayout xmlns:a="http://schemas.openxmlformats.org/drawingml/2006/main" xmlns:p="http://schemas.openxmlformats.org/presentationml/2006/main" xmlns:r="http://schemas.openxmlformats.org/officeDocument/2006/relationships" xmlns:p14="http://schemas.microsoft.com/office/powerpoint/2010/main" xmlns:p15="http://schemas.microsoft.com/office/powerpoint/2012/main" xmlns:mc="http://schemas.openxmlformats.org/markup-compatibility/2006" type="blank" preserve="1">
+<p:sldLayout xmlns:a="http://schemas.openxmlformats.org/drawingml/2006/main" xmlns:r="http://schemas.openxmlformats.org/officeDocument/2006/relationships" xmlns:p="http://schemas.openxmlformats.org/presentationml/2006/main" type="blank" preserve="1">
   <p:cSld name="Blank Slide">
     <p:spTree>
       <p:nvGrpSpPr>
@@ -1133,11 +1449,14 @@
       </p:grpSpPr>
     </p:spTree>
   </p:cSld>
+  <p:clrMapOvr>
+    <a:masterClrMapping/>
+  </p:clrMapOvr>
 </p:sldLayout>
 </file>
 
 <file path=ppt/slideLayouts/slideLayout14.xml><?xml version="1.0" encoding="utf-8"?>
-<p:sldLayout xmlns:a="http://schemas.openxmlformats.org/drawingml/2006/main" xmlns:p="http://schemas.openxmlformats.org/presentationml/2006/main" xmlns:r="http://schemas.openxmlformats.org/officeDocument/2006/relationships" xmlns:p14="http://schemas.microsoft.com/office/powerpoint/2010/main" xmlns:p15="http://schemas.microsoft.com/office/powerpoint/2012/main" xmlns:mc="http://schemas.openxmlformats.org/markup-compatibility/2006" type="tx" preserve="1">
+<p:sldLayout xmlns:a="http://schemas.openxmlformats.org/drawingml/2006/main" xmlns:r="http://schemas.openxmlformats.org/officeDocument/2006/relationships" xmlns:p="http://schemas.openxmlformats.org/presentationml/2006/main" type="tx" preserve="1">
   <p:cSld name="Title Slide">
     <p:spTree>
       <p:nvGrpSpPr>
@@ -1173,11 +1492,12 @@
           </a:prstGeom>
         </p:spPr>
         <p:txBody>
-          <a:bodyPr lIns="0" rIns="0" tIns="0" bIns="0" anchor="ctr">
+          <a:bodyPr lIns="0" tIns="0" rIns="0" bIns="0" anchor="ctr">
             <a:noAutofit/>
           </a:bodyPr>
-          <a:p>
-            <a:endParaRPr b="0" lang="en-MY" sz="1400" spc="-1" strike="noStrike">
+          <a:lstStyle/>
+          <a:p>
+            <a:endParaRPr lang="en-MY" sz="1400" b="0" strike="noStrike" spc="-1">
               <a:solidFill>
                 <a:srgbClr val="000000"/>
               </a:solidFill>
@@ -1206,12 +1526,13 @@
           </a:prstGeom>
         </p:spPr>
         <p:txBody>
-          <a:bodyPr lIns="0" rIns="0" tIns="0" bIns="0" anchor="ctr">
+          <a:bodyPr lIns="0" tIns="0" rIns="0" bIns="0" anchor="ctr">
             <a:noAutofit/>
           </a:bodyPr>
+          <a:lstStyle/>
           <a:p>
             <a:pPr algn="ctr"/>
-            <a:endParaRPr b="0" lang="en-MY" sz="3200" spc="-1" strike="noStrike">
+            <a:endParaRPr lang="en-MY" sz="3200" b="0" strike="noStrike" spc="-1">
               <a:latin typeface="Arial"/>
             </a:endParaRPr>
           </a:p>
@@ -1219,11 +1540,14 @@
       </p:sp>
     </p:spTree>
   </p:cSld>
+  <p:clrMapOvr>
+    <a:masterClrMapping/>
+  </p:clrMapOvr>
 </p:sldLayout>
 </file>
 
 <file path=ppt/slideLayouts/slideLayout15.xml><?xml version="1.0" encoding="utf-8"?>
-<p:sldLayout xmlns:a="http://schemas.openxmlformats.org/drawingml/2006/main" xmlns:p="http://schemas.openxmlformats.org/presentationml/2006/main" xmlns:r="http://schemas.openxmlformats.org/officeDocument/2006/relationships" xmlns:p14="http://schemas.microsoft.com/office/powerpoint/2010/main" xmlns:p15="http://schemas.microsoft.com/office/powerpoint/2012/main" xmlns:mc="http://schemas.openxmlformats.org/markup-compatibility/2006" type="obj" preserve="1">
+<p:sldLayout xmlns:a="http://schemas.openxmlformats.org/drawingml/2006/main" xmlns:r="http://schemas.openxmlformats.org/officeDocument/2006/relationships" xmlns:p="http://schemas.openxmlformats.org/presentationml/2006/main" type="obj" preserve="1">
   <p:cSld name="Title, Content">
     <p:spTree>
       <p:nvGrpSpPr>
@@ -1259,11 +1583,12 @@
           </a:prstGeom>
         </p:spPr>
         <p:txBody>
-          <a:bodyPr lIns="0" rIns="0" tIns="0" bIns="0" anchor="ctr">
+          <a:bodyPr lIns="0" tIns="0" rIns="0" bIns="0" anchor="ctr">
             <a:noAutofit/>
           </a:bodyPr>
-          <a:p>
-            <a:endParaRPr b="0" lang="en-MY" sz="1400" spc="-1" strike="noStrike">
+          <a:lstStyle/>
+          <a:p>
+            <a:endParaRPr lang="en-MY" sz="1400" b="0" strike="noStrike" spc="-1">
               <a:solidFill>
                 <a:srgbClr val="000000"/>
               </a:solidFill>
@@ -1292,11 +1617,12 @@
           </a:prstGeom>
         </p:spPr>
         <p:txBody>
-          <a:bodyPr lIns="0" rIns="0" tIns="0" bIns="0">
+          <a:bodyPr lIns="0" tIns="0" rIns="0" bIns="0">
             <a:normAutofit/>
           </a:bodyPr>
-          <a:p>
-            <a:endParaRPr b="0" lang="en-MY" sz="1400" spc="-1" strike="noStrike">
+          <a:lstStyle/>
+          <a:p>
+            <a:endParaRPr lang="en-MY" sz="1400" b="0" strike="noStrike" spc="-1">
               <a:solidFill>
                 <a:srgbClr val="000000"/>
               </a:solidFill>
@@ -1307,11 +1633,14 @@
       </p:sp>
     </p:spTree>
   </p:cSld>
+  <p:clrMapOvr>
+    <a:masterClrMapping/>
+  </p:clrMapOvr>
 </p:sldLayout>
 </file>
 
 <file path=ppt/slideLayouts/slideLayout16.xml><?xml version="1.0" encoding="utf-8"?>
-<p:sldLayout xmlns:a="http://schemas.openxmlformats.org/drawingml/2006/main" xmlns:p="http://schemas.openxmlformats.org/presentationml/2006/main" xmlns:r="http://schemas.openxmlformats.org/officeDocument/2006/relationships" xmlns:p14="http://schemas.microsoft.com/office/powerpoint/2010/main" xmlns:p15="http://schemas.microsoft.com/office/powerpoint/2012/main" xmlns:mc="http://schemas.openxmlformats.org/markup-compatibility/2006" type="twoObj" preserve="1">
+<p:sldLayout xmlns:a="http://schemas.openxmlformats.org/drawingml/2006/main" xmlns:r="http://schemas.openxmlformats.org/officeDocument/2006/relationships" xmlns:p="http://schemas.openxmlformats.org/presentationml/2006/main" type="twoObj" preserve="1">
   <p:cSld name="Title, 2 Content">
     <p:spTree>
       <p:nvGrpSpPr>
@@ -1347,11 +1676,12 @@
           </a:prstGeom>
         </p:spPr>
         <p:txBody>
-          <a:bodyPr lIns="0" rIns="0" tIns="0" bIns="0" anchor="ctr">
+          <a:bodyPr lIns="0" tIns="0" rIns="0" bIns="0" anchor="ctr">
             <a:noAutofit/>
           </a:bodyPr>
-          <a:p>
-            <a:endParaRPr b="0" lang="en-MY" sz="1400" spc="-1" strike="noStrike">
+          <a:lstStyle/>
+          <a:p>
+            <a:endParaRPr lang="en-MY" sz="1400" b="0" strike="noStrike" spc="-1">
               <a:solidFill>
                 <a:srgbClr val="000000"/>
               </a:solidFill>
@@ -1380,11 +1710,12 @@
           </a:prstGeom>
         </p:spPr>
         <p:txBody>
-          <a:bodyPr lIns="0" rIns="0" tIns="0" bIns="0">
+          <a:bodyPr lIns="0" tIns="0" rIns="0" bIns="0">
             <a:normAutofit/>
           </a:bodyPr>
-          <a:p>
-            <a:endParaRPr b="0" lang="en-MY" sz="1400" spc="-1" strike="noStrike">
+          <a:lstStyle/>
+          <a:p>
+            <a:endParaRPr lang="en-MY" sz="1400" b="0" strike="noStrike" spc="-1">
               <a:solidFill>
                 <a:srgbClr val="000000"/>
               </a:solidFill>
@@ -1413,11 +1744,12 @@
           </a:prstGeom>
         </p:spPr>
         <p:txBody>
-          <a:bodyPr lIns="0" rIns="0" tIns="0" bIns="0">
+          <a:bodyPr lIns="0" tIns="0" rIns="0" bIns="0">
             <a:normAutofit/>
           </a:bodyPr>
-          <a:p>
-            <a:endParaRPr b="0" lang="en-MY" sz="1400" spc="-1" strike="noStrike">
+          <a:lstStyle/>
+          <a:p>
+            <a:endParaRPr lang="en-MY" sz="1400" b="0" strike="noStrike" spc="-1">
               <a:solidFill>
                 <a:srgbClr val="000000"/>
               </a:solidFill>
@@ -1428,11 +1760,14 @@
       </p:sp>
     </p:spTree>
   </p:cSld>
+  <p:clrMapOvr>
+    <a:masterClrMapping/>
+  </p:clrMapOvr>
 </p:sldLayout>
 </file>
 
 <file path=ppt/slideLayouts/slideLayout17.xml><?xml version="1.0" encoding="utf-8"?>
-<p:sldLayout xmlns:a="http://schemas.openxmlformats.org/drawingml/2006/main" xmlns:p="http://schemas.openxmlformats.org/presentationml/2006/main" xmlns:r="http://schemas.openxmlformats.org/officeDocument/2006/relationships" xmlns:p14="http://schemas.microsoft.com/office/powerpoint/2010/main" xmlns:p15="http://schemas.microsoft.com/office/powerpoint/2012/main" xmlns:mc="http://schemas.openxmlformats.org/markup-compatibility/2006" type="titleOnly" preserve="1">
+<p:sldLayout xmlns:a="http://schemas.openxmlformats.org/drawingml/2006/main" xmlns:r="http://schemas.openxmlformats.org/officeDocument/2006/relationships" xmlns:p="http://schemas.openxmlformats.org/presentationml/2006/main" type="titleOnly" preserve="1">
   <p:cSld name="Title Only">
     <p:spTree>
       <p:nvGrpSpPr>
@@ -1468,11 +1803,12 @@
           </a:prstGeom>
         </p:spPr>
         <p:txBody>
-          <a:bodyPr lIns="0" rIns="0" tIns="0" bIns="0" anchor="ctr">
+          <a:bodyPr lIns="0" tIns="0" rIns="0" bIns="0" anchor="ctr">
             <a:noAutofit/>
           </a:bodyPr>
-          <a:p>
-            <a:endParaRPr b="0" lang="en-MY" sz="1400" spc="-1" strike="noStrike">
+          <a:lstStyle/>
+          <a:p>
+            <a:endParaRPr lang="en-MY" sz="1400" b="0" strike="noStrike" spc="-1">
               <a:solidFill>
                 <a:srgbClr val="000000"/>
               </a:solidFill>
@@ -1483,11 +1819,14 @@
       </p:sp>
     </p:spTree>
   </p:cSld>
+  <p:clrMapOvr>
+    <a:masterClrMapping/>
+  </p:clrMapOvr>
 </p:sldLayout>
 </file>
 
 <file path=ppt/slideLayouts/slideLayout18.xml><?xml version="1.0" encoding="utf-8"?>
-<p:sldLayout xmlns:a="http://schemas.openxmlformats.org/drawingml/2006/main" xmlns:p="http://schemas.openxmlformats.org/presentationml/2006/main" xmlns:r="http://schemas.openxmlformats.org/officeDocument/2006/relationships" xmlns:p14="http://schemas.microsoft.com/office/powerpoint/2010/main" xmlns:p15="http://schemas.microsoft.com/office/powerpoint/2012/main" xmlns:mc="http://schemas.openxmlformats.org/markup-compatibility/2006" type="objOnly" preserve="1">
+<p:sldLayout xmlns:a="http://schemas.openxmlformats.org/drawingml/2006/main" xmlns:r="http://schemas.openxmlformats.org/officeDocument/2006/relationships" xmlns:p="http://schemas.openxmlformats.org/presentationml/2006/main" type="objOnly" preserve="1">
   <p:cSld name="Centered Text">
     <p:spTree>
       <p:nvGrpSpPr>
@@ -1523,12 +1862,13 @@
           </a:prstGeom>
         </p:spPr>
         <p:txBody>
-          <a:bodyPr lIns="0" rIns="0" tIns="0" bIns="0" anchor="ctr">
+          <a:bodyPr lIns="0" tIns="0" rIns="0" bIns="0" anchor="ctr">
             <a:noAutofit/>
           </a:bodyPr>
+          <a:lstStyle/>
           <a:p>
             <a:pPr algn="ctr"/>
-            <a:endParaRPr b="0" lang="en-MY" sz="3200" spc="-1" strike="noStrike">
+            <a:endParaRPr lang="en-MY" sz="3200" b="0" strike="noStrike" spc="-1">
               <a:latin typeface="Arial"/>
             </a:endParaRPr>
           </a:p>
@@ -1536,11 +1876,14 @@
       </p:sp>
     </p:spTree>
   </p:cSld>
+  <p:clrMapOvr>
+    <a:masterClrMapping/>
+  </p:clrMapOvr>
 </p:sldLayout>
 </file>
 
 <file path=ppt/slideLayouts/slideLayout19.xml><?xml version="1.0" encoding="utf-8"?>
-<p:sldLayout xmlns:a="http://schemas.openxmlformats.org/drawingml/2006/main" xmlns:p="http://schemas.openxmlformats.org/presentationml/2006/main" xmlns:r="http://schemas.openxmlformats.org/officeDocument/2006/relationships" xmlns:p14="http://schemas.microsoft.com/office/powerpoint/2010/main" xmlns:p15="http://schemas.microsoft.com/office/powerpoint/2012/main" xmlns:mc="http://schemas.openxmlformats.org/markup-compatibility/2006" type="twoObjAndObj" preserve="1">
+<p:sldLayout xmlns:a="http://schemas.openxmlformats.org/drawingml/2006/main" xmlns:r="http://schemas.openxmlformats.org/officeDocument/2006/relationships" xmlns:p="http://schemas.openxmlformats.org/presentationml/2006/main" type="twoObjAndObj" preserve="1">
   <p:cSld name="Title, 2 Content and Content">
     <p:spTree>
       <p:nvGrpSpPr>
@@ -1576,11 +1919,12 @@
           </a:prstGeom>
         </p:spPr>
         <p:txBody>
-          <a:bodyPr lIns="0" rIns="0" tIns="0" bIns="0" anchor="ctr">
+          <a:bodyPr lIns="0" tIns="0" rIns="0" bIns="0" anchor="ctr">
             <a:noAutofit/>
           </a:bodyPr>
-          <a:p>
-            <a:endParaRPr b="0" lang="en-MY" sz="1400" spc="-1" strike="noStrike">
+          <a:lstStyle/>
+          <a:p>
+            <a:endParaRPr lang="en-MY" sz="1400" b="0" strike="noStrike" spc="-1">
               <a:solidFill>
                 <a:srgbClr val="000000"/>
               </a:solidFill>
@@ -1609,11 +1953,12 @@
           </a:prstGeom>
         </p:spPr>
         <p:txBody>
-          <a:bodyPr lIns="0" rIns="0" tIns="0" bIns="0">
+          <a:bodyPr lIns="0" tIns="0" rIns="0" bIns="0">
             <a:normAutofit/>
           </a:bodyPr>
-          <a:p>
-            <a:endParaRPr b="0" lang="en-MY" sz="1400" spc="-1" strike="noStrike">
+          <a:lstStyle/>
+          <a:p>
+            <a:endParaRPr lang="en-MY" sz="1400" b="0" strike="noStrike" spc="-1">
               <a:solidFill>
                 <a:srgbClr val="000000"/>
               </a:solidFill>
@@ -1642,11 +1987,12 @@
           </a:prstGeom>
         </p:spPr>
         <p:txBody>
-          <a:bodyPr lIns="0" rIns="0" tIns="0" bIns="0">
+          <a:bodyPr lIns="0" tIns="0" rIns="0" bIns="0">
             <a:normAutofit/>
           </a:bodyPr>
-          <a:p>
-            <a:endParaRPr b="0" lang="en-MY" sz="1400" spc="-1" strike="noStrike">
+          <a:lstStyle/>
+          <a:p>
+            <a:endParaRPr lang="en-MY" sz="1400" b="0" strike="noStrike" spc="-1">
               <a:solidFill>
                 <a:srgbClr val="000000"/>
               </a:solidFill>
@@ -1675,11 +2021,12 @@
           </a:prstGeom>
         </p:spPr>
         <p:txBody>
-          <a:bodyPr lIns="0" rIns="0" tIns="0" bIns="0">
+          <a:bodyPr lIns="0" tIns="0" rIns="0" bIns="0">
             <a:normAutofit/>
           </a:bodyPr>
-          <a:p>
-            <a:endParaRPr b="0" lang="en-MY" sz="1400" spc="-1" strike="noStrike">
+          <a:lstStyle/>
+          <a:p>
+            <a:endParaRPr lang="en-MY" sz="1400" b="0" strike="noStrike" spc="-1">
               <a:solidFill>
                 <a:srgbClr val="000000"/>
               </a:solidFill>
@@ -1690,11 +2037,14 @@
       </p:sp>
     </p:spTree>
   </p:cSld>
+  <p:clrMapOvr>
+    <a:masterClrMapping/>
+  </p:clrMapOvr>
 </p:sldLayout>
 </file>
 
 <file path=ppt/slideLayouts/slideLayout2.xml><?xml version="1.0" encoding="utf-8"?>
-<p:sldLayout xmlns:a="http://schemas.openxmlformats.org/drawingml/2006/main" xmlns:p="http://schemas.openxmlformats.org/presentationml/2006/main" xmlns:r="http://schemas.openxmlformats.org/officeDocument/2006/relationships" xmlns:p14="http://schemas.microsoft.com/office/powerpoint/2010/main" xmlns:p15="http://schemas.microsoft.com/office/powerpoint/2012/main" xmlns:mc="http://schemas.openxmlformats.org/markup-compatibility/2006" type="tx" preserve="1">
+<p:sldLayout xmlns:a="http://schemas.openxmlformats.org/drawingml/2006/main" xmlns:r="http://schemas.openxmlformats.org/officeDocument/2006/relationships" xmlns:p="http://schemas.openxmlformats.org/presentationml/2006/main" type="tx" preserve="1">
   <p:cSld name="Title Slide">
     <p:spTree>
       <p:nvGrpSpPr>
@@ -1730,11 +2080,12 @@
           </a:prstGeom>
         </p:spPr>
         <p:txBody>
-          <a:bodyPr lIns="0" rIns="0" tIns="0" bIns="0" anchor="ctr">
+          <a:bodyPr lIns="0" tIns="0" rIns="0" bIns="0" anchor="ctr">
             <a:noAutofit/>
           </a:bodyPr>
-          <a:p>
-            <a:endParaRPr b="0" lang="en-MY" sz="1400" spc="-1" strike="noStrike">
+          <a:lstStyle/>
+          <a:p>
+            <a:endParaRPr lang="en-MY" sz="1400" b="0" strike="noStrike" spc="-1">
               <a:solidFill>
                 <a:srgbClr val="000000"/>
               </a:solidFill>
@@ -1763,12 +2114,13 @@
           </a:prstGeom>
         </p:spPr>
         <p:txBody>
-          <a:bodyPr lIns="0" rIns="0" tIns="0" bIns="0" anchor="ctr">
+          <a:bodyPr lIns="0" tIns="0" rIns="0" bIns="0" anchor="ctr">
             <a:noAutofit/>
           </a:bodyPr>
+          <a:lstStyle/>
           <a:p>
             <a:pPr algn="ctr"/>
-            <a:endParaRPr b="0" lang="en-MY" sz="3200" spc="-1" strike="noStrike">
+            <a:endParaRPr lang="en-MY" sz="3200" b="0" strike="noStrike" spc="-1">
               <a:latin typeface="Arial"/>
             </a:endParaRPr>
           </a:p>
@@ -1776,11 +2128,14 @@
       </p:sp>
     </p:spTree>
   </p:cSld>
+  <p:clrMapOvr>
+    <a:masterClrMapping/>
+  </p:clrMapOvr>
 </p:sldLayout>
 </file>
 
 <file path=ppt/slideLayouts/slideLayout20.xml><?xml version="1.0" encoding="utf-8"?>
-<p:sldLayout xmlns:a="http://schemas.openxmlformats.org/drawingml/2006/main" xmlns:p="http://schemas.openxmlformats.org/presentationml/2006/main" xmlns:r="http://schemas.openxmlformats.org/officeDocument/2006/relationships" xmlns:p14="http://schemas.microsoft.com/office/powerpoint/2010/main" xmlns:p15="http://schemas.microsoft.com/office/powerpoint/2012/main" xmlns:mc="http://schemas.openxmlformats.org/markup-compatibility/2006" type="objAndTwoObj" preserve="1">
+<p:sldLayout xmlns:a="http://schemas.openxmlformats.org/drawingml/2006/main" xmlns:r="http://schemas.openxmlformats.org/officeDocument/2006/relationships" xmlns:p="http://schemas.openxmlformats.org/presentationml/2006/main" type="objAndTwoObj" preserve="1">
   <p:cSld name="Title Content and 2 Content">
     <p:spTree>
       <p:nvGrpSpPr>
@@ -1816,11 +2171,12 @@
           </a:prstGeom>
         </p:spPr>
         <p:txBody>
-          <a:bodyPr lIns="0" rIns="0" tIns="0" bIns="0" anchor="ctr">
+          <a:bodyPr lIns="0" tIns="0" rIns="0" bIns="0" anchor="ctr">
             <a:noAutofit/>
           </a:bodyPr>
-          <a:p>
-            <a:endParaRPr b="0" lang="en-MY" sz="1400" spc="-1" strike="noStrike">
+          <a:lstStyle/>
+          <a:p>
+            <a:endParaRPr lang="en-MY" sz="1400" b="0" strike="noStrike" spc="-1">
               <a:solidFill>
                 <a:srgbClr val="000000"/>
               </a:solidFill>
@@ -1849,11 +2205,12 @@
           </a:prstGeom>
         </p:spPr>
         <p:txBody>
-          <a:bodyPr lIns="0" rIns="0" tIns="0" bIns="0">
+          <a:bodyPr lIns="0" tIns="0" rIns="0" bIns="0">
             <a:normAutofit/>
           </a:bodyPr>
-          <a:p>
-            <a:endParaRPr b="0" lang="en-MY" sz="1400" spc="-1" strike="noStrike">
+          <a:lstStyle/>
+          <a:p>
+            <a:endParaRPr lang="en-MY" sz="1400" b="0" strike="noStrike" spc="-1">
               <a:solidFill>
                 <a:srgbClr val="000000"/>
               </a:solidFill>
@@ -1882,11 +2239,12 @@
           </a:prstGeom>
         </p:spPr>
         <p:txBody>
-          <a:bodyPr lIns="0" rIns="0" tIns="0" bIns="0">
+          <a:bodyPr lIns="0" tIns="0" rIns="0" bIns="0">
             <a:normAutofit/>
           </a:bodyPr>
-          <a:p>
-            <a:endParaRPr b="0" lang="en-MY" sz="1400" spc="-1" strike="noStrike">
+          <a:lstStyle/>
+          <a:p>
+            <a:endParaRPr lang="en-MY" sz="1400" b="0" strike="noStrike" spc="-1">
               <a:solidFill>
                 <a:srgbClr val="000000"/>
               </a:solidFill>
@@ -1915,11 +2273,12 @@
           </a:prstGeom>
         </p:spPr>
         <p:txBody>
-          <a:bodyPr lIns="0" rIns="0" tIns="0" bIns="0">
+          <a:bodyPr lIns="0" tIns="0" rIns="0" bIns="0">
             <a:normAutofit/>
           </a:bodyPr>
-          <a:p>
-            <a:endParaRPr b="0" lang="en-MY" sz="1400" spc="-1" strike="noStrike">
+          <a:lstStyle/>
+          <a:p>
+            <a:endParaRPr lang="en-MY" sz="1400" b="0" strike="noStrike" spc="-1">
               <a:solidFill>
                 <a:srgbClr val="000000"/>
               </a:solidFill>
@@ -1930,11 +2289,14 @@
       </p:sp>
     </p:spTree>
   </p:cSld>
+  <p:clrMapOvr>
+    <a:masterClrMapping/>
+  </p:clrMapOvr>
 </p:sldLayout>
 </file>
 
 <file path=ppt/slideLayouts/slideLayout21.xml><?xml version="1.0" encoding="utf-8"?>
-<p:sldLayout xmlns:a="http://schemas.openxmlformats.org/drawingml/2006/main" xmlns:p="http://schemas.openxmlformats.org/presentationml/2006/main" xmlns:r="http://schemas.openxmlformats.org/officeDocument/2006/relationships" xmlns:p14="http://schemas.microsoft.com/office/powerpoint/2010/main" xmlns:p15="http://schemas.microsoft.com/office/powerpoint/2012/main" xmlns:mc="http://schemas.openxmlformats.org/markup-compatibility/2006" type="twoObjOverTx" preserve="1">
+<p:sldLayout xmlns:a="http://schemas.openxmlformats.org/drawingml/2006/main" xmlns:r="http://schemas.openxmlformats.org/officeDocument/2006/relationships" xmlns:p="http://schemas.openxmlformats.org/presentationml/2006/main" type="twoObjOverTx" preserve="1">
   <p:cSld name="Title, 2 Content over Content">
     <p:spTree>
       <p:nvGrpSpPr>
@@ -1970,11 +2332,12 @@
           </a:prstGeom>
         </p:spPr>
         <p:txBody>
-          <a:bodyPr lIns="0" rIns="0" tIns="0" bIns="0" anchor="ctr">
+          <a:bodyPr lIns="0" tIns="0" rIns="0" bIns="0" anchor="ctr">
             <a:noAutofit/>
           </a:bodyPr>
-          <a:p>
-            <a:endParaRPr b="0" lang="en-MY" sz="1400" spc="-1" strike="noStrike">
+          <a:lstStyle/>
+          <a:p>
+            <a:endParaRPr lang="en-MY" sz="1400" b="0" strike="noStrike" spc="-1">
               <a:solidFill>
                 <a:srgbClr val="000000"/>
               </a:solidFill>
@@ -2003,11 +2366,12 @@
           </a:prstGeom>
         </p:spPr>
         <p:txBody>
-          <a:bodyPr lIns="0" rIns="0" tIns="0" bIns="0">
+          <a:bodyPr lIns="0" tIns="0" rIns="0" bIns="0">
             <a:normAutofit/>
           </a:bodyPr>
-          <a:p>
-            <a:endParaRPr b="0" lang="en-MY" sz="1400" spc="-1" strike="noStrike">
+          <a:lstStyle/>
+          <a:p>
+            <a:endParaRPr lang="en-MY" sz="1400" b="0" strike="noStrike" spc="-1">
               <a:solidFill>
                 <a:srgbClr val="000000"/>
               </a:solidFill>
@@ -2036,11 +2400,12 @@
           </a:prstGeom>
         </p:spPr>
         <p:txBody>
-          <a:bodyPr lIns="0" rIns="0" tIns="0" bIns="0">
+          <a:bodyPr lIns="0" tIns="0" rIns="0" bIns="0">
             <a:normAutofit/>
           </a:bodyPr>
-          <a:p>
-            <a:endParaRPr b="0" lang="en-MY" sz="1400" spc="-1" strike="noStrike">
+          <a:lstStyle/>
+          <a:p>
+            <a:endParaRPr lang="en-MY" sz="1400" b="0" strike="noStrike" spc="-1">
               <a:solidFill>
                 <a:srgbClr val="000000"/>
               </a:solidFill>
@@ -2069,11 +2434,12 @@
           </a:prstGeom>
         </p:spPr>
         <p:txBody>
-          <a:bodyPr lIns="0" rIns="0" tIns="0" bIns="0">
+          <a:bodyPr lIns="0" tIns="0" rIns="0" bIns="0">
             <a:normAutofit/>
           </a:bodyPr>
-          <a:p>
-            <a:endParaRPr b="0" lang="en-MY" sz="1400" spc="-1" strike="noStrike">
+          <a:lstStyle/>
+          <a:p>
+            <a:endParaRPr lang="en-MY" sz="1400" b="0" strike="noStrike" spc="-1">
               <a:solidFill>
                 <a:srgbClr val="000000"/>
               </a:solidFill>
@@ -2084,11 +2450,14 @@
       </p:sp>
     </p:spTree>
   </p:cSld>
+  <p:clrMapOvr>
+    <a:masterClrMapping/>
+  </p:clrMapOvr>
 </p:sldLayout>
 </file>
 
 <file path=ppt/slideLayouts/slideLayout22.xml><?xml version="1.0" encoding="utf-8"?>
-<p:sldLayout xmlns:a="http://schemas.openxmlformats.org/drawingml/2006/main" xmlns:p="http://schemas.openxmlformats.org/presentationml/2006/main" xmlns:r="http://schemas.openxmlformats.org/officeDocument/2006/relationships" xmlns:p14="http://schemas.microsoft.com/office/powerpoint/2010/main" xmlns:p15="http://schemas.microsoft.com/office/powerpoint/2012/main" xmlns:mc="http://schemas.openxmlformats.org/markup-compatibility/2006" type="objOverTx" preserve="1">
+<p:sldLayout xmlns:a="http://schemas.openxmlformats.org/drawingml/2006/main" xmlns:r="http://schemas.openxmlformats.org/officeDocument/2006/relationships" xmlns:p="http://schemas.openxmlformats.org/presentationml/2006/main" type="objOverTx" preserve="1">
   <p:cSld name="Title, Content over Content">
     <p:spTree>
       <p:nvGrpSpPr>
@@ -2124,11 +2493,12 @@
           </a:prstGeom>
         </p:spPr>
         <p:txBody>
-          <a:bodyPr lIns="0" rIns="0" tIns="0" bIns="0" anchor="ctr">
+          <a:bodyPr lIns="0" tIns="0" rIns="0" bIns="0" anchor="ctr">
             <a:noAutofit/>
           </a:bodyPr>
-          <a:p>
-            <a:endParaRPr b="0" lang="en-MY" sz="1400" spc="-1" strike="noStrike">
+          <a:lstStyle/>
+          <a:p>
+            <a:endParaRPr lang="en-MY" sz="1400" b="0" strike="noStrike" spc="-1">
               <a:solidFill>
                 <a:srgbClr val="000000"/>
               </a:solidFill>
@@ -2157,11 +2527,12 @@
           </a:prstGeom>
         </p:spPr>
         <p:txBody>
-          <a:bodyPr lIns="0" rIns="0" tIns="0" bIns="0">
+          <a:bodyPr lIns="0" tIns="0" rIns="0" bIns="0">
             <a:normAutofit/>
           </a:bodyPr>
-          <a:p>
-            <a:endParaRPr b="0" lang="en-MY" sz="1400" spc="-1" strike="noStrike">
+          <a:lstStyle/>
+          <a:p>
+            <a:endParaRPr lang="en-MY" sz="1400" b="0" strike="noStrike" spc="-1">
               <a:solidFill>
                 <a:srgbClr val="000000"/>
               </a:solidFill>
@@ -2190,11 +2561,12 @@
           </a:prstGeom>
         </p:spPr>
         <p:txBody>
-          <a:bodyPr lIns="0" rIns="0" tIns="0" bIns="0">
+          <a:bodyPr lIns="0" tIns="0" rIns="0" bIns="0">
             <a:normAutofit/>
           </a:bodyPr>
-          <a:p>
-            <a:endParaRPr b="0" lang="en-MY" sz="1400" spc="-1" strike="noStrike">
+          <a:lstStyle/>
+          <a:p>
+            <a:endParaRPr lang="en-MY" sz="1400" b="0" strike="noStrike" spc="-1">
               <a:solidFill>
                 <a:srgbClr val="000000"/>
               </a:solidFill>
@@ -2205,11 +2577,14 @@
       </p:sp>
     </p:spTree>
   </p:cSld>
+  <p:clrMapOvr>
+    <a:masterClrMapping/>
+  </p:clrMapOvr>
 </p:sldLayout>
 </file>
 
 <file path=ppt/slideLayouts/slideLayout23.xml><?xml version="1.0" encoding="utf-8"?>
-<p:sldLayout xmlns:a="http://schemas.openxmlformats.org/drawingml/2006/main" xmlns:p="http://schemas.openxmlformats.org/presentationml/2006/main" xmlns:r="http://schemas.openxmlformats.org/officeDocument/2006/relationships" xmlns:p14="http://schemas.microsoft.com/office/powerpoint/2010/main" xmlns:p15="http://schemas.microsoft.com/office/powerpoint/2012/main" xmlns:mc="http://schemas.openxmlformats.org/markup-compatibility/2006" type="fourObj" preserve="1">
+<p:sldLayout xmlns:a="http://schemas.openxmlformats.org/drawingml/2006/main" xmlns:r="http://schemas.openxmlformats.org/officeDocument/2006/relationships" xmlns:p="http://schemas.openxmlformats.org/presentationml/2006/main" type="fourObj" preserve="1">
   <p:cSld name="Title, 4 Content">
     <p:spTree>
       <p:nvGrpSpPr>
@@ -2245,11 +2620,12 @@
           </a:prstGeom>
         </p:spPr>
         <p:txBody>
-          <a:bodyPr lIns="0" rIns="0" tIns="0" bIns="0" anchor="ctr">
+          <a:bodyPr lIns="0" tIns="0" rIns="0" bIns="0" anchor="ctr">
             <a:noAutofit/>
           </a:bodyPr>
-          <a:p>
-            <a:endParaRPr b="0" lang="en-MY" sz="1400" spc="-1" strike="noStrike">
+          <a:lstStyle/>
+          <a:p>
+            <a:endParaRPr lang="en-MY" sz="1400" b="0" strike="noStrike" spc="-1">
               <a:solidFill>
                 <a:srgbClr val="000000"/>
               </a:solidFill>
@@ -2278,11 +2654,12 @@
           </a:prstGeom>
         </p:spPr>
         <p:txBody>
-          <a:bodyPr lIns="0" rIns="0" tIns="0" bIns="0">
+          <a:bodyPr lIns="0" tIns="0" rIns="0" bIns="0">
             <a:normAutofit/>
           </a:bodyPr>
-          <a:p>
-            <a:endParaRPr b="0" lang="en-MY" sz="1400" spc="-1" strike="noStrike">
+          <a:lstStyle/>
+          <a:p>
+            <a:endParaRPr lang="en-MY" sz="1400" b="0" strike="noStrike" spc="-1">
               <a:solidFill>
                 <a:srgbClr val="000000"/>
               </a:solidFill>
@@ -2311,11 +2688,12 @@
           </a:prstGeom>
         </p:spPr>
         <p:txBody>
-          <a:bodyPr lIns="0" rIns="0" tIns="0" bIns="0">
+          <a:bodyPr lIns="0" tIns="0" rIns="0" bIns="0">
             <a:normAutofit/>
           </a:bodyPr>
-          <a:p>
-            <a:endParaRPr b="0" lang="en-MY" sz="1400" spc="-1" strike="noStrike">
+          <a:lstStyle/>
+          <a:p>
+            <a:endParaRPr lang="en-MY" sz="1400" b="0" strike="noStrike" spc="-1">
               <a:solidFill>
                 <a:srgbClr val="000000"/>
               </a:solidFill>
@@ -2344,11 +2722,12 @@
           </a:prstGeom>
         </p:spPr>
         <p:txBody>
-          <a:bodyPr lIns="0" rIns="0" tIns="0" bIns="0">
+          <a:bodyPr lIns="0" tIns="0" rIns="0" bIns="0">
             <a:normAutofit/>
           </a:bodyPr>
-          <a:p>
-            <a:endParaRPr b="0" lang="en-MY" sz="1400" spc="-1" strike="noStrike">
+          <a:lstStyle/>
+          <a:p>
+            <a:endParaRPr lang="en-MY" sz="1400" b="0" strike="noStrike" spc="-1">
               <a:solidFill>
                 <a:srgbClr val="000000"/>
               </a:solidFill>
@@ -2377,11 +2756,12 @@
           </a:prstGeom>
         </p:spPr>
         <p:txBody>
-          <a:bodyPr lIns="0" rIns="0" tIns="0" bIns="0">
+          <a:bodyPr lIns="0" tIns="0" rIns="0" bIns="0">
             <a:normAutofit/>
           </a:bodyPr>
-          <a:p>
-            <a:endParaRPr b="0" lang="en-MY" sz="1400" spc="-1" strike="noStrike">
+          <a:lstStyle/>
+          <a:p>
+            <a:endParaRPr lang="en-MY" sz="1400" b="0" strike="noStrike" spc="-1">
               <a:solidFill>
                 <a:srgbClr val="000000"/>
               </a:solidFill>
@@ -2392,11 +2772,14 @@
       </p:sp>
     </p:spTree>
   </p:cSld>
+  <p:clrMapOvr>
+    <a:masterClrMapping/>
+  </p:clrMapOvr>
 </p:sldLayout>
 </file>
 
 <file path=ppt/slideLayouts/slideLayout24.xml><?xml version="1.0" encoding="utf-8"?>
-<p:sldLayout xmlns:a="http://schemas.openxmlformats.org/drawingml/2006/main" xmlns:p="http://schemas.openxmlformats.org/presentationml/2006/main" xmlns:r="http://schemas.openxmlformats.org/officeDocument/2006/relationships" xmlns:p14="http://schemas.microsoft.com/office/powerpoint/2010/main" xmlns:p15="http://schemas.microsoft.com/office/powerpoint/2012/main" xmlns:mc="http://schemas.openxmlformats.org/markup-compatibility/2006" type="blank" preserve="1">
+<p:sldLayout xmlns:a="http://schemas.openxmlformats.org/drawingml/2006/main" xmlns:r="http://schemas.openxmlformats.org/officeDocument/2006/relationships" xmlns:p="http://schemas.openxmlformats.org/presentationml/2006/main" type="blank" preserve="1">
   <p:cSld name="Title, 6 Content">
     <p:spTree>
       <p:nvGrpSpPr>
@@ -2432,11 +2815,12 @@
           </a:prstGeom>
         </p:spPr>
         <p:txBody>
-          <a:bodyPr lIns="0" rIns="0" tIns="0" bIns="0" anchor="ctr">
+          <a:bodyPr lIns="0" tIns="0" rIns="0" bIns="0" anchor="ctr">
             <a:noAutofit/>
           </a:bodyPr>
-          <a:p>
-            <a:endParaRPr b="0" lang="en-MY" sz="1400" spc="-1" strike="noStrike">
+          <a:lstStyle/>
+          <a:p>
+            <a:endParaRPr lang="en-MY" sz="1400" b="0" strike="noStrike" spc="-1">
               <a:solidFill>
                 <a:srgbClr val="000000"/>
               </a:solidFill>
@@ -2465,11 +2849,12 @@
           </a:prstGeom>
         </p:spPr>
         <p:txBody>
-          <a:bodyPr lIns="0" rIns="0" tIns="0" bIns="0">
+          <a:bodyPr lIns="0" tIns="0" rIns="0" bIns="0">
             <a:normAutofit/>
           </a:bodyPr>
-          <a:p>
-            <a:endParaRPr b="0" lang="en-MY" sz="1400" spc="-1" strike="noStrike">
+          <a:lstStyle/>
+          <a:p>
+            <a:endParaRPr lang="en-MY" sz="1400" b="0" strike="noStrike" spc="-1">
               <a:solidFill>
                 <a:srgbClr val="000000"/>
               </a:solidFill>
@@ -2498,11 +2883,12 @@
           </a:prstGeom>
         </p:spPr>
         <p:txBody>
-          <a:bodyPr lIns="0" rIns="0" tIns="0" bIns="0">
+          <a:bodyPr lIns="0" tIns="0" rIns="0" bIns="0">
             <a:normAutofit/>
           </a:bodyPr>
-          <a:p>
-            <a:endParaRPr b="0" lang="en-MY" sz="1400" spc="-1" strike="noStrike">
+          <a:lstStyle/>
+          <a:p>
+            <a:endParaRPr lang="en-MY" sz="1400" b="0" strike="noStrike" spc="-1">
               <a:solidFill>
                 <a:srgbClr val="000000"/>
               </a:solidFill>
@@ -2531,11 +2917,12 @@
           </a:prstGeom>
         </p:spPr>
         <p:txBody>
-          <a:bodyPr lIns="0" rIns="0" tIns="0" bIns="0">
+          <a:bodyPr lIns="0" tIns="0" rIns="0" bIns="0">
             <a:normAutofit/>
           </a:bodyPr>
-          <a:p>
-            <a:endParaRPr b="0" lang="en-MY" sz="1400" spc="-1" strike="noStrike">
+          <a:lstStyle/>
+          <a:p>
+            <a:endParaRPr lang="en-MY" sz="1400" b="0" strike="noStrike" spc="-1">
               <a:solidFill>
                 <a:srgbClr val="000000"/>
               </a:solidFill>
@@ -2564,11 +2951,12 @@
           </a:prstGeom>
         </p:spPr>
         <p:txBody>
-          <a:bodyPr lIns="0" rIns="0" tIns="0" bIns="0">
+          <a:bodyPr lIns="0" tIns="0" rIns="0" bIns="0">
             <a:normAutofit/>
           </a:bodyPr>
-          <a:p>
-            <a:endParaRPr b="0" lang="en-MY" sz="1400" spc="-1" strike="noStrike">
+          <a:lstStyle/>
+          <a:p>
+            <a:endParaRPr lang="en-MY" sz="1400" b="0" strike="noStrike" spc="-1">
               <a:solidFill>
                 <a:srgbClr val="000000"/>
               </a:solidFill>
@@ -2597,11 +2985,12 @@
           </a:prstGeom>
         </p:spPr>
         <p:txBody>
-          <a:bodyPr lIns="0" rIns="0" tIns="0" bIns="0">
+          <a:bodyPr lIns="0" tIns="0" rIns="0" bIns="0">
             <a:normAutofit/>
           </a:bodyPr>
-          <a:p>
-            <a:endParaRPr b="0" lang="en-MY" sz="1400" spc="-1" strike="noStrike">
+          <a:lstStyle/>
+          <a:p>
+            <a:endParaRPr lang="en-MY" sz="1400" b="0" strike="noStrike" spc="-1">
               <a:solidFill>
                 <a:srgbClr val="000000"/>
               </a:solidFill>
@@ -2630,11 +3019,12 @@
           </a:prstGeom>
         </p:spPr>
         <p:txBody>
-          <a:bodyPr lIns="0" rIns="0" tIns="0" bIns="0">
+          <a:bodyPr lIns="0" tIns="0" rIns="0" bIns="0">
             <a:normAutofit/>
           </a:bodyPr>
-          <a:p>
-            <a:endParaRPr b="0" lang="en-MY" sz="1400" spc="-1" strike="noStrike">
+          <a:lstStyle/>
+          <a:p>
+            <a:endParaRPr lang="en-MY" sz="1400" b="0" strike="noStrike" spc="-1">
               <a:solidFill>
                 <a:srgbClr val="000000"/>
               </a:solidFill>
@@ -2645,11 +3035,14 @@
       </p:sp>
     </p:spTree>
   </p:cSld>
+  <p:clrMapOvr>
+    <a:masterClrMapping/>
+  </p:clrMapOvr>
 </p:sldLayout>
 </file>
 
 <file path=ppt/slideLayouts/slideLayout3.xml><?xml version="1.0" encoding="utf-8"?>
-<p:sldLayout xmlns:a="http://schemas.openxmlformats.org/drawingml/2006/main" xmlns:p="http://schemas.openxmlformats.org/presentationml/2006/main" xmlns:r="http://schemas.openxmlformats.org/officeDocument/2006/relationships" xmlns:p14="http://schemas.microsoft.com/office/powerpoint/2010/main" xmlns:p15="http://schemas.microsoft.com/office/powerpoint/2012/main" xmlns:mc="http://schemas.openxmlformats.org/markup-compatibility/2006" type="obj" preserve="1">
+<p:sldLayout xmlns:a="http://schemas.openxmlformats.org/drawingml/2006/main" xmlns:r="http://schemas.openxmlformats.org/officeDocument/2006/relationships" xmlns:p="http://schemas.openxmlformats.org/presentationml/2006/main" type="obj" preserve="1">
   <p:cSld name="Title, Content">
     <p:spTree>
       <p:nvGrpSpPr>
@@ -2685,11 +3078,12 @@
           </a:prstGeom>
         </p:spPr>
         <p:txBody>
-          <a:bodyPr lIns="0" rIns="0" tIns="0" bIns="0" anchor="ctr">
+          <a:bodyPr lIns="0" tIns="0" rIns="0" bIns="0" anchor="ctr">
             <a:noAutofit/>
           </a:bodyPr>
-          <a:p>
-            <a:endParaRPr b="0" lang="en-MY" sz="1400" spc="-1" strike="noStrike">
+          <a:lstStyle/>
+          <a:p>
+            <a:endParaRPr lang="en-MY" sz="1400" b="0" strike="noStrike" spc="-1">
               <a:solidFill>
                 <a:srgbClr val="000000"/>
               </a:solidFill>
@@ -2718,11 +3112,12 @@
           </a:prstGeom>
         </p:spPr>
         <p:txBody>
-          <a:bodyPr lIns="0" rIns="0" tIns="0" bIns="0">
+          <a:bodyPr lIns="0" tIns="0" rIns="0" bIns="0">
             <a:normAutofit/>
           </a:bodyPr>
-          <a:p>
-            <a:endParaRPr b="0" lang="en-MY" sz="1400" spc="-1" strike="noStrike">
+          <a:lstStyle/>
+          <a:p>
+            <a:endParaRPr lang="en-MY" sz="1400" b="0" strike="noStrike" spc="-1">
               <a:solidFill>
                 <a:srgbClr val="000000"/>
               </a:solidFill>
@@ -2733,11 +3128,14 @@
       </p:sp>
     </p:spTree>
   </p:cSld>
+  <p:clrMapOvr>
+    <a:masterClrMapping/>
+  </p:clrMapOvr>
 </p:sldLayout>
 </file>
 
 <file path=ppt/slideLayouts/slideLayout4.xml><?xml version="1.0" encoding="utf-8"?>
-<p:sldLayout xmlns:a="http://schemas.openxmlformats.org/drawingml/2006/main" xmlns:p="http://schemas.openxmlformats.org/presentationml/2006/main" xmlns:r="http://schemas.openxmlformats.org/officeDocument/2006/relationships" xmlns:p14="http://schemas.microsoft.com/office/powerpoint/2010/main" xmlns:p15="http://schemas.microsoft.com/office/powerpoint/2012/main" xmlns:mc="http://schemas.openxmlformats.org/markup-compatibility/2006" type="twoObj" preserve="1">
+<p:sldLayout xmlns:a="http://schemas.openxmlformats.org/drawingml/2006/main" xmlns:r="http://schemas.openxmlformats.org/officeDocument/2006/relationships" xmlns:p="http://schemas.openxmlformats.org/presentationml/2006/main" type="twoObj" preserve="1">
   <p:cSld name="Title, 2 Content">
     <p:spTree>
       <p:nvGrpSpPr>
@@ -2773,11 +3171,12 @@
           </a:prstGeom>
         </p:spPr>
         <p:txBody>
-          <a:bodyPr lIns="0" rIns="0" tIns="0" bIns="0" anchor="ctr">
+          <a:bodyPr lIns="0" tIns="0" rIns="0" bIns="0" anchor="ctr">
             <a:noAutofit/>
           </a:bodyPr>
-          <a:p>
-            <a:endParaRPr b="0" lang="en-MY" sz="1400" spc="-1" strike="noStrike">
+          <a:lstStyle/>
+          <a:p>
+            <a:endParaRPr lang="en-MY" sz="1400" b="0" strike="noStrike" spc="-1">
               <a:solidFill>
                 <a:srgbClr val="000000"/>
               </a:solidFill>
@@ -2806,11 +3205,12 @@
           </a:prstGeom>
         </p:spPr>
         <p:txBody>
-          <a:bodyPr lIns="0" rIns="0" tIns="0" bIns="0">
+          <a:bodyPr lIns="0" tIns="0" rIns="0" bIns="0">
             <a:normAutofit/>
           </a:bodyPr>
-          <a:p>
-            <a:endParaRPr b="0" lang="en-MY" sz="1400" spc="-1" strike="noStrike">
+          <a:lstStyle/>
+          <a:p>
+            <a:endParaRPr lang="en-MY" sz="1400" b="0" strike="noStrike" spc="-1">
               <a:solidFill>
                 <a:srgbClr val="000000"/>
               </a:solidFill>
@@ -2839,11 +3239,12 @@
           </a:prstGeom>
         </p:spPr>
         <p:txBody>
-          <a:bodyPr lIns="0" rIns="0" tIns="0" bIns="0">
+          <a:bodyPr lIns="0" tIns="0" rIns="0" bIns="0">
             <a:normAutofit/>
           </a:bodyPr>
-          <a:p>
-            <a:endParaRPr b="0" lang="en-MY" sz="1400" spc="-1" strike="noStrike">
+          <a:lstStyle/>
+          <a:p>
+            <a:endParaRPr lang="en-MY" sz="1400" b="0" strike="noStrike" spc="-1">
               <a:solidFill>
                 <a:srgbClr val="000000"/>
               </a:solidFill>
@@ -2854,11 +3255,14 @@
       </p:sp>
     </p:spTree>
   </p:cSld>
+  <p:clrMapOvr>
+    <a:masterClrMapping/>
+  </p:clrMapOvr>
 </p:sldLayout>
 </file>
 
 <file path=ppt/slideLayouts/slideLayout5.xml><?xml version="1.0" encoding="utf-8"?>
-<p:sldLayout xmlns:a="http://schemas.openxmlformats.org/drawingml/2006/main" xmlns:p="http://schemas.openxmlformats.org/presentationml/2006/main" xmlns:r="http://schemas.openxmlformats.org/officeDocument/2006/relationships" xmlns:p14="http://schemas.microsoft.com/office/powerpoint/2010/main" xmlns:p15="http://schemas.microsoft.com/office/powerpoint/2012/main" xmlns:mc="http://schemas.openxmlformats.org/markup-compatibility/2006" type="titleOnly" preserve="1">
+<p:sldLayout xmlns:a="http://schemas.openxmlformats.org/drawingml/2006/main" xmlns:r="http://schemas.openxmlformats.org/officeDocument/2006/relationships" xmlns:p="http://schemas.openxmlformats.org/presentationml/2006/main" type="titleOnly" preserve="1">
   <p:cSld name="Title Only">
     <p:spTree>
       <p:nvGrpSpPr>
@@ -2894,11 +3298,12 @@
           </a:prstGeom>
         </p:spPr>
         <p:txBody>
-          <a:bodyPr lIns="0" rIns="0" tIns="0" bIns="0" anchor="ctr">
+          <a:bodyPr lIns="0" tIns="0" rIns="0" bIns="0" anchor="ctr">
             <a:noAutofit/>
           </a:bodyPr>
-          <a:p>
-            <a:endParaRPr b="0" lang="en-MY" sz="1400" spc="-1" strike="noStrike">
+          <a:lstStyle/>
+          <a:p>
+            <a:endParaRPr lang="en-MY" sz="1400" b="0" strike="noStrike" spc="-1">
               <a:solidFill>
                 <a:srgbClr val="000000"/>
               </a:solidFill>
@@ -2909,11 +3314,14 @@
       </p:sp>
     </p:spTree>
   </p:cSld>
+  <p:clrMapOvr>
+    <a:masterClrMapping/>
+  </p:clrMapOvr>
 </p:sldLayout>
 </file>
 
 <file path=ppt/slideLayouts/slideLayout6.xml><?xml version="1.0" encoding="utf-8"?>
-<p:sldLayout xmlns:a="http://schemas.openxmlformats.org/drawingml/2006/main" xmlns:p="http://schemas.openxmlformats.org/presentationml/2006/main" xmlns:r="http://schemas.openxmlformats.org/officeDocument/2006/relationships" xmlns:p14="http://schemas.microsoft.com/office/powerpoint/2010/main" xmlns:p15="http://schemas.microsoft.com/office/powerpoint/2012/main" xmlns:mc="http://schemas.openxmlformats.org/markup-compatibility/2006" type="objOnly" preserve="1">
+<p:sldLayout xmlns:a="http://schemas.openxmlformats.org/drawingml/2006/main" xmlns:r="http://schemas.openxmlformats.org/officeDocument/2006/relationships" xmlns:p="http://schemas.openxmlformats.org/presentationml/2006/main" type="objOnly" preserve="1">
   <p:cSld name="Centered Text">
     <p:spTree>
       <p:nvGrpSpPr>
@@ -2949,12 +3357,13 @@
           </a:prstGeom>
         </p:spPr>
         <p:txBody>
-          <a:bodyPr lIns="0" rIns="0" tIns="0" bIns="0" anchor="ctr">
+          <a:bodyPr lIns="0" tIns="0" rIns="0" bIns="0" anchor="ctr">
             <a:noAutofit/>
           </a:bodyPr>
+          <a:lstStyle/>
           <a:p>
             <a:pPr algn="ctr"/>
-            <a:endParaRPr b="0" lang="en-MY" sz="3200" spc="-1" strike="noStrike">
+            <a:endParaRPr lang="en-MY" sz="3200" b="0" strike="noStrike" spc="-1">
               <a:latin typeface="Arial"/>
             </a:endParaRPr>
           </a:p>
@@ -2962,11 +3371,14 @@
       </p:sp>
     </p:spTree>
   </p:cSld>
+  <p:clrMapOvr>
+    <a:masterClrMapping/>
+  </p:clrMapOvr>
 </p:sldLayout>
 </file>
 
 <file path=ppt/slideLayouts/slideLayout7.xml><?xml version="1.0" encoding="utf-8"?>
-<p:sldLayout xmlns:a="http://schemas.openxmlformats.org/drawingml/2006/main" xmlns:p="http://schemas.openxmlformats.org/presentationml/2006/main" xmlns:r="http://schemas.openxmlformats.org/officeDocument/2006/relationships" xmlns:p14="http://schemas.microsoft.com/office/powerpoint/2010/main" xmlns:p15="http://schemas.microsoft.com/office/powerpoint/2012/main" xmlns:mc="http://schemas.openxmlformats.org/markup-compatibility/2006" type="twoObjAndObj" preserve="1">
+<p:sldLayout xmlns:a="http://schemas.openxmlformats.org/drawingml/2006/main" xmlns:r="http://schemas.openxmlformats.org/officeDocument/2006/relationships" xmlns:p="http://schemas.openxmlformats.org/presentationml/2006/main" type="twoObjAndObj" preserve="1">
   <p:cSld name="Title, 2 Content and Content">
     <p:spTree>
       <p:nvGrpSpPr>
@@ -3002,11 +3414,12 @@
           </a:prstGeom>
         </p:spPr>
         <p:txBody>
-          <a:bodyPr lIns="0" rIns="0" tIns="0" bIns="0" anchor="ctr">
+          <a:bodyPr lIns="0" tIns="0" rIns="0" bIns="0" anchor="ctr">
             <a:noAutofit/>
           </a:bodyPr>
-          <a:p>
-            <a:endParaRPr b="0" lang="en-MY" sz="1400" spc="-1" strike="noStrike">
+          <a:lstStyle/>
+          <a:p>
+            <a:endParaRPr lang="en-MY" sz="1400" b="0" strike="noStrike" spc="-1">
               <a:solidFill>
                 <a:srgbClr val="000000"/>
               </a:solidFill>
@@ -3035,11 +3448,12 @@
           </a:prstGeom>
         </p:spPr>
         <p:txBody>
-          <a:bodyPr lIns="0" rIns="0" tIns="0" bIns="0">
+          <a:bodyPr lIns="0" tIns="0" rIns="0" bIns="0">
             <a:normAutofit/>
           </a:bodyPr>
-          <a:p>
-            <a:endParaRPr b="0" lang="en-MY" sz="1400" spc="-1" strike="noStrike">
+          <a:lstStyle/>
+          <a:p>
+            <a:endParaRPr lang="en-MY" sz="1400" b="0" strike="noStrike" spc="-1">
               <a:solidFill>
                 <a:srgbClr val="000000"/>
               </a:solidFill>
@@ -3068,11 +3482,12 @@
           </a:prstGeom>
         </p:spPr>
         <p:txBody>
-          <a:bodyPr lIns="0" rIns="0" tIns="0" bIns="0">
+          <a:bodyPr lIns="0" tIns="0" rIns="0" bIns="0">
             <a:normAutofit/>
           </a:bodyPr>
-          <a:p>
-            <a:endParaRPr b="0" lang="en-MY" sz="1400" spc="-1" strike="noStrike">
+          <a:lstStyle/>
+          <a:p>
+            <a:endParaRPr lang="en-MY" sz="1400" b="0" strike="noStrike" spc="-1">
               <a:solidFill>
                 <a:srgbClr val="000000"/>
               </a:solidFill>
@@ -3101,11 +3516,12 @@
           </a:prstGeom>
         </p:spPr>
         <p:txBody>
-          <a:bodyPr lIns="0" rIns="0" tIns="0" bIns="0">
+          <a:bodyPr lIns="0" tIns="0" rIns="0" bIns="0">
             <a:normAutofit/>
           </a:bodyPr>
-          <a:p>
-            <a:endParaRPr b="0" lang="en-MY" sz="1400" spc="-1" strike="noStrike">
+          <a:lstStyle/>
+          <a:p>
+            <a:endParaRPr lang="en-MY" sz="1400" b="0" strike="noStrike" spc="-1">
               <a:solidFill>
                 <a:srgbClr val="000000"/>
               </a:solidFill>
@@ -3116,11 +3532,14 @@
       </p:sp>
     </p:spTree>
   </p:cSld>
+  <p:clrMapOvr>
+    <a:masterClrMapping/>
+  </p:clrMapOvr>
 </p:sldLayout>
 </file>
 
 <file path=ppt/slideLayouts/slideLayout8.xml><?xml version="1.0" encoding="utf-8"?>
-<p:sldLayout xmlns:a="http://schemas.openxmlformats.org/drawingml/2006/main" xmlns:p="http://schemas.openxmlformats.org/presentationml/2006/main" xmlns:r="http://schemas.openxmlformats.org/officeDocument/2006/relationships" xmlns:p14="http://schemas.microsoft.com/office/powerpoint/2010/main" xmlns:p15="http://schemas.microsoft.com/office/powerpoint/2012/main" xmlns:mc="http://schemas.openxmlformats.org/markup-compatibility/2006" type="objAndTwoObj" preserve="1">
+<p:sldLayout xmlns:a="http://schemas.openxmlformats.org/drawingml/2006/main" xmlns:r="http://schemas.openxmlformats.org/officeDocument/2006/relationships" xmlns:p="http://schemas.openxmlformats.org/presentationml/2006/main" type="objAndTwoObj" preserve="1">
   <p:cSld name="Title Content and 2 Content">
     <p:spTree>
       <p:nvGrpSpPr>
@@ -3156,11 +3575,12 @@
           </a:prstGeom>
         </p:spPr>
         <p:txBody>
-          <a:bodyPr lIns="0" rIns="0" tIns="0" bIns="0" anchor="ctr">
+          <a:bodyPr lIns="0" tIns="0" rIns="0" bIns="0" anchor="ctr">
             <a:noAutofit/>
           </a:bodyPr>
-          <a:p>
-            <a:endParaRPr b="0" lang="en-MY" sz="1400" spc="-1" strike="noStrike">
+          <a:lstStyle/>
+          <a:p>
+            <a:endParaRPr lang="en-MY" sz="1400" b="0" strike="noStrike" spc="-1">
               <a:solidFill>
                 <a:srgbClr val="000000"/>
               </a:solidFill>
@@ -3189,11 +3609,12 @@
           </a:prstGeom>
         </p:spPr>
         <p:txBody>
-          <a:bodyPr lIns="0" rIns="0" tIns="0" bIns="0">
+          <a:bodyPr lIns="0" tIns="0" rIns="0" bIns="0">
             <a:normAutofit/>
           </a:bodyPr>
-          <a:p>
-            <a:endParaRPr b="0" lang="en-MY" sz="1400" spc="-1" strike="noStrike">
+          <a:lstStyle/>
+          <a:p>
+            <a:endParaRPr lang="en-MY" sz="1400" b="0" strike="noStrike" spc="-1">
               <a:solidFill>
                 <a:srgbClr val="000000"/>
               </a:solidFill>
@@ -3222,11 +3643,12 @@
           </a:prstGeom>
         </p:spPr>
         <p:txBody>
-          <a:bodyPr lIns="0" rIns="0" tIns="0" bIns="0">
+          <a:bodyPr lIns="0" tIns="0" rIns="0" bIns="0">
             <a:normAutofit/>
           </a:bodyPr>
-          <a:p>
-            <a:endParaRPr b="0" lang="en-MY" sz="1400" spc="-1" strike="noStrike">
+          <a:lstStyle/>
+          <a:p>
+            <a:endParaRPr lang="en-MY" sz="1400" b="0" strike="noStrike" spc="-1">
               <a:solidFill>
                 <a:srgbClr val="000000"/>
               </a:solidFill>
@@ -3255,11 +3677,12 @@
           </a:prstGeom>
         </p:spPr>
         <p:txBody>
-          <a:bodyPr lIns="0" rIns="0" tIns="0" bIns="0">
+          <a:bodyPr lIns="0" tIns="0" rIns="0" bIns="0">
             <a:normAutofit/>
           </a:bodyPr>
-          <a:p>
-            <a:endParaRPr b="0" lang="en-MY" sz="1400" spc="-1" strike="noStrike">
+          <a:lstStyle/>
+          <a:p>
+            <a:endParaRPr lang="en-MY" sz="1400" b="0" strike="noStrike" spc="-1">
               <a:solidFill>
                 <a:srgbClr val="000000"/>
               </a:solidFill>
@@ -3270,11 +3693,14 @@
       </p:sp>
     </p:spTree>
   </p:cSld>
+  <p:clrMapOvr>
+    <a:masterClrMapping/>
+  </p:clrMapOvr>
 </p:sldLayout>
 </file>
 
 <file path=ppt/slideLayouts/slideLayout9.xml><?xml version="1.0" encoding="utf-8"?>
-<p:sldLayout xmlns:a="http://schemas.openxmlformats.org/drawingml/2006/main" xmlns:p="http://schemas.openxmlformats.org/presentationml/2006/main" xmlns:r="http://schemas.openxmlformats.org/officeDocument/2006/relationships" xmlns:p14="http://schemas.microsoft.com/office/powerpoint/2010/main" xmlns:p15="http://schemas.microsoft.com/office/powerpoint/2012/main" xmlns:mc="http://schemas.openxmlformats.org/markup-compatibility/2006" type="twoObjOverTx" preserve="1">
+<p:sldLayout xmlns:a="http://schemas.openxmlformats.org/drawingml/2006/main" xmlns:r="http://schemas.openxmlformats.org/officeDocument/2006/relationships" xmlns:p="http://schemas.openxmlformats.org/presentationml/2006/main" type="twoObjOverTx" preserve="1">
   <p:cSld name="Title, 2 Content over Content">
     <p:spTree>
       <p:nvGrpSpPr>
@@ -3310,11 +3736,12 @@
           </a:prstGeom>
         </p:spPr>
         <p:txBody>
-          <a:bodyPr lIns="0" rIns="0" tIns="0" bIns="0" anchor="ctr">
+          <a:bodyPr lIns="0" tIns="0" rIns="0" bIns="0" anchor="ctr">
             <a:noAutofit/>
           </a:bodyPr>
-          <a:p>
-            <a:endParaRPr b="0" lang="en-MY" sz="1400" spc="-1" strike="noStrike">
+          <a:lstStyle/>
+          <a:p>
+            <a:endParaRPr lang="en-MY" sz="1400" b="0" strike="noStrike" spc="-1">
               <a:solidFill>
                 <a:srgbClr val="000000"/>
               </a:solidFill>
@@ -3343,11 +3770,12 @@
           </a:prstGeom>
         </p:spPr>
         <p:txBody>
-          <a:bodyPr lIns="0" rIns="0" tIns="0" bIns="0">
+          <a:bodyPr lIns="0" tIns="0" rIns="0" bIns="0">
             <a:normAutofit/>
           </a:bodyPr>
-          <a:p>
-            <a:endParaRPr b="0" lang="en-MY" sz="1400" spc="-1" strike="noStrike">
+          <a:lstStyle/>
+          <a:p>
+            <a:endParaRPr lang="en-MY" sz="1400" b="0" strike="noStrike" spc="-1">
               <a:solidFill>
                 <a:srgbClr val="000000"/>
               </a:solidFill>
@@ -3376,11 +3804,12 @@
           </a:prstGeom>
         </p:spPr>
         <p:txBody>
-          <a:bodyPr lIns="0" rIns="0" tIns="0" bIns="0">
+          <a:bodyPr lIns="0" tIns="0" rIns="0" bIns="0">
             <a:normAutofit/>
           </a:bodyPr>
-          <a:p>
-            <a:endParaRPr b="0" lang="en-MY" sz="1400" spc="-1" strike="noStrike">
+          <a:lstStyle/>
+          <a:p>
+            <a:endParaRPr lang="en-MY" sz="1400" b="0" strike="noStrike" spc="-1">
               <a:solidFill>
                 <a:srgbClr val="000000"/>
               </a:solidFill>
@@ -3409,11 +3838,12 @@
           </a:prstGeom>
         </p:spPr>
         <p:txBody>
-          <a:bodyPr lIns="0" rIns="0" tIns="0" bIns="0">
+          <a:bodyPr lIns="0" tIns="0" rIns="0" bIns="0">
             <a:normAutofit/>
           </a:bodyPr>
-          <a:p>
-            <a:endParaRPr b="0" lang="en-MY" sz="1400" spc="-1" strike="noStrike">
+          <a:lstStyle/>
+          <a:p>
+            <a:endParaRPr lang="en-MY" sz="1400" b="0" strike="noStrike" spc="-1">
               <a:solidFill>
                 <a:srgbClr val="000000"/>
               </a:solidFill>
@@ -3424,17 +3854,21 @@
       </p:sp>
     </p:spTree>
   </p:cSld>
+  <p:clrMapOvr>
+    <a:masterClrMapping/>
+  </p:clrMapOvr>
 </p:sldLayout>
 </file>
 
 <file path=ppt/slideMasters/slideMaster1.xml><?xml version="1.0" encoding="utf-8"?>
-<p:sldMaster xmlns:a="http://schemas.openxmlformats.org/drawingml/2006/main" xmlns:p="http://schemas.openxmlformats.org/presentationml/2006/main" xmlns:r="http://schemas.openxmlformats.org/officeDocument/2006/relationships" xmlns:p14="http://schemas.microsoft.com/office/powerpoint/2010/main" xmlns:p15="http://schemas.microsoft.com/office/powerpoint/2012/main" xmlns:mc="http://schemas.openxmlformats.org/markup-compatibility/2006">
+<p:sldMaster xmlns:a="http://schemas.openxmlformats.org/drawingml/2006/main" xmlns:r="http://schemas.openxmlformats.org/officeDocument/2006/relationships" xmlns:p="http://schemas.openxmlformats.org/presentationml/2006/main">
   <p:cSld>
     <p:bg>
       <p:bgPr>
         <a:solidFill>
-          <a:srgbClr val="00517c"/>
+          <a:srgbClr val="00517C"/>
         </a:solidFill>
+        <a:effectLst/>
       </p:bgPr>
     </p:bg>
     <p:spTree>
@@ -3453,7 +3887,7 @@
       </p:grpSpPr>
       <p:sp>
         <p:nvSpPr>
-          <p:cNvPr id="0" name="Google Shape;10;p2"/>
+          <p:cNvPr id="6" name="Google Shape;10;p2"/>
           <p:cNvSpPr/>
           <p:nvPr/>
         </p:nvSpPr>
@@ -3466,6 +3900,7 @@
             <a:avLst/>
             <a:gdLst/>
             <a:ahLst/>
+            <a:cxnLst/>
             <a:rect l="l" t="t" r="r" b="b"/>
             <a:pathLst>
               <a:path w="43265" h="44998">
@@ -3484,21 +3919,27 @@
           <a:noFill/>
           <a:ln w="28575">
             <a:solidFill>
-              <a:srgbClr val="8bc34a"/>
+              <a:srgbClr val="8BC34A"/>
             </a:solidFill>
             <a:miter/>
           </a:ln>
         </p:spPr>
         <p:style>
-          <a:lnRef idx="0"/>
-          <a:fillRef idx="0"/>
-          <a:effectRef idx="0"/>
+          <a:lnRef idx="0">
+            <a:scrgbClr r="0" g="0" b="0"/>
+          </a:lnRef>
+          <a:fillRef idx="0">
+            <a:scrgbClr r="0" g="0" b="0"/>
+          </a:fillRef>
+          <a:effectRef idx="0">
+            <a:scrgbClr r="0" g="0" b="0"/>
+          </a:effectRef>
           <a:fontRef idx="minor"/>
         </p:style>
       </p:sp>
       <p:sp>
         <p:nvSpPr>
-          <p:cNvPr id="1" name="Google Shape;11;p2"/>
+          <p:cNvPr id="7" name="Google Shape;11;p2"/>
           <p:cNvSpPr/>
           <p:nvPr/>
         </p:nvSpPr>
@@ -3511,6 +3952,7 @@
             <a:avLst/>
             <a:gdLst/>
             <a:ahLst/>
+            <a:cxnLst/>
             <a:rect l="l" t="t" r="r" b="b"/>
             <a:pathLst>
               <a:path w="43265" h="44998">
@@ -3529,15 +3971,21 @@
           <a:noFill/>
           <a:ln w="28575">
             <a:solidFill>
-              <a:srgbClr val="8bc34a"/>
+              <a:srgbClr val="8BC34A"/>
             </a:solidFill>
             <a:miter/>
           </a:ln>
         </p:spPr>
         <p:style>
-          <a:lnRef idx="0"/>
-          <a:fillRef idx="0"/>
-          <a:effectRef idx="0"/>
+          <a:lnRef idx="0">
+            <a:scrgbClr r="0" g="0" b="0"/>
+          </a:lnRef>
+          <a:fillRef idx="0">
+            <a:scrgbClr r="0" g="0" b="0"/>
+          </a:fillRef>
+          <a:effectRef idx="0">
+            <a:scrgbClr r="0" g="0" b="0"/>
+          </a:effectRef>
           <a:fontRef idx="minor"/>
         </p:style>
       </p:sp>
@@ -3556,6 +4004,7 @@
             <a:avLst/>
             <a:gdLst/>
             <a:ahLst/>
+            <a:cxnLst/>
             <a:rect l="l" t="t" r="r" b="b"/>
             <a:pathLst>
               <a:path w="21600" h="21600">
@@ -3571,15 +4020,21 @@
           <a:noFill/>
           <a:ln w="38100">
             <a:solidFill>
-              <a:srgbClr val="039be5"/>
+              <a:srgbClr val="039BE5"/>
             </a:solidFill>
             <a:round/>
           </a:ln>
         </p:spPr>
         <p:style>
-          <a:lnRef idx="0"/>
-          <a:fillRef idx="0"/>
-          <a:effectRef idx="0"/>
+          <a:lnRef idx="0">
+            <a:scrgbClr r="0" g="0" b="0"/>
+          </a:lnRef>
+          <a:fillRef idx="0">
+            <a:scrgbClr r="0" g="0" b="0"/>
+          </a:fillRef>
+          <a:effectRef idx="0">
+            <a:scrgbClr r="0" g="0" b="0"/>
+          </a:effectRef>
           <a:fontRef idx="minor"/>
         </p:style>
       </p:sp>
@@ -3606,9 +4061,10 @@
           <a:bodyPr tIns="91440" bIns="91440" anchor="b">
             <a:normAutofit/>
           </a:bodyPr>
+          <a:lstStyle/>
           <a:p>
             <a:r>
-              <a:rPr b="0" lang="en-MY" sz="4000" spc="-1" strike="noStrike">
+              <a:rPr lang="en-MY" sz="4000" b="0" strike="noStrike" spc="-1">
                 <a:solidFill>
                   <a:srgbClr val="000000"/>
                 </a:solidFill>
@@ -3616,12 +4072,6 @@
               </a:rPr>
               <a:t>Click to edit the title text format</a:t>
             </a:r>
-            <a:endParaRPr b="0" lang="en-MY" sz="4000" spc="-1" strike="noStrike">
-              <a:solidFill>
-                <a:srgbClr val="000000"/>
-              </a:solidFill>
-              <a:latin typeface="Arial"/>
-            </a:endParaRPr>
           </a:p>
         </p:txBody>
       </p:sp>
@@ -3648,26 +4098,27 @@
           <a:bodyPr tIns="91440" bIns="91440" anchor="ctr">
             <a:normAutofit/>
           </a:bodyPr>
+          <a:lstStyle/>
           <a:p>
             <a:pPr algn="r">
               <a:lnSpc>
                 <a:spcPct val="100000"/>
               </a:lnSpc>
               <a:tabLst>
-                <a:tab algn="l" pos="0"/>
+                <a:tab pos="0" algn="l"/>
               </a:tabLst>
             </a:pPr>
             <a:fld id="{B91E6CF0-126E-4C72-BF1B-21CD86A176D5}" type="slidenum">
-              <a:rPr b="0" lang="en-GB" sz="1000" spc="-1" strike="noStrike">
+              <a:rPr lang="en-GB" sz="1000" b="0" strike="noStrike" spc="-1">
                 <a:solidFill>
-                  <a:srgbClr val="ffffff"/>
+                  <a:srgbClr val="FFFFFF"/>
                 </a:solidFill>
                 <a:latin typeface="Roboto"/>
                 <a:ea typeface="Roboto"/>
               </a:rPr>
-              <a:t>&lt;number&gt;</a:t>
+              <a:t>‹#›</a:t>
             </a:fld>
-            <a:endParaRPr b="0" lang="en-MY" sz="1000" spc="-1" strike="noStrike">
+            <a:endParaRPr lang="en-MY" sz="1000" b="0" strike="noStrike" spc="-1">
               <a:latin typeface="Times New Roman"/>
             </a:endParaRPr>
           </a:p>
@@ -3693,9 +4144,10 @@
           </a:prstGeom>
         </p:spPr>
         <p:txBody>
-          <a:bodyPr lIns="0" rIns="0" tIns="0" bIns="0">
+          <a:bodyPr lIns="0" tIns="0" rIns="0" bIns="0">
             <a:normAutofit/>
           </a:bodyPr>
+          <a:lstStyle/>
           <a:p>
             <a:pPr marL="432000" indent="-324000">
               <a:spcBef>
@@ -3709,7 +4161,7 @@
               <a:buChar char=""/>
             </a:pPr>
             <a:r>
-              <a:rPr b="0" lang="en-MY" sz="1400" spc="-1" strike="noStrike">
+              <a:rPr lang="en-MY" sz="1400" b="0" strike="noStrike" spc="-1">
                 <a:solidFill>
                   <a:srgbClr val="000000"/>
                 </a:solidFill>
@@ -3717,15 +4169,9 @@
               </a:rPr>
               <a:t>Click to edit the outline text format</a:t>
             </a:r>
-            <a:endParaRPr b="0" lang="en-MY" sz="1400" spc="-1" strike="noStrike">
-              <a:solidFill>
-                <a:srgbClr val="000000"/>
-              </a:solidFill>
-              <a:latin typeface="Arial"/>
-            </a:endParaRPr>
-          </a:p>
-          <a:p>
-            <a:pPr lvl="1" marL="864000" indent="-324000">
+          </a:p>
+          <a:p>
+            <a:pPr marL="864000" lvl="1" indent="-324000">
               <a:spcBef>
                 <a:spcPts val="1134"/>
               </a:spcBef>
@@ -3737,7 +4183,7 @@
               <a:buChar char=""/>
             </a:pPr>
             <a:r>
-              <a:rPr b="0" lang="en-MY" sz="1400" spc="-1" strike="noStrike">
+              <a:rPr lang="en-MY" sz="1400" b="0" strike="noStrike" spc="-1">
                 <a:solidFill>
                   <a:srgbClr val="000000"/>
                 </a:solidFill>
@@ -3745,15 +4191,9 @@
               </a:rPr>
               <a:t>Second Outline Level</a:t>
             </a:r>
-            <a:endParaRPr b="0" lang="en-MY" sz="1400" spc="-1" strike="noStrike">
-              <a:solidFill>
-                <a:srgbClr val="000000"/>
-              </a:solidFill>
-              <a:latin typeface="Arial"/>
-            </a:endParaRPr>
-          </a:p>
-          <a:p>
-            <a:pPr lvl="2" marL="1296000" indent="-288000">
+          </a:p>
+          <a:p>
+            <a:pPr marL="1296000" lvl="2" indent="-288000">
               <a:spcBef>
                 <a:spcPts val="850"/>
               </a:spcBef>
@@ -3765,7 +4205,7 @@
               <a:buChar char=""/>
             </a:pPr>
             <a:r>
-              <a:rPr b="0" lang="en-MY" sz="1400" spc="-1" strike="noStrike">
+              <a:rPr lang="en-MY" sz="1400" b="0" strike="noStrike" spc="-1">
                 <a:solidFill>
                   <a:srgbClr val="000000"/>
                 </a:solidFill>
@@ -3773,15 +4213,9 @@
               </a:rPr>
               <a:t>Third Outline Level</a:t>
             </a:r>
-            <a:endParaRPr b="0" lang="en-MY" sz="1400" spc="-1" strike="noStrike">
-              <a:solidFill>
-                <a:srgbClr val="000000"/>
-              </a:solidFill>
-              <a:latin typeface="Arial"/>
-            </a:endParaRPr>
-          </a:p>
-          <a:p>
-            <a:pPr lvl="3" marL="1728000" indent="-216000">
+          </a:p>
+          <a:p>
+            <a:pPr marL="1728000" lvl="3" indent="-216000">
               <a:spcBef>
                 <a:spcPts val="567"/>
               </a:spcBef>
@@ -3793,7 +4227,7 @@
               <a:buChar char=""/>
             </a:pPr>
             <a:r>
-              <a:rPr b="0" lang="en-MY" sz="1400" spc="-1" strike="noStrike">
+              <a:rPr lang="en-MY" sz="1400" b="0" strike="noStrike" spc="-1">
                 <a:solidFill>
                   <a:srgbClr val="000000"/>
                 </a:solidFill>
@@ -3801,15 +4235,9 @@
               </a:rPr>
               <a:t>Fourth Outline Level</a:t>
             </a:r>
-            <a:endParaRPr b="0" lang="en-MY" sz="1400" spc="-1" strike="noStrike">
-              <a:solidFill>
-                <a:srgbClr val="000000"/>
-              </a:solidFill>
-              <a:latin typeface="Arial"/>
-            </a:endParaRPr>
-          </a:p>
-          <a:p>
-            <a:pPr lvl="4" marL="2160000" indent="-216000">
+          </a:p>
+          <a:p>
+            <a:pPr marL="2160000" lvl="4" indent="-216000">
               <a:spcBef>
                 <a:spcPts val="283"/>
               </a:spcBef>
@@ -3821,7 +4249,7 @@
               <a:buChar char=""/>
             </a:pPr>
             <a:r>
-              <a:rPr b="0" lang="en-MY" sz="2000" spc="-1" strike="noStrike">
+              <a:rPr lang="en-MY" sz="2000" b="0" strike="noStrike" spc="-1">
                 <a:solidFill>
                   <a:srgbClr val="000000"/>
                 </a:solidFill>
@@ -3829,15 +4257,9 @@
               </a:rPr>
               <a:t>Fifth Outline Level</a:t>
             </a:r>
-            <a:endParaRPr b="0" lang="en-MY" sz="2000" spc="-1" strike="noStrike">
-              <a:solidFill>
-                <a:srgbClr val="000000"/>
-              </a:solidFill>
-              <a:latin typeface="Arial"/>
-            </a:endParaRPr>
-          </a:p>
-          <a:p>
-            <a:pPr lvl="5" marL="2592000" indent="-216000">
+          </a:p>
+          <a:p>
+            <a:pPr marL="2592000" lvl="5" indent="-216000">
               <a:spcBef>
                 <a:spcPts val="283"/>
               </a:spcBef>
@@ -3849,7 +4271,7 @@
               <a:buChar char=""/>
             </a:pPr>
             <a:r>
-              <a:rPr b="0" lang="en-MY" sz="2000" spc="-1" strike="noStrike">
+              <a:rPr lang="en-MY" sz="2000" b="0" strike="noStrike" spc="-1">
                 <a:solidFill>
                   <a:srgbClr val="000000"/>
                 </a:solidFill>
@@ -3857,15 +4279,9 @@
               </a:rPr>
               <a:t>Sixth Outline Level</a:t>
             </a:r>
-            <a:endParaRPr b="0" lang="en-MY" sz="2000" spc="-1" strike="noStrike">
-              <a:solidFill>
-                <a:srgbClr val="000000"/>
-              </a:solidFill>
-              <a:latin typeface="Arial"/>
-            </a:endParaRPr>
-          </a:p>
-          <a:p>
-            <a:pPr lvl="6" marL="3024000" indent="-216000">
+          </a:p>
+          <a:p>
+            <a:pPr marL="3024000" lvl="6" indent="-216000">
               <a:spcBef>
                 <a:spcPts val="283"/>
               </a:spcBef>
@@ -3877,7 +4293,7 @@
               <a:buChar char=""/>
             </a:pPr>
             <a:r>
-              <a:rPr b="0" lang="en-MY" sz="2000" spc="-1" strike="noStrike">
+              <a:rPr lang="en-MY" sz="2000" b="0" strike="noStrike" spc="-1">
                 <a:solidFill>
                   <a:srgbClr val="000000"/>
                 </a:solidFill>
@@ -3885,43 +4301,318 @@
               </a:rPr>
               <a:t>Seventh Outline Level</a:t>
             </a:r>
-            <a:endParaRPr b="0" lang="en-MY" sz="2000" spc="-1" strike="noStrike">
-              <a:solidFill>
-                <a:srgbClr val="000000"/>
-              </a:solidFill>
-              <a:latin typeface="Arial"/>
-            </a:endParaRPr>
           </a:p>
         </p:txBody>
       </p:sp>
     </p:spTree>
   </p:cSld>
-  <p:clrMap bg1="lt1" bg2="lt2" tx1="dk1" tx2="dk2" accent1="accent1" accent2="accent2" accent3="accent3" accent4="accent4" accent5="accent5" accent6="accent6" hlink="hlink" folHlink="folHlink"/>
+  <p:clrMap bg1="lt1" tx1="dk1" bg2="lt2" tx2="dk2" accent1="accent1" accent2="accent2" accent3="accent3" accent4="accent4" accent5="accent5" accent6="accent6" hlink="hlink" folHlink="folHlink"/>
   <p:sldLayoutIdLst>
-    <p:sldLayoutId id="2147483649" r:id="rId2"/>
-    <p:sldLayoutId id="2147483650" r:id="rId3"/>
-    <p:sldLayoutId id="2147483651" r:id="rId4"/>
-    <p:sldLayoutId id="2147483652" r:id="rId5"/>
-    <p:sldLayoutId id="2147483653" r:id="rId6"/>
-    <p:sldLayoutId id="2147483654" r:id="rId7"/>
-    <p:sldLayoutId id="2147483655" r:id="rId8"/>
-    <p:sldLayoutId id="2147483656" r:id="rId9"/>
-    <p:sldLayoutId id="2147483657" r:id="rId10"/>
-    <p:sldLayoutId id="2147483658" r:id="rId11"/>
-    <p:sldLayoutId id="2147483659" r:id="rId12"/>
-    <p:sldLayoutId id="2147483660" r:id="rId13"/>
+    <p:sldLayoutId id="2147483649" r:id="rId1"/>
+    <p:sldLayoutId id="2147483650" r:id="rId2"/>
+    <p:sldLayoutId id="2147483651" r:id="rId3"/>
+    <p:sldLayoutId id="2147483652" r:id="rId4"/>
+    <p:sldLayoutId id="2147483653" r:id="rId5"/>
+    <p:sldLayoutId id="2147483654" r:id="rId6"/>
+    <p:sldLayoutId id="2147483655" r:id="rId7"/>
+    <p:sldLayoutId id="2147483656" r:id="rId8"/>
+    <p:sldLayoutId id="2147483657" r:id="rId9"/>
+    <p:sldLayoutId id="2147483658" r:id="rId10"/>
+    <p:sldLayoutId id="2147483659" r:id="rId11"/>
+    <p:sldLayoutId id="2147483660" r:id="rId12"/>
   </p:sldLayoutIdLst>
+  <p:txStyles>
+    <p:titleStyle>
+      <a:lvl1pPr algn="l" defTabSz="914400" rtl="0" eaLnBrk="1" latinLnBrk="0" hangingPunct="1">
+        <a:lnSpc>
+          <a:spcPct val="90000"/>
+        </a:lnSpc>
+        <a:spcBef>
+          <a:spcPct val="0"/>
+        </a:spcBef>
+        <a:buNone/>
+        <a:defRPr sz="4400" kern="1200">
+          <a:solidFill>
+            <a:schemeClr val="tx1"/>
+          </a:solidFill>
+          <a:latin typeface="+mj-lt"/>
+          <a:ea typeface="+mj-ea"/>
+          <a:cs typeface="+mj-cs"/>
+        </a:defRPr>
+      </a:lvl1pPr>
+    </p:titleStyle>
+    <p:bodyStyle>
+      <a:lvl1pPr marL="228600" indent="-228600" algn="l" defTabSz="914400" rtl="0" eaLnBrk="1" latinLnBrk="0" hangingPunct="1">
+        <a:lnSpc>
+          <a:spcPct val="90000"/>
+        </a:lnSpc>
+        <a:spcBef>
+          <a:spcPts val="1000"/>
+        </a:spcBef>
+        <a:buFont typeface="Arial" panose="020B0604020202020204" pitchFamily="34" charset="0"/>
+        <a:buChar char="•"/>
+        <a:defRPr sz="2800" kern="1200">
+          <a:solidFill>
+            <a:schemeClr val="tx1"/>
+          </a:solidFill>
+          <a:latin typeface="+mn-lt"/>
+          <a:ea typeface="+mn-ea"/>
+          <a:cs typeface="+mn-cs"/>
+        </a:defRPr>
+      </a:lvl1pPr>
+      <a:lvl2pPr marL="685800" indent="-228600" algn="l" defTabSz="914400" rtl="0" eaLnBrk="1" latinLnBrk="0" hangingPunct="1">
+        <a:lnSpc>
+          <a:spcPct val="90000"/>
+        </a:lnSpc>
+        <a:spcBef>
+          <a:spcPts val="500"/>
+        </a:spcBef>
+        <a:buFont typeface="Arial" panose="020B0604020202020204" pitchFamily="34" charset="0"/>
+        <a:buChar char="•"/>
+        <a:defRPr sz="2400" kern="1200">
+          <a:solidFill>
+            <a:schemeClr val="tx1"/>
+          </a:solidFill>
+          <a:latin typeface="+mn-lt"/>
+          <a:ea typeface="+mn-ea"/>
+          <a:cs typeface="+mn-cs"/>
+        </a:defRPr>
+      </a:lvl2pPr>
+      <a:lvl3pPr marL="1143000" indent="-228600" algn="l" defTabSz="914400" rtl="0" eaLnBrk="1" latinLnBrk="0" hangingPunct="1">
+        <a:lnSpc>
+          <a:spcPct val="90000"/>
+        </a:lnSpc>
+        <a:spcBef>
+          <a:spcPts val="500"/>
+        </a:spcBef>
+        <a:buFont typeface="Arial" panose="020B0604020202020204" pitchFamily="34" charset="0"/>
+        <a:buChar char="•"/>
+        <a:defRPr sz="2000" kern="1200">
+          <a:solidFill>
+            <a:schemeClr val="tx1"/>
+          </a:solidFill>
+          <a:latin typeface="+mn-lt"/>
+          <a:ea typeface="+mn-ea"/>
+          <a:cs typeface="+mn-cs"/>
+        </a:defRPr>
+      </a:lvl3pPr>
+      <a:lvl4pPr marL="1600200" indent="-228600" algn="l" defTabSz="914400" rtl="0" eaLnBrk="1" latinLnBrk="0" hangingPunct="1">
+        <a:lnSpc>
+          <a:spcPct val="90000"/>
+        </a:lnSpc>
+        <a:spcBef>
+          <a:spcPts val="500"/>
+        </a:spcBef>
+        <a:buFont typeface="Arial" panose="020B0604020202020204" pitchFamily="34" charset="0"/>
+        <a:buChar char="•"/>
+        <a:defRPr sz="1800" kern="1200">
+          <a:solidFill>
+            <a:schemeClr val="tx1"/>
+          </a:solidFill>
+          <a:latin typeface="+mn-lt"/>
+          <a:ea typeface="+mn-ea"/>
+          <a:cs typeface="+mn-cs"/>
+        </a:defRPr>
+      </a:lvl4pPr>
+      <a:lvl5pPr marL="2057400" indent="-228600" algn="l" defTabSz="914400" rtl="0" eaLnBrk="1" latinLnBrk="0" hangingPunct="1">
+        <a:lnSpc>
+          <a:spcPct val="90000"/>
+        </a:lnSpc>
+        <a:spcBef>
+          <a:spcPts val="500"/>
+        </a:spcBef>
+        <a:buFont typeface="Arial" panose="020B0604020202020204" pitchFamily="34" charset="0"/>
+        <a:buChar char="•"/>
+        <a:defRPr sz="1800" kern="1200">
+          <a:solidFill>
+            <a:schemeClr val="tx1"/>
+          </a:solidFill>
+          <a:latin typeface="+mn-lt"/>
+          <a:ea typeface="+mn-ea"/>
+          <a:cs typeface="+mn-cs"/>
+        </a:defRPr>
+      </a:lvl5pPr>
+      <a:lvl6pPr marL="2514600" indent="-228600" algn="l" defTabSz="914400" rtl="0" eaLnBrk="1" latinLnBrk="0" hangingPunct="1">
+        <a:lnSpc>
+          <a:spcPct val="90000"/>
+        </a:lnSpc>
+        <a:spcBef>
+          <a:spcPts val="500"/>
+        </a:spcBef>
+        <a:buFont typeface="Arial" panose="020B0604020202020204" pitchFamily="34" charset="0"/>
+        <a:buChar char="•"/>
+        <a:defRPr sz="1800" kern="1200">
+          <a:solidFill>
+            <a:schemeClr val="tx1"/>
+          </a:solidFill>
+          <a:latin typeface="+mn-lt"/>
+          <a:ea typeface="+mn-ea"/>
+          <a:cs typeface="+mn-cs"/>
+        </a:defRPr>
+      </a:lvl6pPr>
+      <a:lvl7pPr marL="2971800" indent="-228600" algn="l" defTabSz="914400" rtl="0" eaLnBrk="1" latinLnBrk="0" hangingPunct="1">
+        <a:lnSpc>
+          <a:spcPct val="90000"/>
+        </a:lnSpc>
+        <a:spcBef>
+          <a:spcPts val="500"/>
+        </a:spcBef>
+        <a:buFont typeface="Arial" panose="020B0604020202020204" pitchFamily="34" charset="0"/>
+        <a:buChar char="•"/>
+        <a:defRPr sz="1800" kern="1200">
+          <a:solidFill>
+            <a:schemeClr val="tx1"/>
+          </a:solidFill>
+          <a:latin typeface="+mn-lt"/>
+          <a:ea typeface="+mn-ea"/>
+          <a:cs typeface="+mn-cs"/>
+        </a:defRPr>
+      </a:lvl7pPr>
+      <a:lvl8pPr marL="3429000" indent="-228600" algn="l" defTabSz="914400" rtl="0" eaLnBrk="1" latinLnBrk="0" hangingPunct="1">
+        <a:lnSpc>
+          <a:spcPct val="90000"/>
+        </a:lnSpc>
+        <a:spcBef>
+          <a:spcPts val="500"/>
+        </a:spcBef>
+        <a:buFont typeface="Arial" panose="020B0604020202020204" pitchFamily="34" charset="0"/>
+        <a:buChar char="•"/>
+        <a:defRPr sz="1800" kern="1200">
+          <a:solidFill>
+            <a:schemeClr val="tx1"/>
+          </a:solidFill>
+          <a:latin typeface="+mn-lt"/>
+          <a:ea typeface="+mn-ea"/>
+          <a:cs typeface="+mn-cs"/>
+        </a:defRPr>
+      </a:lvl8pPr>
+      <a:lvl9pPr marL="3886200" indent="-228600" algn="l" defTabSz="914400" rtl="0" eaLnBrk="1" latinLnBrk="0" hangingPunct="1">
+        <a:lnSpc>
+          <a:spcPct val="90000"/>
+        </a:lnSpc>
+        <a:spcBef>
+          <a:spcPts val="500"/>
+        </a:spcBef>
+        <a:buFont typeface="Arial" panose="020B0604020202020204" pitchFamily="34" charset="0"/>
+        <a:buChar char="•"/>
+        <a:defRPr sz="1800" kern="1200">
+          <a:solidFill>
+            <a:schemeClr val="tx1"/>
+          </a:solidFill>
+          <a:latin typeface="+mn-lt"/>
+          <a:ea typeface="+mn-ea"/>
+          <a:cs typeface="+mn-cs"/>
+        </a:defRPr>
+      </a:lvl9pPr>
+    </p:bodyStyle>
+    <p:otherStyle>
+      <a:defPPr>
+        <a:defRPr lang="en-US"/>
+      </a:defPPr>
+      <a:lvl1pPr marL="0" algn="l" defTabSz="914400" rtl="0" eaLnBrk="1" latinLnBrk="0" hangingPunct="1">
+        <a:defRPr sz="1800" kern="1200">
+          <a:solidFill>
+            <a:schemeClr val="tx1"/>
+          </a:solidFill>
+          <a:latin typeface="+mn-lt"/>
+          <a:ea typeface="+mn-ea"/>
+          <a:cs typeface="+mn-cs"/>
+        </a:defRPr>
+      </a:lvl1pPr>
+      <a:lvl2pPr marL="457200" algn="l" defTabSz="914400" rtl="0" eaLnBrk="1" latinLnBrk="0" hangingPunct="1">
+        <a:defRPr sz="1800" kern="1200">
+          <a:solidFill>
+            <a:schemeClr val="tx1"/>
+          </a:solidFill>
+          <a:latin typeface="+mn-lt"/>
+          <a:ea typeface="+mn-ea"/>
+          <a:cs typeface="+mn-cs"/>
+        </a:defRPr>
+      </a:lvl2pPr>
+      <a:lvl3pPr marL="914400" algn="l" defTabSz="914400" rtl="0" eaLnBrk="1" latinLnBrk="0" hangingPunct="1">
+        <a:defRPr sz="1800" kern="1200">
+          <a:solidFill>
+            <a:schemeClr val="tx1"/>
+          </a:solidFill>
+          <a:latin typeface="+mn-lt"/>
+          <a:ea typeface="+mn-ea"/>
+          <a:cs typeface="+mn-cs"/>
+        </a:defRPr>
+      </a:lvl3pPr>
+      <a:lvl4pPr marL="1371600" algn="l" defTabSz="914400" rtl="0" eaLnBrk="1" latinLnBrk="0" hangingPunct="1">
+        <a:defRPr sz="1800" kern="1200">
+          <a:solidFill>
+            <a:schemeClr val="tx1"/>
+          </a:solidFill>
+          <a:latin typeface="+mn-lt"/>
+          <a:ea typeface="+mn-ea"/>
+          <a:cs typeface="+mn-cs"/>
+        </a:defRPr>
+      </a:lvl4pPr>
+      <a:lvl5pPr marL="1828800" algn="l" defTabSz="914400" rtl="0" eaLnBrk="1" latinLnBrk="0" hangingPunct="1">
+        <a:defRPr sz="1800" kern="1200">
+          <a:solidFill>
+            <a:schemeClr val="tx1"/>
+          </a:solidFill>
+          <a:latin typeface="+mn-lt"/>
+          <a:ea typeface="+mn-ea"/>
+          <a:cs typeface="+mn-cs"/>
+        </a:defRPr>
+      </a:lvl5pPr>
+      <a:lvl6pPr marL="2286000" algn="l" defTabSz="914400" rtl="0" eaLnBrk="1" latinLnBrk="0" hangingPunct="1">
+        <a:defRPr sz="1800" kern="1200">
+          <a:solidFill>
+            <a:schemeClr val="tx1"/>
+          </a:solidFill>
+          <a:latin typeface="+mn-lt"/>
+          <a:ea typeface="+mn-ea"/>
+          <a:cs typeface="+mn-cs"/>
+        </a:defRPr>
+      </a:lvl6pPr>
+      <a:lvl7pPr marL="2743200" algn="l" defTabSz="914400" rtl="0" eaLnBrk="1" latinLnBrk="0" hangingPunct="1">
+        <a:defRPr sz="1800" kern="1200">
+          <a:solidFill>
+            <a:schemeClr val="tx1"/>
+          </a:solidFill>
+          <a:latin typeface="+mn-lt"/>
+          <a:ea typeface="+mn-ea"/>
+          <a:cs typeface="+mn-cs"/>
+        </a:defRPr>
+      </a:lvl7pPr>
+      <a:lvl8pPr marL="3200400" algn="l" defTabSz="914400" rtl="0" eaLnBrk="1" latinLnBrk="0" hangingPunct="1">
+        <a:defRPr sz="1800" kern="1200">
+          <a:solidFill>
+            <a:schemeClr val="tx1"/>
+          </a:solidFill>
+          <a:latin typeface="+mn-lt"/>
+          <a:ea typeface="+mn-ea"/>
+          <a:cs typeface="+mn-cs"/>
+        </a:defRPr>
+      </a:lvl8pPr>
+      <a:lvl9pPr marL="3657600" algn="l" defTabSz="914400" rtl="0" eaLnBrk="1" latinLnBrk="0" hangingPunct="1">
+        <a:defRPr sz="1800" kern="1200">
+          <a:solidFill>
+            <a:schemeClr val="tx1"/>
+          </a:solidFill>
+          <a:latin typeface="+mn-lt"/>
+          <a:ea typeface="+mn-ea"/>
+          <a:cs typeface="+mn-cs"/>
+        </a:defRPr>
+      </a:lvl9pPr>
+    </p:otherStyle>
+  </p:txStyles>
 </p:sldMaster>
 </file>
 
 <file path=ppt/slideMasters/slideMaster2.xml><?xml version="1.0" encoding="utf-8"?>
-<p:sldMaster xmlns:a="http://schemas.openxmlformats.org/drawingml/2006/main" xmlns:p="http://schemas.openxmlformats.org/presentationml/2006/main" xmlns:r="http://schemas.openxmlformats.org/officeDocument/2006/relationships" xmlns:p14="http://schemas.microsoft.com/office/powerpoint/2010/main" xmlns:p15="http://schemas.microsoft.com/office/powerpoint/2012/main" xmlns:mc="http://schemas.openxmlformats.org/markup-compatibility/2006">
+<p:sldMaster xmlns:a="http://schemas.openxmlformats.org/drawingml/2006/main" xmlns:r="http://schemas.openxmlformats.org/officeDocument/2006/relationships" xmlns:p="http://schemas.openxmlformats.org/presentationml/2006/main">
   <p:cSld>
     <p:bg>
       <p:bgPr>
         <a:solidFill>
-          <a:srgbClr val="00517c"/>
+          <a:srgbClr val="00517C"/>
         </a:solidFill>
+        <a:effectLst/>
       </p:bgPr>
     </p:bg>
     <p:spTree>
@@ -3953,6 +4644,7 @@
             <a:avLst/>
             <a:gdLst/>
             <a:ahLst/>
+            <a:cxnLst/>
             <a:rect l="l" t="t" r="r" b="b"/>
             <a:pathLst>
               <a:path w="21600" h="21600">
@@ -3968,15 +4660,21 @@
           <a:noFill/>
           <a:ln w="38100">
             <a:solidFill>
-              <a:srgbClr val="039be5"/>
+              <a:srgbClr val="039BE5"/>
             </a:solidFill>
             <a:round/>
           </a:ln>
         </p:spPr>
         <p:style>
-          <a:lnRef idx="0"/>
-          <a:fillRef idx="0"/>
-          <a:effectRef idx="0"/>
+          <a:lnRef idx="0">
+            <a:scrgbClr r="0" g="0" b="0"/>
+          </a:lnRef>
+          <a:fillRef idx="0">
+            <a:scrgbClr r="0" g="0" b="0"/>
+          </a:fillRef>
+          <a:effectRef idx="0">
+            <a:scrgbClr r="0" g="0" b="0"/>
+          </a:effectRef>
           <a:fontRef idx="minor"/>
         </p:style>
       </p:sp>
@@ -4003,9 +4701,10 @@
           <a:bodyPr tIns="91440" bIns="91440" anchor="b">
             <a:normAutofit/>
           </a:bodyPr>
+          <a:lstStyle/>
           <a:p>
             <a:r>
-              <a:rPr b="0" lang="en-MY" sz="3000" spc="-1" strike="noStrike">
+              <a:rPr lang="en-MY" sz="3000" b="0" strike="noStrike" spc="-1">
                 <a:solidFill>
                   <a:srgbClr val="000000"/>
                 </a:solidFill>
@@ -4013,12 +4712,6 @@
               </a:rPr>
               <a:t>Click to edit the title text format</a:t>
             </a:r>
-            <a:endParaRPr b="0" lang="en-MY" sz="3000" spc="-1" strike="noStrike">
-              <a:solidFill>
-                <a:srgbClr val="000000"/>
-              </a:solidFill>
-              <a:latin typeface="Arial"/>
-            </a:endParaRPr>
           </a:p>
         </p:txBody>
       </p:sp>
@@ -4045,6 +4738,7 @@
           <a:bodyPr tIns="91440" bIns="91440">
             <a:normAutofit/>
           </a:bodyPr>
+          <a:lstStyle/>
           <a:p>
             <a:pPr marL="432000" indent="-324000">
               <a:spcBef>
@@ -4058,7 +4752,7 @@
               <a:buChar char=""/>
             </a:pPr>
             <a:r>
-              <a:rPr b="0" lang="en-MY" sz="1800" spc="-1" strike="noStrike">
+              <a:rPr lang="en-MY" sz="1800" b="0" strike="noStrike" spc="-1">
                 <a:solidFill>
                   <a:srgbClr val="000000"/>
                 </a:solidFill>
@@ -4066,15 +4760,9 @@
               </a:rPr>
               <a:t>Click to edit the outline text format</a:t>
             </a:r>
-            <a:endParaRPr b="0" lang="en-MY" sz="1800" spc="-1" strike="noStrike">
-              <a:solidFill>
-                <a:srgbClr val="000000"/>
-              </a:solidFill>
-              <a:latin typeface="Arial"/>
-            </a:endParaRPr>
-          </a:p>
-          <a:p>
-            <a:pPr lvl="1" marL="864000" indent="-324000">
+          </a:p>
+          <a:p>
+            <a:pPr marL="864000" lvl="1" indent="-324000">
               <a:spcBef>
                 <a:spcPts val="1134"/>
               </a:spcBef>
@@ -4086,7 +4774,7 @@
               <a:buChar char=""/>
             </a:pPr>
             <a:r>
-              <a:rPr b="0" lang="en-MY" sz="1800" spc="-1" strike="noStrike">
+              <a:rPr lang="en-MY" sz="1800" b="0" strike="noStrike" spc="-1">
                 <a:solidFill>
                   <a:srgbClr val="000000"/>
                 </a:solidFill>
@@ -4094,15 +4782,9 @@
               </a:rPr>
               <a:t>Second Outline Level</a:t>
             </a:r>
-            <a:endParaRPr b="0" lang="en-MY" sz="1800" spc="-1" strike="noStrike">
-              <a:solidFill>
-                <a:srgbClr val="000000"/>
-              </a:solidFill>
-              <a:latin typeface="Arial"/>
-            </a:endParaRPr>
-          </a:p>
-          <a:p>
-            <a:pPr lvl="2" marL="1296000" indent="-288000">
+          </a:p>
+          <a:p>
+            <a:pPr marL="1296000" lvl="2" indent="-288000">
               <a:spcBef>
                 <a:spcPts val="850"/>
               </a:spcBef>
@@ -4114,7 +4796,7 @@
               <a:buChar char=""/>
             </a:pPr>
             <a:r>
-              <a:rPr b="0" lang="en-MY" sz="1800" spc="-1" strike="noStrike">
+              <a:rPr lang="en-MY" sz="1800" b="0" strike="noStrike" spc="-1">
                 <a:solidFill>
                   <a:srgbClr val="000000"/>
                 </a:solidFill>
@@ -4122,15 +4804,9 @@
               </a:rPr>
               <a:t>Third Outline Level</a:t>
             </a:r>
-            <a:endParaRPr b="0" lang="en-MY" sz="1800" spc="-1" strike="noStrike">
-              <a:solidFill>
-                <a:srgbClr val="000000"/>
-              </a:solidFill>
-              <a:latin typeface="Arial"/>
-            </a:endParaRPr>
-          </a:p>
-          <a:p>
-            <a:pPr lvl="3" marL="1728000" indent="-216000">
+          </a:p>
+          <a:p>
+            <a:pPr marL="1728000" lvl="3" indent="-216000">
               <a:spcBef>
                 <a:spcPts val="567"/>
               </a:spcBef>
@@ -4142,7 +4818,7 @@
               <a:buChar char=""/>
             </a:pPr>
             <a:r>
-              <a:rPr b="0" lang="en-MY" sz="1800" spc="-1" strike="noStrike">
+              <a:rPr lang="en-MY" sz="1800" b="0" strike="noStrike" spc="-1">
                 <a:solidFill>
                   <a:srgbClr val="000000"/>
                 </a:solidFill>
@@ -4150,15 +4826,9 @@
               </a:rPr>
               <a:t>Fourth Outline Level</a:t>
             </a:r>
-            <a:endParaRPr b="0" lang="en-MY" sz="1800" spc="-1" strike="noStrike">
-              <a:solidFill>
-                <a:srgbClr val="000000"/>
-              </a:solidFill>
-              <a:latin typeface="Arial"/>
-            </a:endParaRPr>
-          </a:p>
-          <a:p>
-            <a:pPr lvl="4" marL="2160000" indent="-216000">
+          </a:p>
+          <a:p>
+            <a:pPr marL="2160000" lvl="4" indent="-216000">
               <a:spcBef>
                 <a:spcPts val="283"/>
               </a:spcBef>
@@ -4170,7 +4840,7 @@
               <a:buChar char=""/>
             </a:pPr>
             <a:r>
-              <a:rPr b="0" lang="en-MY" sz="1800" spc="-1" strike="noStrike">
+              <a:rPr lang="en-MY" sz="1800" b="0" strike="noStrike" spc="-1">
                 <a:solidFill>
                   <a:srgbClr val="000000"/>
                 </a:solidFill>
@@ -4178,15 +4848,9 @@
               </a:rPr>
               <a:t>Fifth Outline Level</a:t>
             </a:r>
-            <a:endParaRPr b="0" lang="en-MY" sz="1800" spc="-1" strike="noStrike">
-              <a:solidFill>
-                <a:srgbClr val="000000"/>
-              </a:solidFill>
-              <a:latin typeface="Arial"/>
-            </a:endParaRPr>
-          </a:p>
-          <a:p>
-            <a:pPr lvl="5" marL="2592000" indent="-216000">
+          </a:p>
+          <a:p>
+            <a:pPr marL="2592000" lvl="5" indent="-216000">
               <a:spcBef>
                 <a:spcPts val="283"/>
               </a:spcBef>
@@ -4198,7 +4862,7 @@
               <a:buChar char=""/>
             </a:pPr>
             <a:r>
-              <a:rPr b="0" lang="en-MY" sz="1800" spc="-1" strike="noStrike">
+              <a:rPr lang="en-MY" sz="1800" b="0" strike="noStrike" spc="-1">
                 <a:solidFill>
                   <a:srgbClr val="000000"/>
                 </a:solidFill>
@@ -4206,15 +4870,9 @@
               </a:rPr>
               <a:t>Sixth Outline Level</a:t>
             </a:r>
-            <a:endParaRPr b="0" lang="en-MY" sz="1800" spc="-1" strike="noStrike">
-              <a:solidFill>
-                <a:srgbClr val="000000"/>
-              </a:solidFill>
-              <a:latin typeface="Arial"/>
-            </a:endParaRPr>
-          </a:p>
-          <a:p>
-            <a:pPr lvl="6" marL="3024000" indent="-216000">
+          </a:p>
+          <a:p>
+            <a:pPr marL="3024000" lvl="6" indent="-216000">
               <a:spcBef>
                 <a:spcPts val="283"/>
               </a:spcBef>
@@ -4226,7 +4884,7 @@
               <a:buChar char=""/>
             </a:pPr>
             <a:r>
-              <a:rPr b="0" lang="en-MY" sz="1800" spc="-1" strike="noStrike">
+              <a:rPr lang="en-MY" sz="1800" b="0" strike="noStrike" spc="-1">
                 <a:solidFill>
                   <a:srgbClr val="000000"/>
                 </a:solidFill>
@@ -4234,12 +4892,6 @@
               </a:rPr>
               <a:t>Seventh Outline Level</a:t>
             </a:r>
-            <a:endParaRPr b="0" lang="en-MY" sz="1800" spc="-1" strike="noStrike">
-              <a:solidFill>
-                <a:srgbClr val="000000"/>
-              </a:solidFill>
-              <a:latin typeface="Arial"/>
-            </a:endParaRPr>
           </a:p>
         </p:txBody>
       </p:sp>
@@ -4266,26 +4918,27 @@
           <a:bodyPr tIns="91440" bIns="91440" anchor="ctr">
             <a:normAutofit/>
           </a:bodyPr>
+          <a:lstStyle/>
           <a:p>
             <a:pPr algn="r">
               <a:lnSpc>
                 <a:spcPct val="100000"/>
               </a:lnSpc>
               <a:tabLst>
-                <a:tab algn="l" pos="0"/>
+                <a:tab pos="0" algn="l"/>
               </a:tabLst>
             </a:pPr>
             <a:fld id="{8DFC1E33-1B1C-4877-96D8-1EC8AE9A831D}" type="slidenum">
-              <a:rPr b="0" lang="en-GB" sz="1000" spc="-1" strike="noStrike">
+              <a:rPr lang="en-GB" sz="1000" b="0" strike="noStrike" spc="-1">
                 <a:solidFill>
-                  <a:srgbClr val="ffffff"/>
+                  <a:srgbClr val="FFFFFF"/>
                 </a:solidFill>
                 <a:latin typeface="Roboto"/>
                 <a:ea typeface="Roboto"/>
               </a:rPr>
-              <a:t>&lt;number&gt;</a:t>
+              <a:t>‹#›</a:t>
             </a:fld>
-            <a:endParaRPr b="0" lang="en-MY" sz="1000" spc="-1" strike="noStrike">
+            <a:endParaRPr lang="en-MY" sz="1000" b="0" strike="noStrike" spc="-1">
               <a:latin typeface="Times New Roman"/>
             </a:endParaRPr>
           </a:p>
@@ -4293,26 +4946,306 @@
       </p:sp>
     </p:spTree>
   </p:cSld>
-  <p:clrMap bg1="lt1" bg2="lt2" tx1="dk1" tx2="dk2" accent1="accent1" accent2="accent2" accent3="accent3" accent4="accent4" accent5="accent5" accent6="accent6" hlink="hlink" folHlink="folHlink"/>
+  <p:clrMap bg1="lt1" tx1="dk1" bg2="lt2" tx2="dk2" accent1="accent1" accent2="accent2" accent3="accent3" accent4="accent4" accent5="accent5" accent6="accent6" hlink="hlink" folHlink="folHlink"/>
   <p:sldLayoutIdLst>
-    <p:sldLayoutId id="2147483662" r:id="rId2"/>
-    <p:sldLayoutId id="2147483663" r:id="rId3"/>
-    <p:sldLayoutId id="2147483664" r:id="rId4"/>
-    <p:sldLayoutId id="2147483665" r:id="rId5"/>
-    <p:sldLayoutId id="2147483666" r:id="rId6"/>
-    <p:sldLayoutId id="2147483667" r:id="rId7"/>
-    <p:sldLayoutId id="2147483668" r:id="rId8"/>
-    <p:sldLayoutId id="2147483669" r:id="rId9"/>
-    <p:sldLayoutId id="2147483670" r:id="rId10"/>
-    <p:sldLayoutId id="2147483671" r:id="rId11"/>
-    <p:sldLayoutId id="2147483672" r:id="rId12"/>
-    <p:sldLayoutId id="2147483673" r:id="rId13"/>
+    <p:sldLayoutId id="2147483662" r:id="rId1"/>
+    <p:sldLayoutId id="2147483663" r:id="rId2"/>
+    <p:sldLayoutId id="2147483664" r:id="rId3"/>
+    <p:sldLayoutId id="2147483665" r:id="rId4"/>
+    <p:sldLayoutId id="2147483666" r:id="rId5"/>
+    <p:sldLayoutId id="2147483667" r:id="rId6"/>
+    <p:sldLayoutId id="2147483668" r:id="rId7"/>
+    <p:sldLayoutId id="2147483669" r:id="rId8"/>
+    <p:sldLayoutId id="2147483670" r:id="rId9"/>
+    <p:sldLayoutId id="2147483671" r:id="rId10"/>
+    <p:sldLayoutId id="2147483672" r:id="rId11"/>
+    <p:sldLayoutId id="2147483673" r:id="rId12"/>
   </p:sldLayoutIdLst>
+  <p:txStyles>
+    <p:titleStyle>
+      <a:lvl1pPr algn="l" defTabSz="914400" rtl="0" eaLnBrk="1" latinLnBrk="0" hangingPunct="1">
+        <a:lnSpc>
+          <a:spcPct val="90000"/>
+        </a:lnSpc>
+        <a:spcBef>
+          <a:spcPct val="0"/>
+        </a:spcBef>
+        <a:buNone/>
+        <a:defRPr sz="4400" kern="1200">
+          <a:solidFill>
+            <a:schemeClr val="tx1"/>
+          </a:solidFill>
+          <a:latin typeface="+mj-lt"/>
+          <a:ea typeface="+mj-ea"/>
+          <a:cs typeface="+mj-cs"/>
+        </a:defRPr>
+      </a:lvl1pPr>
+    </p:titleStyle>
+    <p:bodyStyle>
+      <a:lvl1pPr marL="228600" indent="-228600" algn="l" defTabSz="914400" rtl="0" eaLnBrk="1" latinLnBrk="0" hangingPunct="1">
+        <a:lnSpc>
+          <a:spcPct val="90000"/>
+        </a:lnSpc>
+        <a:spcBef>
+          <a:spcPts val="1000"/>
+        </a:spcBef>
+        <a:buFont typeface="Arial" panose="020B0604020202020204" pitchFamily="34" charset="0"/>
+        <a:buChar char="•"/>
+        <a:defRPr sz="2800" kern="1200">
+          <a:solidFill>
+            <a:schemeClr val="tx1"/>
+          </a:solidFill>
+          <a:latin typeface="+mn-lt"/>
+          <a:ea typeface="+mn-ea"/>
+          <a:cs typeface="+mn-cs"/>
+        </a:defRPr>
+      </a:lvl1pPr>
+      <a:lvl2pPr marL="685800" indent="-228600" algn="l" defTabSz="914400" rtl="0" eaLnBrk="1" latinLnBrk="0" hangingPunct="1">
+        <a:lnSpc>
+          <a:spcPct val="90000"/>
+        </a:lnSpc>
+        <a:spcBef>
+          <a:spcPts val="500"/>
+        </a:spcBef>
+        <a:buFont typeface="Arial" panose="020B0604020202020204" pitchFamily="34" charset="0"/>
+        <a:buChar char="•"/>
+        <a:defRPr sz="2400" kern="1200">
+          <a:solidFill>
+            <a:schemeClr val="tx1"/>
+          </a:solidFill>
+          <a:latin typeface="+mn-lt"/>
+          <a:ea typeface="+mn-ea"/>
+          <a:cs typeface="+mn-cs"/>
+        </a:defRPr>
+      </a:lvl2pPr>
+      <a:lvl3pPr marL="1143000" indent="-228600" algn="l" defTabSz="914400" rtl="0" eaLnBrk="1" latinLnBrk="0" hangingPunct="1">
+        <a:lnSpc>
+          <a:spcPct val="90000"/>
+        </a:lnSpc>
+        <a:spcBef>
+          <a:spcPts val="500"/>
+        </a:spcBef>
+        <a:buFont typeface="Arial" panose="020B0604020202020204" pitchFamily="34" charset="0"/>
+        <a:buChar char="•"/>
+        <a:defRPr sz="2000" kern="1200">
+          <a:solidFill>
+            <a:schemeClr val="tx1"/>
+          </a:solidFill>
+          <a:latin typeface="+mn-lt"/>
+          <a:ea typeface="+mn-ea"/>
+          <a:cs typeface="+mn-cs"/>
+        </a:defRPr>
+      </a:lvl3pPr>
+      <a:lvl4pPr marL="1600200" indent="-228600" algn="l" defTabSz="914400" rtl="0" eaLnBrk="1" latinLnBrk="0" hangingPunct="1">
+        <a:lnSpc>
+          <a:spcPct val="90000"/>
+        </a:lnSpc>
+        <a:spcBef>
+          <a:spcPts val="500"/>
+        </a:spcBef>
+        <a:buFont typeface="Arial" panose="020B0604020202020204" pitchFamily="34" charset="0"/>
+        <a:buChar char="•"/>
+        <a:defRPr sz="1800" kern="1200">
+          <a:solidFill>
+            <a:schemeClr val="tx1"/>
+          </a:solidFill>
+          <a:latin typeface="+mn-lt"/>
+          <a:ea typeface="+mn-ea"/>
+          <a:cs typeface="+mn-cs"/>
+        </a:defRPr>
+      </a:lvl4pPr>
+      <a:lvl5pPr marL="2057400" indent="-228600" algn="l" defTabSz="914400" rtl="0" eaLnBrk="1" latinLnBrk="0" hangingPunct="1">
+        <a:lnSpc>
+          <a:spcPct val="90000"/>
+        </a:lnSpc>
+        <a:spcBef>
+          <a:spcPts val="500"/>
+        </a:spcBef>
+        <a:buFont typeface="Arial" panose="020B0604020202020204" pitchFamily="34" charset="0"/>
+        <a:buChar char="•"/>
+        <a:defRPr sz="1800" kern="1200">
+          <a:solidFill>
+            <a:schemeClr val="tx1"/>
+          </a:solidFill>
+          <a:latin typeface="+mn-lt"/>
+          <a:ea typeface="+mn-ea"/>
+          <a:cs typeface="+mn-cs"/>
+        </a:defRPr>
+      </a:lvl5pPr>
+      <a:lvl6pPr marL="2514600" indent="-228600" algn="l" defTabSz="914400" rtl="0" eaLnBrk="1" latinLnBrk="0" hangingPunct="1">
+        <a:lnSpc>
+          <a:spcPct val="90000"/>
+        </a:lnSpc>
+        <a:spcBef>
+          <a:spcPts val="500"/>
+        </a:spcBef>
+        <a:buFont typeface="Arial" panose="020B0604020202020204" pitchFamily="34" charset="0"/>
+        <a:buChar char="•"/>
+        <a:defRPr sz="1800" kern="1200">
+          <a:solidFill>
+            <a:schemeClr val="tx1"/>
+          </a:solidFill>
+          <a:latin typeface="+mn-lt"/>
+          <a:ea typeface="+mn-ea"/>
+          <a:cs typeface="+mn-cs"/>
+        </a:defRPr>
+      </a:lvl6pPr>
+      <a:lvl7pPr marL="2971800" indent="-228600" algn="l" defTabSz="914400" rtl="0" eaLnBrk="1" latinLnBrk="0" hangingPunct="1">
+        <a:lnSpc>
+          <a:spcPct val="90000"/>
+        </a:lnSpc>
+        <a:spcBef>
+          <a:spcPts val="500"/>
+        </a:spcBef>
+        <a:buFont typeface="Arial" panose="020B0604020202020204" pitchFamily="34" charset="0"/>
+        <a:buChar char="•"/>
+        <a:defRPr sz="1800" kern="1200">
+          <a:solidFill>
+            <a:schemeClr val="tx1"/>
+          </a:solidFill>
+          <a:latin typeface="+mn-lt"/>
+          <a:ea typeface="+mn-ea"/>
+          <a:cs typeface="+mn-cs"/>
+        </a:defRPr>
+      </a:lvl7pPr>
+      <a:lvl8pPr marL="3429000" indent="-228600" algn="l" defTabSz="914400" rtl="0" eaLnBrk="1" latinLnBrk="0" hangingPunct="1">
+        <a:lnSpc>
+          <a:spcPct val="90000"/>
+        </a:lnSpc>
+        <a:spcBef>
+          <a:spcPts val="500"/>
+        </a:spcBef>
+        <a:buFont typeface="Arial" panose="020B0604020202020204" pitchFamily="34" charset="0"/>
+        <a:buChar char="•"/>
+        <a:defRPr sz="1800" kern="1200">
+          <a:solidFill>
+            <a:schemeClr val="tx1"/>
+          </a:solidFill>
+          <a:latin typeface="+mn-lt"/>
+          <a:ea typeface="+mn-ea"/>
+          <a:cs typeface="+mn-cs"/>
+        </a:defRPr>
+      </a:lvl8pPr>
+      <a:lvl9pPr marL="3886200" indent="-228600" algn="l" defTabSz="914400" rtl="0" eaLnBrk="1" latinLnBrk="0" hangingPunct="1">
+        <a:lnSpc>
+          <a:spcPct val="90000"/>
+        </a:lnSpc>
+        <a:spcBef>
+          <a:spcPts val="500"/>
+        </a:spcBef>
+        <a:buFont typeface="Arial" panose="020B0604020202020204" pitchFamily="34" charset="0"/>
+        <a:buChar char="•"/>
+        <a:defRPr sz="1800" kern="1200">
+          <a:solidFill>
+            <a:schemeClr val="tx1"/>
+          </a:solidFill>
+          <a:latin typeface="+mn-lt"/>
+          <a:ea typeface="+mn-ea"/>
+          <a:cs typeface="+mn-cs"/>
+        </a:defRPr>
+      </a:lvl9pPr>
+    </p:bodyStyle>
+    <p:otherStyle>
+      <a:defPPr>
+        <a:defRPr lang="en-US"/>
+      </a:defPPr>
+      <a:lvl1pPr marL="0" algn="l" defTabSz="914400" rtl="0" eaLnBrk="1" latinLnBrk="0" hangingPunct="1">
+        <a:defRPr sz="1800" kern="1200">
+          <a:solidFill>
+            <a:schemeClr val="tx1"/>
+          </a:solidFill>
+          <a:latin typeface="+mn-lt"/>
+          <a:ea typeface="+mn-ea"/>
+          <a:cs typeface="+mn-cs"/>
+        </a:defRPr>
+      </a:lvl1pPr>
+      <a:lvl2pPr marL="457200" algn="l" defTabSz="914400" rtl="0" eaLnBrk="1" latinLnBrk="0" hangingPunct="1">
+        <a:defRPr sz="1800" kern="1200">
+          <a:solidFill>
+            <a:schemeClr val="tx1"/>
+          </a:solidFill>
+          <a:latin typeface="+mn-lt"/>
+          <a:ea typeface="+mn-ea"/>
+          <a:cs typeface="+mn-cs"/>
+        </a:defRPr>
+      </a:lvl2pPr>
+      <a:lvl3pPr marL="914400" algn="l" defTabSz="914400" rtl="0" eaLnBrk="1" latinLnBrk="0" hangingPunct="1">
+        <a:defRPr sz="1800" kern="1200">
+          <a:solidFill>
+            <a:schemeClr val="tx1"/>
+          </a:solidFill>
+          <a:latin typeface="+mn-lt"/>
+          <a:ea typeface="+mn-ea"/>
+          <a:cs typeface="+mn-cs"/>
+        </a:defRPr>
+      </a:lvl3pPr>
+      <a:lvl4pPr marL="1371600" algn="l" defTabSz="914400" rtl="0" eaLnBrk="1" latinLnBrk="0" hangingPunct="1">
+        <a:defRPr sz="1800" kern="1200">
+          <a:solidFill>
+            <a:schemeClr val="tx1"/>
+          </a:solidFill>
+          <a:latin typeface="+mn-lt"/>
+          <a:ea typeface="+mn-ea"/>
+          <a:cs typeface="+mn-cs"/>
+        </a:defRPr>
+      </a:lvl4pPr>
+      <a:lvl5pPr marL="1828800" algn="l" defTabSz="914400" rtl="0" eaLnBrk="1" latinLnBrk="0" hangingPunct="1">
+        <a:defRPr sz="1800" kern="1200">
+          <a:solidFill>
+            <a:schemeClr val="tx1"/>
+          </a:solidFill>
+          <a:latin typeface="+mn-lt"/>
+          <a:ea typeface="+mn-ea"/>
+          <a:cs typeface="+mn-cs"/>
+        </a:defRPr>
+      </a:lvl5pPr>
+      <a:lvl6pPr marL="2286000" algn="l" defTabSz="914400" rtl="0" eaLnBrk="1" latinLnBrk="0" hangingPunct="1">
+        <a:defRPr sz="1800" kern="1200">
+          <a:solidFill>
+            <a:schemeClr val="tx1"/>
+          </a:solidFill>
+          <a:latin typeface="+mn-lt"/>
+          <a:ea typeface="+mn-ea"/>
+          <a:cs typeface="+mn-cs"/>
+        </a:defRPr>
+      </a:lvl6pPr>
+      <a:lvl7pPr marL="2743200" algn="l" defTabSz="914400" rtl="0" eaLnBrk="1" latinLnBrk="0" hangingPunct="1">
+        <a:defRPr sz="1800" kern="1200">
+          <a:solidFill>
+            <a:schemeClr val="tx1"/>
+          </a:solidFill>
+          <a:latin typeface="+mn-lt"/>
+          <a:ea typeface="+mn-ea"/>
+          <a:cs typeface="+mn-cs"/>
+        </a:defRPr>
+      </a:lvl7pPr>
+      <a:lvl8pPr marL="3200400" algn="l" defTabSz="914400" rtl="0" eaLnBrk="1" latinLnBrk="0" hangingPunct="1">
+        <a:defRPr sz="1800" kern="1200">
+          <a:solidFill>
+            <a:schemeClr val="tx1"/>
+          </a:solidFill>
+          <a:latin typeface="+mn-lt"/>
+          <a:ea typeface="+mn-ea"/>
+          <a:cs typeface="+mn-cs"/>
+        </a:defRPr>
+      </a:lvl8pPr>
+      <a:lvl9pPr marL="3657600" algn="l" defTabSz="914400" rtl="0" eaLnBrk="1" latinLnBrk="0" hangingPunct="1">
+        <a:defRPr sz="1800" kern="1200">
+          <a:solidFill>
+            <a:schemeClr val="tx1"/>
+          </a:solidFill>
+          <a:latin typeface="+mn-lt"/>
+          <a:ea typeface="+mn-ea"/>
+          <a:cs typeface="+mn-cs"/>
+        </a:defRPr>
+      </a:lvl9pPr>
+    </p:otherStyle>
+  </p:txStyles>
 </p:sldMaster>
 </file>
 
 <file path=ppt/slides/slide1.xml><?xml version="1.0" encoding="utf-8"?>
-<p:sld xmlns:a="http://schemas.openxmlformats.org/drawingml/2006/main" xmlns:p="http://schemas.openxmlformats.org/presentationml/2006/main" xmlns:r="http://schemas.openxmlformats.org/officeDocument/2006/relationships" xmlns:p14="http://schemas.microsoft.com/office/powerpoint/2010/main" xmlns:p15="http://schemas.microsoft.com/office/powerpoint/2012/main" xmlns:mc="http://schemas.openxmlformats.org/markup-compatibility/2006">
+<p:sld xmlns:a="http://schemas.openxmlformats.org/drawingml/2006/main" xmlns:r="http://schemas.openxmlformats.org/officeDocument/2006/relationships" xmlns:p="http://schemas.openxmlformats.org/presentationml/2006/main">
   <p:cSld>
     <p:spTree>
       <p:nvGrpSpPr>
@@ -4351,36 +5284,27 @@
           <a:bodyPr tIns="91440" bIns="91440" anchor="b">
             <a:normAutofit fontScale="60000"/>
           </a:bodyPr>
+          <a:lstStyle/>
           <a:p>
             <a:pPr algn="ctr">
               <a:lnSpc>
                 <a:spcPct val="100000"/>
               </a:lnSpc>
               <a:tabLst>
-                <a:tab algn="l" pos="0"/>
+                <a:tab pos="0" algn="l"/>
               </a:tabLst>
             </a:pPr>
             <a:r>
-              <a:rPr b="0" lang="en-GB" sz="4000" spc="-1" strike="noStrike">
+              <a:rPr lang="en-GB" sz="4000" b="0" strike="noStrike" spc="-1">
                 <a:solidFill>
-                  <a:srgbClr val="ffffff"/>
+                  <a:srgbClr val="FFFFFF"/>
                 </a:solidFill>
                 <a:latin typeface="Roboto Slab"/>
                 <a:ea typeface="Roboto Slab"/>
               </a:rPr>
-              <a:t>Exploratory Data Analysis and Data Visualization </a:t>
+              <a:t>Exploratory Data Analysis and Data Visualization 	</a:t>
             </a:r>
-            <a:r>
-              <a:rPr b="0" lang="en-GB" sz="4000" spc="-1" strike="noStrike">
-                <a:solidFill>
-                  <a:srgbClr val="ffffff"/>
-                </a:solidFill>
-                <a:latin typeface="Roboto Slab"/>
-                <a:ea typeface="Roboto Slab"/>
-              </a:rPr>
-              <a:t>	</a:t>
-            </a:r>
-            <a:endParaRPr b="0" lang="en-MY" sz="4000" spc="-1" strike="noStrike">
+            <a:endParaRPr lang="en-MY" sz="4000" b="0" strike="noStrike" spc="-1">
               <a:solidFill>
                 <a:srgbClr val="000000"/>
               </a:solidFill>
@@ -4412,9 +5336,10 @@
           <a:bodyPr tIns="91440" bIns="91440">
             <a:normAutofit/>
           </a:bodyPr>
+          <a:lstStyle/>
           <a:p>
             <a:pPr algn="ctr"/>
-            <a:endParaRPr b="0" lang="en-MY" sz="3200" spc="-1" strike="noStrike">
+            <a:endParaRPr lang="en-MY" sz="3200" b="0" strike="noStrike" spc="-1">
               <a:latin typeface="Arial"/>
             </a:endParaRPr>
           </a:p>
@@ -4422,19 +5347,14 @@
       </p:sp>
     </p:spTree>
   </p:cSld>
-  <mc:AlternateContent>
-    <mc:Choice Requires="p14">
-      <p:transition spd="slow" p14:dur="2000"/>
-    </mc:Choice>
-    <mc:Fallback>
-      <p:transition spd="slow"/>
-    </mc:Fallback>
-  </mc:AlternateContent>
+  <p:clrMapOvr>
+    <a:masterClrMapping/>
+  </p:clrMapOvr>
 </p:sld>
 </file>
 
 <file path=ppt/slides/slide10.xml><?xml version="1.0" encoding="utf-8"?>
-<p:sld xmlns:a="http://schemas.openxmlformats.org/drawingml/2006/main" xmlns:p="http://schemas.openxmlformats.org/presentationml/2006/main" xmlns:r="http://schemas.openxmlformats.org/officeDocument/2006/relationships" xmlns:p14="http://schemas.microsoft.com/office/powerpoint/2010/main" xmlns:p15="http://schemas.microsoft.com/office/powerpoint/2012/main" xmlns:mc="http://schemas.openxmlformats.org/markup-compatibility/2006">
+<p:sld xmlns:a="http://schemas.openxmlformats.org/drawingml/2006/main" xmlns:r="http://schemas.openxmlformats.org/officeDocument/2006/relationships" xmlns:p="http://schemas.openxmlformats.org/presentationml/2006/main">
   <p:cSld>
     <p:spTree>
       <p:nvGrpSpPr>
@@ -4473,26 +5393,27 @@
           <a:bodyPr tIns="91440" bIns="91440" anchor="b">
             <a:normAutofit/>
           </a:bodyPr>
+          <a:lstStyle/>
           <a:p>
             <a:pPr>
               <a:lnSpc>
                 <a:spcPct val="100000"/>
               </a:lnSpc>
               <a:tabLst>
-                <a:tab algn="l" pos="0"/>
+                <a:tab pos="0" algn="l"/>
               </a:tabLst>
             </a:pPr>
             <a:r>
-              <a:rPr b="0" lang="en-GB" sz="3000" spc="-1" strike="noStrike">
+              <a:rPr lang="en-GB" sz="3000" b="0" strike="noStrike" spc="-1">
                 <a:solidFill>
-                  <a:srgbClr val="ffffff"/>
+                  <a:srgbClr val="FFFFFF"/>
                 </a:solidFill>
                 <a:latin typeface="Roboto Slab"/>
                 <a:ea typeface="Roboto Slab"/>
               </a:rPr>
               <a:t>Let’s head to R</a:t>
             </a:r>
-            <a:endParaRPr b="0" lang="en-MY" sz="3000" spc="-1" strike="noStrike">
+            <a:endParaRPr lang="en-MY" sz="3000" b="0" strike="noStrike" spc="-1">
               <a:solidFill>
                 <a:srgbClr val="000000"/>
               </a:solidFill>
@@ -4524,8 +5445,9 @@
           <a:bodyPr tIns="91440" bIns="91440">
             <a:normAutofit/>
           </a:bodyPr>
-          <a:p>
-            <a:endParaRPr b="0" lang="en-MY" sz="1400" spc="-1" strike="noStrike">
+          <a:lstStyle/>
+          <a:p>
+            <a:endParaRPr lang="en-MY" sz="1400" b="0" strike="noStrike" spc="-1">
               <a:solidFill>
                 <a:srgbClr val="000000"/>
               </a:solidFill>
@@ -4536,19 +5458,14 @@
       </p:sp>
     </p:spTree>
   </p:cSld>
-  <mc:AlternateContent>
-    <mc:Choice Requires="p14">
-      <p:transition spd="slow" p14:dur="2000"/>
-    </mc:Choice>
-    <mc:Fallback>
-      <p:transition spd="slow"/>
-    </mc:Fallback>
-  </mc:AlternateContent>
+  <p:clrMapOvr>
+    <a:masterClrMapping/>
+  </p:clrMapOvr>
 </p:sld>
 </file>
 
 <file path=ppt/slides/slide11.xml><?xml version="1.0" encoding="utf-8"?>
-<p:sld xmlns:a="http://schemas.openxmlformats.org/drawingml/2006/main" xmlns:p="http://schemas.openxmlformats.org/presentationml/2006/main" xmlns:r="http://schemas.openxmlformats.org/officeDocument/2006/relationships" xmlns:p14="http://schemas.microsoft.com/office/powerpoint/2010/main" xmlns:p15="http://schemas.microsoft.com/office/powerpoint/2012/main" xmlns:mc="http://schemas.openxmlformats.org/markup-compatibility/2006">
+<p:sld xmlns:a="http://schemas.openxmlformats.org/drawingml/2006/main" xmlns:r="http://schemas.openxmlformats.org/officeDocument/2006/relationships" xmlns:p="http://schemas.openxmlformats.org/presentationml/2006/main">
   <p:cSld>
     <p:spTree>
       <p:nvGrpSpPr>
@@ -4587,36 +5504,27 @@
           <a:bodyPr tIns="91440" bIns="91440" anchor="b">
             <a:normAutofit/>
           </a:bodyPr>
+          <a:lstStyle/>
           <a:p>
             <a:pPr>
               <a:lnSpc>
                 <a:spcPct val="100000"/>
               </a:lnSpc>
               <a:tabLst>
-                <a:tab algn="l" pos="0"/>
+                <a:tab pos="0" algn="l"/>
               </a:tabLst>
             </a:pPr>
             <a:r>
-              <a:rPr b="0" lang="en-GB" sz="3000" spc="-1" strike="noStrike">
+              <a:rPr lang="en-GB" sz="3000" b="0" strike="noStrike" spc="-1">
                 <a:solidFill>
-                  <a:srgbClr val="ffffff"/>
+                  <a:srgbClr val="FFFFFF"/>
                 </a:solidFill>
                 <a:latin typeface="Roboto Slab"/>
                 <a:ea typeface="Roboto Slab"/>
               </a:rPr>
-              <a:t>Let’s try something</a:t>
+              <a:t>Let’s try something	</a:t>
             </a:r>
-            <a:r>
-              <a:rPr b="0" lang="en-GB" sz="3000" spc="-1" strike="noStrike">
-                <a:solidFill>
-                  <a:srgbClr val="ffffff"/>
-                </a:solidFill>
-                <a:latin typeface="Roboto Slab"/>
-                <a:ea typeface="Roboto Slab"/>
-              </a:rPr>
-              <a:t>	</a:t>
-            </a:r>
-            <a:endParaRPr b="0" lang="en-MY" sz="3000" spc="-1" strike="noStrike">
+            <a:endParaRPr lang="en-MY" sz="3000" b="0" strike="noStrike" spc="-1">
               <a:solidFill>
                 <a:srgbClr val="000000"/>
               </a:solidFill>
@@ -4648,6 +5556,7 @@
           <a:bodyPr tIns="91440" bIns="91440">
             <a:normAutofit/>
           </a:bodyPr>
+          <a:lstStyle/>
           <a:p>
             <a:pPr>
               <a:lnSpc>
@@ -4657,20 +5566,20 @@
                 <a:spcPts val="1199"/>
               </a:spcAft>
               <a:tabLst>
-                <a:tab algn="l" pos="0"/>
+                <a:tab pos="0" algn="l"/>
               </a:tabLst>
             </a:pPr>
             <a:r>
-              <a:rPr b="0" lang="en-GB" sz="1800" spc="-1" strike="noStrike">
+              <a:rPr lang="en-GB" sz="1800" b="0" strike="noStrike" spc="-1">
                 <a:solidFill>
-                  <a:srgbClr val="ffffff"/>
+                  <a:srgbClr val="FFFFFF"/>
                 </a:solidFill>
                 <a:latin typeface="Roboto"/>
                 <a:ea typeface="Roboto"/>
               </a:rPr>
               <a:t>When you all are done, try this to check your understanding </a:t>
             </a:r>
-            <a:endParaRPr b="0" lang="en-MY" sz="1800" spc="-1" strike="noStrike">
+            <a:endParaRPr lang="en-MY" sz="1800" b="0" strike="noStrike" spc="-1">
               <a:solidFill>
                 <a:srgbClr val="000000"/>
               </a:solidFill>
@@ -4686,10 +5595,10 @@
                 <a:spcPts val="1199"/>
               </a:spcAft>
               <a:tabLst>
-                <a:tab algn="l" pos="0"/>
+                <a:tab pos="0" algn="l"/>
               </a:tabLst>
             </a:pPr>
-            <a:endParaRPr b="0" lang="en-MY" sz="1800" spc="-1" strike="noStrike">
+            <a:endParaRPr lang="en-MY" sz="1800" b="0" strike="noStrike" spc="-1">
               <a:solidFill>
                 <a:srgbClr val="000000"/>
               </a:solidFill>
@@ -4705,20 +5614,20 @@
                 <a:spcPts val="1199"/>
               </a:spcAft>
               <a:tabLst>
-                <a:tab algn="l" pos="0"/>
+                <a:tab pos="0" algn="l"/>
               </a:tabLst>
             </a:pPr>
             <a:r>
-              <a:rPr b="0" lang="en-GB" sz="1800" spc="-1" strike="noStrike">
+              <a:rPr lang="en-GB" sz="1800" b="0" strike="noStrike" spc="-1">
                 <a:solidFill>
-                  <a:srgbClr val="ffffff"/>
+                  <a:srgbClr val="FFFFFF"/>
                 </a:solidFill>
                 <a:latin typeface="Roboto"/>
                 <a:ea typeface="Roboto"/>
               </a:rPr>
               <a:t>https://docs.google.com/forms/d/e/1FAIpQLSe_Q2z3QnGgRgtaj13e_fB_awb3JdcDH6cHSHjA9IkQy7_FvQ/viewform</a:t>
             </a:r>
-            <a:endParaRPr b="0" lang="en-MY" sz="1800" spc="-1" strike="noStrike">
+            <a:endParaRPr lang="en-MY" sz="1800" b="0" strike="noStrike" spc="-1">
               <a:solidFill>
                 <a:srgbClr val="000000"/>
               </a:solidFill>
@@ -4734,10 +5643,10 @@
                 <a:spcPts val="1199"/>
               </a:spcAft>
               <a:tabLst>
-                <a:tab algn="l" pos="0"/>
+                <a:tab pos="0" algn="l"/>
               </a:tabLst>
             </a:pPr>
-            <a:endParaRPr b="0" lang="en-MY" sz="1800" spc="-1" strike="noStrike">
+            <a:endParaRPr lang="en-MY" sz="1800" b="0" strike="noStrike" spc="-1">
               <a:solidFill>
                 <a:srgbClr val="000000"/>
               </a:solidFill>
@@ -4753,10 +5662,10 @@
                 <a:spcPts val="1199"/>
               </a:spcAft>
               <a:tabLst>
-                <a:tab algn="l" pos="0"/>
+                <a:tab pos="0" algn="l"/>
               </a:tabLst>
             </a:pPr>
-            <a:endParaRPr b="0" lang="en-MY" sz="1800" spc="-1" strike="noStrike">
+            <a:endParaRPr lang="en-MY" sz="1800" b="0" strike="noStrike" spc="-1">
               <a:solidFill>
                 <a:srgbClr val="000000"/>
               </a:solidFill>
@@ -4767,19 +5676,14 @@
       </p:sp>
     </p:spTree>
   </p:cSld>
-  <mc:AlternateContent>
-    <mc:Choice Requires="p14">
-      <p:transition spd="slow" p14:dur="2000"/>
-    </mc:Choice>
-    <mc:Fallback>
-      <p:transition spd="slow"/>
-    </mc:Fallback>
-  </mc:AlternateContent>
+  <p:clrMapOvr>
+    <a:masterClrMapping/>
+  </p:clrMapOvr>
 </p:sld>
 </file>
 
 <file path=ppt/slides/slide2.xml><?xml version="1.0" encoding="utf-8"?>
-<p:sld xmlns:a="http://schemas.openxmlformats.org/drawingml/2006/main" xmlns:p="http://schemas.openxmlformats.org/presentationml/2006/main" xmlns:r="http://schemas.openxmlformats.org/officeDocument/2006/relationships" xmlns:p14="http://schemas.microsoft.com/office/powerpoint/2010/main" xmlns:p15="http://schemas.microsoft.com/office/powerpoint/2012/main" xmlns:mc="http://schemas.openxmlformats.org/markup-compatibility/2006">
+<p:sld xmlns:a="http://schemas.openxmlformats.org/drawingml/2006/main" xmlns:r="http://schemas.openxmlformats.org/officeDocument/2006/relationships" xmlns:p="http://schemas.openxmlformats.org/presentationml/2006/main">
   <p:cSld>
     <p:spTree>
       <p:nvGrpSpPr>
@@ -4818,26 +5722,27 @@
           <a:bodyPr tIns="91440" bIns="91440" anchor="b">
             <a:normAutofit/>
           </a:bodyPr>
+          <a:lstStyle/>
           <a:p>
             <a:pPr>
               <a:lnSpc>
                 <a:spcPct val="100000"/>
               </a:lnSpc>
               <a:tabLst>
-                <a:tab algn="l" pos="0"/>
+                <a:tab pos="0" algn="l"/>
               </a:tabLst>
             </a:pPr>
             <a:r>
-              <a:rPr b="0" lang="en-GB" sz="3000" spc="-1" strike="noStrike">
+              <a:rPr lang="en-GB" sz="3000" b="0" strike="noStrike" spc="-1">
                 <a:solidFill>
-                  <a:srgbClr val="ffffff"/>
+                  <a:srgbClr val="FFFFFF"/>
                 </a:solidFill>
                 <a:latin typeface="Roboto Slab"/>
                 <a:ea typeface="Roboto Slab"/>
               </a:rPr>
               <a:t>Learning Objective</a:t>
             </a:r>
-            <a:endParaRPr b="0" lang="en-MY" sz="3000" spc="-1" strike="noStrike">
+            <a:endParaRPr lang="en-MY" sz="3000" b="0" strike="noStrike" spc="-1">
               <a:solidFill>
                 <a:srgbClr val="000000"/>
               </a:solidFill>
@@ -4869,29 +5774,30 @@
           <a:bodyPr tIns="91440" bIns="91440">
             <a:normAutofit/>
           </a:bodyPr>
+          <a:lstStyle/>
           <a:p>
             <a:pPr marL="457200" indent="-342720">
               <a:lnSpc>
                 <a:spcPct val="115000"/>
               </a:lnSpc>
               <a:buClr>
-                <a:srgbClr val="ffffff"/>
+                <a:srgbClr val="FFFFFF"/>
               </a:buClr>
               <a:buFont typeface="Roboto"/>
               <a:buChar char="●"/>
             </a:pPr>
             <a:r>
-              <a:rPr b="0" lang="en-MY" sz="1800" spc="-1" strike="noStrike">
+              <a:rPr lang="en-MY" sz="1800" b="0" strike="noStrike" spc="-1" dirty="0">
                 <a:solidFill>
-                  <a:srgbClr val="ffffff"/>
+                  <a:srgbClr val="FFFFFF"/>
                 </a:solidFill>
                 <a:latin typeface="Roboto"/>
               </a:rPr>
               <a:t>Understand the purpose of exploratory data analysis </a:t>
             </a:r>
-            <a:endParaRPr b="0" lang="en-MY" sz="1800" spc="-1" strike="noStrike">
-              <a:solidFill>
-                <a:srgbClr val="ffffff"/>
+            <a:endParaRPr lang="en-MY" sz="1800" b="0" strike="noStrike" spc="-1" dirty="0">
+              <a:solidFill>
+                <a:srgbClr val="FFFFFF"/>
               </a:solidFill>
               <a:latin typeface="Roboto"/>
               <a:ea typeface="Roboto"/>
@@ -4903,23 +5809,23 @@
                 <a:spcPct val="115000"/>
               </a:lnSpc>
               <a:buClr>
-                <a:srgbClr val="ffffff"/>
+                <a:srgbClr val="FFFFFF"/>
               </a:buClr>
               <a:buFont typeface="Roboto"/>
               <a:buChar char="●"/>
             </a:pPr>
             <a:r>
-              <a:rPr b="0" lang="en-MY" sz="1800" spc="-1" strike="noStrike">
+              <a:rPr lang="en-MY" sz="1800" b="0" strike="noStrike" spc="-1" dirty="0">
                 <a:solidFill>
-                  <a:srgbClr val="ffffff"/>
+                  <a:srgbClr val="FFFFFF"/>
                 </a:solidFill>
                 <a:latin typeface="Roboto"/>
               </a:rPr>
               <a:t>Know some basic command of plotting in Base R</a:t>
             </a:r>
-            <a:endParaRPr b="0" lang="en-MY" sz="1800" spc="-1" strike="noStrike">
-              <a:solidFill>
-                <a:srgbClr val="ffffff"/>
+            <a:endParaRPr lang="en-MY" sz="1800" b="0" strike="noStrike" spc="-1" dirty="0">
+              <a:solidFill>
+                <a:srgbClr val="FFFFFF"/>
               </a:solidFill>
               <a:latin typeface="Roboto"/>
               <a:ea typeface="Roboto"/>
@@ -4931,23 +5837,41 @@
                 <a:spcPct val="115000"/>
               </a:lnSpc>
               <a:buClr>
-                <a:srgbClr val="ffffff"/>
+                <a:srgbClr val="FFFFFF"/>
               </a:buClr>
               <a:buFont typeface="Roboto"/>
               <a:buChar char="●"/>
             </a:pPr>
             <a:r>
-              <a:rPr b="0" lang="en-MY" sz="1800" spc="-1" strike="noStrike">
+              <a:rPr lang="en-MY" sz="1800" b="0" strike="noStrike" spc="-1" dirty="0">
                 <a:solidFill>
-                  <a:srgbClr val="ffffff"/>
+                  <a:srgbClr val="FFFFFF"/>
                 </a:solidFill>
                 <a:latin typeface="Roboto"/>
               </a:rPr>
-              <a:t>Use the ggplot package to plot the data out</a:t>
+              <a:t>Use the </a:t>
             </a:r>
-            <a:endParaRPr b="0" lang="en-MY" sz="1800" spc="-1" strike="noStrike">
-              <a:solidFill>
-                <a:srgbClr val="ffffff"/>
+            <a:r>
+              <a:rPr lang="en-MY" sz="1800" b="0" strike="noStrike" spc="-1" dirty="0" err="1">
+                <a:solidFill>
+                  <a:srgbClr val="FFFFFF"/>
+                </a:solidFill>
+                <a:latin typeface="Roboto"/>
+              </a:rPr>
+              <a:t>ggplot</a:t>
+            </a:r>
+            <a:r>
+              <a:rPr lang="en-MY" sz="1800" b="0" strike="noStrike" spc="-1" dirty="0">
+                <a:solidFill>
+                  <a:srgbClr val="FFFFFF"/>
+                </a:solidFill>
+                <a:latin typeface="Roboto"/>
+              </a:rPr>
+              <a:t> package to plot the data out</a:t>
+            </a:r>
+            <a:endParaRPr lang="en-MY" sz="1800" b="0" strike="noStrike" spc="-1" dirty="0">
+              <a:solidFill>
+                <a:srgbClr val="FFFFFF"/>
               </a:solidFill>
               <a:latin typeface="Roboto"/>
               <a:ea typeface="Roboto"/>
@@ -4959,23 +5883,32 @@
                 <a:spcPct val="115000"/>
               </a:lnSpc>
               <a:buClr>
-                <a:srgbClr val="ffffff"/>
+                <a:srgbClr val="FFFFFF"/>
               </a:buClr>
               <a:buFont typeface="Roboto"/>
               <a:buChar char="●"/>
             </a:pPr>
             <a:r>
-              <a:rPr b="0" lang="en-MY" sz="1800" spc="-1" strike="noStrike">
+              <a:rPr lang="en-MY" sz="1800" b="0" strike="noStrike" spc="-1" dirty="0">
                 <a:solidFill>
-                  <a:srgbClr val="ffffff"/>
+                  <a:srgbClr val="FFFFFF"/>
                 </a:solidFill>
                 <a:latin typeface="Roboto"/>
               </a:rPr>
-              <a:t>Plot data in 3D using Plotly</a:t>
+              <a:t>Plot data in 3D using </a:t>
             </a:r>
-            <a:endParaRPr b="0" lang="en-MY" sz="1800" spc="-1" strike="noStrike">
-              <a:solidFill>
-                <a:srgbClr val="ffffff"/>
+            <a:r>
+              <a:rPr lang="en-MY" sz="1800" b="0" strike="noStrike" spc="-1" dirty="0" err="1">
+                <a:solidFill>
+                  <a:srgbClr val="FFFFFF"/>
+                </a:solidFill>
+                <a:latin typeface="Roboto"/>
+              </a:rPr>
+              <a:t>Plotly</a:t>
+            </a:r>
+            <a:endParaRPr lang="en-MY" sz="1800" b="0" strike="noStrike" spc="-1" dirty="0">
+              <a:solidFill>
+                <a:srgbClr val="FFFFFF"/>
               </a:solidFill>
               <a:latin typeface="Roboto"/>
               <a:ea typeface="Roboto"/>
@@ -4987,23 +5920,41 @@
                 <a:spcPct val="115000"/>
               </a:lnSpc>
               <a:buClr>
-                <a:srgbClr val="ffffff"/>
+                <a:srgbClr val="FFFFFF"/>
               </a:buClr>
               <a:buFont typeface="Roboto"/>
               <a:buChar char="●"/>
             </a:pPr>
             <a:r>
-              <a:rPr b="0" lang="en-MY" sz="1800" spc="-1" strike="noStrike">
+              <a:rPr lang="en-MY" sz="1800" b="0" strike="noStrike" spc="-1" dirty="0">
                 <a:solidFill>
-                  <a:srgbClr val="ffffff"/>
+                  <a:srgbClr val="FFFFFF"/>
                 </a:solidFill>
                 <a:latin typeface="Roboto"/>
               </a:rPr>
-              <a:t>Use gganimate to animate a time series data </a:t>
+              <a:t>Use </a:t>
             </a:r>
-            <a:endParaRPr b="0" lang="en-MY" sz="1800" spc="-1" strike="noStrike">
-              <a:solidFill>
-                <a:srgbClr val="ffffff"/>
+            <a:r>
+              <a:rPr lang="en-MY" sz="1800" b="0" strike="noStrike" spc="-1" dirty="0" err="1">
+                <a:solidFill>
+                  <a:srgbClr val="FFFFFF"/>
+                </a:solidFill>
+                <a:latin typeface="Roboto"/>
+              </a:rPr>
+              <a:t>gganimate</a:t>
+            </a:r>
+            <a:r>
+              <a:rPr lang="en-MY" sz="1800" b="0" strike="noStrike" spc="-1" dirty="0">
+                <a:solidFill>
+                  <a:srgbClr val="FFFFFF"/>
+                </a:solidFill>
+                <a:latin typeface="Roboto"/>
+              </a:rPr>
+              <a:t> to animate a time series data </a:t>
+            </a:r>
+            <a:endParaRPr lang="en-MY" sz="1800" b="0" strike="noStrike" spc="-1" dirty="0">
+              <a:solidFill>
+                <a:srgbClr val="FFFFFF"/>
               </a:solidFill>
               <a:latin typeface="Roboto"/>
               <a:ea typeface="Roboto"/>
@@ -5013,25 +5964,21 @@
       </p:sp>
     </p:spTree>
   </p:cSld>
-  <mc:AlternateContent>
-    <mc:Choice Requires="p14">
-      <p:transition spd="slow" p14:dur="2000"/>
-    </mc:Choice>
-    <mc:Fallback>
-      <p:transition spd="slow"/>
-    </mc:Fallback>
-  </mc:AlternateContent>
+  <p:clrMapOvr>
+    <a:masterClrMapping/>
+  </p:clrMapOvr>
 </p:sld>
 </file>
 
 <file path=ppt/slides/slide3.xml><?xml version="1.0" encoding="utf-8"?>
-<p:sld xmlns:a="http://schemas.openxmlformats.org/drawingml/2006/main" xmlns:p="http://schemas.openxmlformats.org/presentationml/2006/main" xmlns:r="http://schemas.openxmlformats.org/officeDocument/2006/relationships" xmlns:p14="http://schemas.microsoft.com/office/powerpoint/2010/main" xmlns:p15="http://schemas.microsoft.com/office/powerpoint/2012/main" xmlns:mc="http://schemas.openxmlformats.org/markup-compatibility/2006">
+<p:sld xmlns:a="http://schemas.openxmlformats.org/drawingml/2006/main" xmlns:r="http://schemas.openxmlformats.org/officeDocument/2006/relationships" xmlns:p="http://schemas.openxmlformats.org/presentationml/2006/main">
   <p:cSld>
     <p:bg>
       <p:bgPr>
         <a:solidFill>
           <a:srgbClr val="004065"/>
         </a:solidFill>
+        <a:effectLst/>
       </p:bgPr>
     </p:bg>
     <p:spTree>
@@ -5071,26 +6018,57 @@
           <a:bodyPr tIns="91440" bIns="91440" anchor="b">
             <a:normAutofit/>
           </a:bodyPr>
+          <a:lstStyle/>
           <a:p>
             <a:pPr>
               <a:lnSpc>
                 <a:spcPct val="100000"/>
               </a:lnSpc>
               <a:tabLst>
-                <a:tab algn="l" pos="0"/>
+                <a:tab pos="0" algn="l"/>
               </a:tabLst>
             </a:pPr>
             <a:r>
-              <a:rPr b="0" lang="en-GB" sz="3000" spc="-1" strike="noStrike">
+              <a:rPr lang="en-GB" sz="3000" b="0" strike="noStrike" spc="-1" dirty="0">
                 <a:solidFill>
-                  <a:srgbClr val="ffffff"/>
+                  <a:srgbClr val="FFFFFF"/>
                 </a:solidFill>
                 <a:latin typeface="Roboto Slab"/>
                 <a:ea typeface="Roboto Slab"/>
               </a:rPr>
-              <a:t>Exploratory vs descriptive, or explanatory.</a:t>
+              <a:t>Exploratory vs </a:t>
             </a:r>
-            <a:endParaRPr b="0" lang="en-MY" sz="3000" spc="-1" strike="noStrike">
+            <a:r>
+              <a:rPr lang="en-US" altLang="zh-CN" sz="3000" b="0" strike="noStrike" spc="-1" dirty="0">
+                <a:solidFill>
+                  <a:srgbClr val="FFFFFF"/>
+                </a:solidFill>
+                <a:latin typeface="Roboto Slab"/>
+                <a:ea typeface="Roboto Slab"/>
+              </a:rPr>
+              <a:t>D</a:t>
+            </a:r>
+            <a:r>
+              <a:rPr lang="en-GB" sz="3000" b="0" strike="noStrike" spc="-1" dirty="0" err="1">
+                <a:solidFill>
+                  <a:srgbClr val="FFFFFF"/>
+                </a:solidFill>
+                <a:latin typeface="Roboto Slab"/>
+                <a:ea typeface="Roboto Slab"/>
+              </a:rPr>
+              <a:t>escriptive</a:t>
+            </a:r>
+            <a:r>
+              <a:rPr lang="en-GB" sz="3000" b="0" strike="noStrike" spc="-1" dirty="0">
+                <a:solidFill>
+                  <a:srgbClr val="FFFFFF"/>
+                </a:solidFill>
+                <a:latin typeface="Roboto Slab"/>
+                <a:ea typeface="Roboto Slab"/>
+              </a:rPr>
+              <a:t>, or Explanatory.</a:t>
+            </a:r>
+            <a:endParaRPr lang="en-MY" sz="3000" b="0" strike="noStrike" spc="-1" dirty="0">
               <a:solidFill>
                 <a:srgbClr val="000000"/>
               </a:solidFill>
@@ -5107,8 +6085,8 @@
         </p:nvSpPr>
         <p:spPr>
           <a:xfrm>
-            <a:off x="276840" y="1173240"/>
-            <a:ext cx="8520120" cy="3416040"/>
+            <a:off x="507304" y="1402914"/>
+            <a:ext cx="8289656" cy="3186365"/>
           </a:xfrm>
           <a:prstGeom prst="rect">
             <a:avLst/>
@@ -5122,19 +6100,20 @@
           <a:bodyPr tIns="91440" bIns="91440">
             <a:normAutofit/>
           </a:bodyPr>
+          <a:lstStyle/>
           <a:p>
             <a:pPr>
               <a:lnSpc>
                 <a:spcPct val="115000"/>
               </a:lnSpc>
               <a:tabLst>
-                <a:tab algn="l" pos="0"/>
+                <a:tab pos="0" algn="l"/>
               </a:tabLst>
             </a:pPr>
             <a:r>
-              <a:rPr b="0" lang="en-GB" sz="1800" spc="-1" strike="noStrike">
+              <a:rPr lang="en-GB" sz="1800" b="0" strike="noStrike" spc="-1" dirty="0">
                 <a:solidFill>
-                  <a:srgbClr val="ffffff"/>
+                  <a:srgbClr val="FFFFFF"/>
                 </a:solidFill>
                 <a:latin typeface="Roboto"/>
                 <a:ea typeface="Roboto"/>
@@ -5142,9 +6121,9 @@
               <a:t>Exploratory research is usually conducted when a researcher </a:t>
             </a:r>
             <a:r>
-              <a:rPr b="1" lang="en-GB" sz="1800" spc="-1" strike="noStrike">
+              <a:rPr lang="en-GB" sz="1800" b="1" strike="noStrike" spc="-1" dirty="0">
                 <a:solidFill>
-                  <a:srgbClr val="ffffff"/>
+                  <a:srgbClr val="FFFFFF"/>
                 </a:solidFill>
                 <a:latin typeface="Roboto"/>
                 <a:ea typeface="Roboto"/>
@@ -5152,16 +6131,16 @@
               <a:t>has just begun</a:t>
             </a:r>
             <a:r>
-              <a:rPr b="0" lang="en-GB" sz="1800" spc="-1" strike="noStrike">
+              <a:rPr lang="en-GB" sz="1800" b="0" strike="noStrike" spc="-1" dirty="0">
                 <a:solidFill>
-                  <a:srgbClr val="ffffff"/>
+                  <a:srgbClr val="FFFFFF"/>
                 </a:solidFill>
                 <a:latin typeface="Roboto"/>
                 <a:ea typeface="Roboto"/>
               </a:rPr>
               <a:t> an investigation and wishes to understand the topic generally.</a:t>
             </a:r>
-            <a:endParaRPr b="0" lang="en-MY" sz="1800" spc="-1" strike="noStrike">
+            <a:endParaRPr lang="en-MY" sz="1800" b="0" strike="noStrike" spc="-1" dirty="0">
               <a:solidFill>
                 <a:srgbClr val="000000"/>
               </a:solidFill>
@@ -5177,13 +6156,13 @@
                 <a:spcPts val="1199"/>
               </a:spcBef>
               <a:tabLst>
-                <a:tab algn="l" pos="0"/>
+                <a:tab pos="0" algn="l"/>
               </a:tabLst>
             </a:pPr>
             <a:r>
-              <a:rPr b="0" lang="en-GB" sz="1800" spc="-1" strike="noStrike">
+              <a:rPr lang="en-GB" sz="1800" b="0" strike="noStrike" spc="-1" dirty="0">
                 <a:solidFill>
-                  <a:srgbClr val="ffffff"/>
+                  <a:srgbClr val="FFFFFF"/>
                 </a:solidFill>
                 <a:latin typeface="Roboto"/>
                 <a:ea typeface="Roboto"/>
@@ -5191,9 +6170,9 @@
               <a:t>Descriptive research aims to </a:t>
             </a:r>
             <a:r>
-              <a:rPr b="1" lang="en-GB" sz="1800" spc="-1" strike="noStrike">
+              <a:rPr lang="en-GB" sz="1800" b="1" strike="noStrike" spc="-1" dirty="0">
                 <a:solidFill>
-                  <a:srgbClr val="ffffff"/>
+                  <a:srgbClr val="FFFFFF"/>
                 </a:solidFill>
                 <a:latin typeface="Roboto"/>
                 <a:ea typeface="Roboto"/>
@@ -5201,16 +6180,16 @@
               <a:t>describe or define the topic </a:t>
             </a:r>
             <a:r>
-              <a:rPr b="0" lang="en-GB" sz="1800" spc="-1" strike="noStrike">
+              <a:rPr lang="en-GB" sz="1800" b="0" strike="noStrike" spc="-1" dirty="0">
                 <a:solidFill>
-                  <a:srgbClr val="ffffff"/>
+                  <a:srgbClr val="FFFFFF"/>
                 </a:solidFill>
                 <a:latin typeface="Roboto"/>
                 <a:ea typeface="Roboto"/>
               </a:rPr>
               <a:t>at hand.</a:t>
             </a:r>
-            <a:endParaRPr b="0" lang="en-MY" sz="1800" spc="-1" strike="noStrike">
+            <a:endParaRPr lang="en-MY" sz="1800" b="0" strike="noStrike" spc="-1" dirty="0">
               <a:solidFill>
                 <a:srgbClr val="000000"/>
               </a:solidFill>
@@ -5226,13 +6205,13 @@
                 <a:spcPts val="1199"/>
               </a:spcBef>
               <a:tabLst>
-                <a:tab algn="l" pos="0"/>
+                <a:tab pos="0" algn="l"/>
               </a:tabLst>
             </a:pPr>
             <a:r>
-              <a:rPr b="0" lang="en-GB" sz="1800" spc="-1" strike="noStrike">
+              <a:rPr lang="en-GB" sz="1800" b="0" strike="noStrike" spc="-1" dirty="0">
                 <a:solidFill>
-                  <a:srgbClr val="ffffff"/>
+                  <a:srgbClr val="FFFFFF"/>
                 </a:solidFill>
                 <a:latin typeface="Roboto"/>
                 <a:ea typeface="Roboto"/>
@@ -5240,9 +6219,9 @@
               <a:t>Explanatory research is aims to </a:t>
             </a:r>
             <a:r>
-              <a:rPr b="1" lang="en-GB" sz="1800" spc="-1" strike="noStrike">
+              <a:rPr lang="en-GB" sz="1800" b="1" strike="noStrike" spc="-1" dirty="0">
                 <a:solidFill>
-                  <a:srgbClr val="ffffff"/>
+                  <a:srgbClr val="FFFFFF"/>
                 </a:solidFill>
                 <a:latin typeface="Roboto"/>
                 <a:ea typeface="Roboto"/>
@@ -5250,16 +6229,16 @@
               <a:t>explain why particular phenomena work</a:t>
             </a:r>
             <a:r>
-              <a:rPr b="0" lang="en-GB" sz="1800" spc="-1" strike="noStrike">
+              <a:rPr lang="en-GB" sz="1800" b="0" strike="noStrike" spc="-1" dirty="0">
                 <a:solidFill>
-                  <a:srgbClr val="ffffff"/>
+                  <a:srgbClr val="FFFFFF"/>
                 </a:solidFill>
                 <a:latin typeface="Roboto"/>
                 <a:ea typeface="Roboto"/>
               </a:rPr>
               <a:t> in the way that they do.</a:t>
             </a:r>
-            <a:endParaRPr b="0" lang="en-MY" sz="1800" spc="-1" strike="noStrike">
+            <a:endParaRPr lang="en-MY" sz="1800" b="0" strike="noStrike" spc="-1" dirty="0">
               <a:solidFill>
                 <a:srgbClr val="000000"/>
               </a:solidFill>
@@ -5278,10 +6257,10 @@
                 <a:spcPts val="1199"/>
               </a:spcAft>
               <a:tabLst>
-                <a:tab algn="l" pos="0"/>
+                <a:tab pos="0" algn="l"/>
               </a:tabLst>
             </a:pPr>
-            <a:endParaRPr b="0" lang="en-MY" sz="1800" spc="-1" strike="noStrike">
+            <a:endParaRPr lang="en-MY" sz="1800" b="0" strike="noStrike" spc="-1" dirty="0">
               <a:solidFill>
                 <a:srgbClr val="000000"/>
               </a:solidFill>
@@ -5292,19 +6271,14 @@
       </p:sp>
     </p:spTree>
   </p:cSld>
-  <mc:AlternateContent>
-    <mc:Choice Requires="p14">
-      <p:transition spd="slow" p14:dur="2000"/>
-    </mc:Choice>
-    <mc:Fallback>
-      <p:transition spd="slow"/>
-    </mc:Fallback>
-  </mc:AlternateContent>
+  <p:clrMapOvr>
+    <a:masterClrMapping/>
+  </p:clrMapOvr>
 </p:sld>
 </file>
 
 <file path=ppt/slides/slide4.xml><?xml version="1.0" encoding="utf-8"?>
-<p:sld xmlns:a="http://schemas.openxmlformats.org/drawingml/2006/main" xmlns:p="http://schemas.openxmlformats.org/presentationml/2006/main" xmlns:r="http://schemas.openxmlformats.org/officeDocument/2006/relationships" xmlns:p14="http://schemas.microsoft.com/office/powerpoint/2010/main" xmlns:p15="http://schemas.microsoft.com/office/powerpoint/2012/main" xmlns:mc="http://schemas.openxmlformats.org/markup-compatibility/2006">
+<p:sld xmlns:a="http://schemas.openxmlformats.org/drawingml/2006/main" xmlns:r="http://schemas.openxmlformats.org/officeDocument/2006/relationships" xmlns:p="http://schemas.openxmlformats.org/presentationml/2006/main">
   <p:cSld>
     <p:spTree>
       <p:nvGrpSpPr>
@@ -5343,8 +6317,9 @@
           <a:bodyPr tIns="91440" bIns="91440" anchor="b">
             <a:normAutofit/>
           </a:bodyPr>
-          <a:p>
-            <a:endParaRPr b="0" lang="en-MY" sz="1400" spc="-1" strike="noStrike">
+          <a:lstStyle/>
+          <a:p>
+            <a:endParaRPr lang="en-MY" sz="1400" b="0" strike="noStrike" spc="-1">
               <a:solidFill>
                 <a:srgbClr val="000000"/>
               </a:solidFill>
@@ -5376,8 +6351,9 @@
           <a:bodyPr tIns="91440" bIns="91440">
             <a:normAutofit/>
           </a:bodyPr>
-          <a:p>
-            <a:endParaRPr b="0" lang="en-MY" sz="1400" spc="-1" strike="noStrike">
+          <a:lstStyle/>
+          <a:p>
+            <a:endParaRPr lang="en-MY" sz="1400" b="0" strike="noStrike" spc="-1">
               <a:solidFill>
                 <a:srgbClr val="000000"/>
               </a:solidFill>
@@ -5388,12 +6364,12 @@
       </p:sp>
       <p:pic>
         <p:nvPicPr>
-          <p:cNvPr id="96" name="Google Shape;83;p16" descr=""/>
+          <p:cNvPr id="96" name="Google Shape;83;p16"/>
           <p:cNvPicPr/>
           <p:nvPr/>
         </p:nvPicPr>
         <p:blipFill>
-          <a:blip r:embed="rId1"/>
+          <a:blip r:embed="rId3"/>
           <a:stretch/>
         </p:blipFill>
         <p:spPr>
@@ -5411,19 +6387,14 @@
       </p:pic>
     </p:spTree>
   </p:cSld>
-  <mc:AlternateContent>
-    <mc:Choice Requires="p14">
-      <p:transition spd="slow" p14:dur="2000"/>
-    </mc:Choice>
-    <mc:Fallback>
-      <p:transition spd="slow"/>
-    </mc:Fallback>
-  </mc:AlternateContent>
+  <p:clrMapOvr>
+    <a:masterClrMapping/>
+  </p:clrMapOvr>
 </p:sld>
 </file>
 
 <file path=ppt/slides/slide5.xml><?xml version="1.0" encoding="utf-8"?>
-<p:sld xmlns:a="http://schemas.openxmlformats.org/drawingml/2006/main" xmlns:p="http://schemas.openxmlformats.org/presentationml/2006/main" xmlns:r="http://schemas.openxmlformats.org/officeDocument/2006/relationships" xmlns:p14="http://schemas.microsoft.com/office/powerpoint/2010/main" xmlns:p15="http://schemas.microsoft.com/office/powerpoint/2012/main" xmlns:mc="http://schemas.openxmlformats.org/markup-compatibility/2006">
+<p:sld xmlns:a="http://schemas.openxmlformats.org/drawingml/2006/main" xmlns:r="http://schemas.openxmlformats.org/officeDocument/2006/relationships" xmlns:p="http://schemas.openxmlformats.org/presentationml/2006/main">
   <p:cSld>
     <p:spTree>
       <p:nvGrpSpPr>
@@ -5462,26 +6433,27 @@
           <a:bodyPr tIns="91440" bIns="91440" anchor="b">
             <a:normAutofit/>
           </a:bodyPr>
+          <a:lstStyle/>
           <a:p>
             <a:pPr>
               <a:lnSpc>
                 <a:spcPct val="100000"/>
               </a:lnSpc>
               <a:tabLst>
-                <a:tab algn="l" pos="0"/>
+                <a:tab pos="0" algn="l"/>
               </a:tabLst>
             </a:pPr>
             <a:r>
-              <a:rPr b="0" lang="en-GB" sz="3000" spc="-1" strike="noStrike">
+              <a:rPr lang="en-GB" sz="3000" b="0" strike="noStrike" spc="-1">
                 <a:solidFill>
-                  <a:srgbClr val="ffffff"/>
+                  <a:srgbClr val="FFFFFF"/>
                 </a:solidFill>
                 <a:latin typeface="Roboto Slab"/>
                 <a:ea typeface="Roboto Slab"/>
               </a:rPr>
               <a:t>Data Visualization </a:t>
             </a:r>
-            <a:endParaRPr b="0" lang="en-MY" sz="3000" spc="-1" strike="noStrike">
+            <a:endParaRPr lang="en-MY" sz="3000" b="0" strike="noStrike" spc="-1">
               <a:solidFill>
                 <a:srgbClr val="000000"/>
               </a:solidFill>
@@ -5513,26 +6485,27 @@
           <a:bodyPr tIns="91440" bIns="91440">
             <a:normAutofit/>
           </a:bodyPr>
+          <a:lstStyle/>
           <a:p>
             <a:pPr>
               <a:lnSpc>
                 <a:spcPct val="115000"/>
               </a:lnSpc>
               <a:tabLst>
-                <a:tab algn="l" pos="0"/>
+                <a:tab pos="0" algn="l"/>
               </a:tabLst>
             </a:pPr>
             <a:r>
-              <a:rPr b="0" lang="en-GB" sz="2300" spc="-1" strike="noStrike">
+              <a:rPr lang="en-GB" sz="2300" b="0" strike="noStrike" spc="-1">
                 <a:solidFill>
-                  <a:srgbClr val="ffffff"/>
+                  <a:srgbClr val="FFFFFF"/>
                 </a:solidFill>
                 <a:latin typeface="Roboto"/>
                 <a:ea typeface="Roboto"/>
               </a:rPr>
               <a:t>The most efficient way to tell a story</a:t>
             </a:r>
-            <a:endParaRPr b="0" lang="en-MY" sz="2300" spc="-1" strike="noStrike">
+            <a:endParaRPr lang="en-MY" sz="2300" b="0" strike="noStrike" spc="-1">
               <a:solidFill>
                 <a:srgbClr val="000000"/>
               </a:solidFill>
@@ -5551,10 +6524,10 @@
                 <a:spcPts val="1199"/>
               </a:spcAft>
               <a:tabLst>
-                <a:tab algn="l" pos="0"/>
+                <a:tab pos="0" algn="l"/>
               </a:tabLst>
             </a:pPr>
-            <a:endParaRPr b="0" lang="en-MY" sz="2300" spc="-1" strike="noStrike">
+            <a:endParaRPr lang="en-MY" sz="2300" b="0" strike="noStrike" spc="-1">
               <a:solidFill>
                 <a:srgbClr val="000000"/>
               </a:solidFill>
@@ -5570,7 +6543,7 @@
           <p:nvPr/>
         </p:nvPicPr>
         <p:blipFill>
-          <a:blip r:embed="rId1"/>
+          <a:blip r:embed="rId2"/>
           <a:stretch/>
         </p:blipFill>
         <p:spPr>
@@ -5588,14 +6561,9 @@
       </p:pic>
     </p:spTree>
   </p:cSld>
-  <mc:AlternateContent>
-    <mc:Choice Requires="p14">
-      <p:transition spd="slow" p14:dur="2000"/>
-    </mc:Choice>
-    <mc:Fallback>
-      <p:transition spd="slow"/>
-    </mc:Fallback>
-  </mc:AlternateContent>
+  <p:clrMapOvr>
+    <a:masterClrMapping/>
+  </p:clrMapOvr>
   <p:timing>
     <p:tnLst>
       <p:par>
@@ -5617,7 +6585,7 @@
                             </p:stCondLst>
                             <p:childTnLst>
                               <p:par>
-                                <p:cTn id="5" nodeType="clickEffect" fill="hold" presetClass="entr" presetID="10">
+                                <p:cTn id="5" presetID="10" presetClass="entr" fill="hold" nodeType="clickEffect">
                                   <p:stCondLst>
                                     <p:cond delay="0"/>
                                   </p:stCondLst>
@@ -5640,7 +6608,7 @@
                                         <p:strVal val="visible"/>
                                       </p:to>
                                     </p:set>
-                                    <p:animEffect filter="fade" transition="in">
+                                    <p:animEffect transition="in" filter="fade">
                                       <p:cBhvr additive="repl">
                                         <p:cTn id="7" dur="1000"/>
                                         <p:tgtEl>
@@ -5660,14 +6628,14 @@
                 </p:childTnLst>
               </p:cTn>
               <p:prevCondLst>
-                <p:cond evt="onPrev">
+                <p:cond evt="onPrev" delay="0">
                   <p:tgtEl>
                     <p:sldTgt/>
                   </p:tgtEl>
                 </p:cond>
               </p:prevCondLst>
               <p:nextCondLst>
-                <p:cond evt="onNext">
+                <p:cond evt="onNext" delay="0">
                   <p:tgtEl>
                     <p:sldTgt/>
                   </p:tgtEl>
@@ -5683,7 +6651,7 @@
 </file>
 
 <file path=ppt/slides/slide6.xml><?xml version="1.0" encoding="utf-8"?>
-<p:sld xmlns:a="http://schemas.openxmlformats.org/drawingml/2006/main" xmlns:p="http://schemas.openxmlformats.org/presentationml/2006/main" xmlns:r="http://schemas.openxmlformats.org/officeDocument/2006/relationships" xmlns:p14="http://schemas.microsoft.com/office/powerpoint/2010/main" xmlns:p15="http://schemas.microsoft.com/office/powerpoint/2012/main" xmlns:mc="http://schemas.openxmlformats.org/markup-compatibility/2006">
+<p:sld xmlns:a="http://schemas.openxmlformats.org/drawingml/2006/main" xmlns:r="http://schemas.openxmlformats.org/officeDocument/2006/relationships" xmlns:p="http://schemas.openxmlformats.org/presentationml/2006/main">
   <p:cSld>
     <p:spTree>
       <p:nvGrpSpPr>
@@ -5722,26 +6690,27 @@
           <a:bodyPr tIns="91440" bIns="91440" anchor="b">
             <a:normAutofit/>
           </a:bodyPr>
+          <a:lstStyle/>
           <a:p>
             <a:pPr>
               <a:lnSpc>
                 <a:spcPct val="100000"/>
               </a:lnSpc>
               <a:tabLst>
-                <a:tab algn="l" pos="0"/>
+                <a:tab pos="0" algn="l"/>
               </a:tabLst>
             </a:pPr>
             <a:r>
-              <a:rPr b="0" lang="en-GB" sz="3000" spc="-1" strike="noStrike">
+              <a:rPr lang="en-GB" sz="3000" b="0" strike="noStrike" spc="-1">
                 <a:solidFill>
-                  <a:srgbClr val="ffffff"/>
+                  <a:srgbClr val="FFFFFF"/>
                 </a:solidFill>
                 <a:latin typeface="Roboto Slab"/>
                 <a:ea typeface="Roboto Slab"/>
               </a:rPr>
               <a:t>Data Visualization - Bubble chart </a:t>
             </a:r>
-            <a:endParaRPr b="0" lang="en-MY" sz="3000" spc="-1" strike="noStrike">
+            <a:endParaRPr lang="en-MY" sz="3000" b="0" strike="noStrike" spc="-1">
               <a:solidFill>
                 <a:srgbClr val="000000"/>
               </a:solidFill>
@@ -5752,12 +6721,12 @@
       </p:sp>
       <p:pic>
         <p:nvPicPr>
-          <p:cNvPr id="101" name="Google Shape;96;p18" descr=""/>
+          <p:cNvPr id="101" name="Google Shape;96;p18"/>
           <p:cNvPicPr/>
           <p:nvPr/>
         </p:nvPicPr>
         <p:blipFill>
-          <a:blip r:embed="rId1"/>
+          <a:blip r:embed="rId3"/>
           <a:stretch/>
         </p:blipFill>
         <p:spPr>
@@ -5775,19 +6744,14 @@
       </p:pic>
     </p:spTree>
   </p:cSld>
-  <mc:AlternateContent>
-    <mc:Choice Requires="p14">
-      <p:transition spd="slow" p14:dur="2000"/>
-    </mc:Choice>
-    <mc:Fallback>
-      <p:transition spd="slow"/>
-    </mc:Fallback>
-  </mc:AlternateContent>
+  <p:clrMapOvr>
+    <a:masterClrMapping/>
+  </p:clrMapOvr>
 </p:sld>
 </file>
 
 <file path=ppt/slides/slide7.xml><?xml version="1.0" encoding="utf-8"?>
-<p:sld xmlns:a="http://schemas.openxmlformats.org/drawingml/2006/main" xmlns:p="http://schemas.openxmlformats.org/presentationml/2006/main" xmlns:r="http://schemas.openxmlformats.org/officeDocument/2006/relationships" xmlns:p14="http://schemas.microsoft.com/office/powerpoint/2010/main" xmlns:p15="http://schemas.microsoft.com/office/powerpoint/2012/main" xmlns:mc="http://schemas.openxmlformats.org/markup-compatibility/2006">
+<p:sld xmlns:a="http://schemas.openxmlformats.org/drawingml/2006/main" xmlns:r="http://schemas.openxmlformats.org/officeDocument/2006/relationships" xmlns:p="http://schemas.openxmlformats.org/presentationml/2006/main">
   <p:cSld>
     <p:spTree>
       <p:nvGrpSpPr>
@@ -5826,26 +6790,27 @@
           <a:bodyPr tIns="91440" bIns="91440" anchor="b">
             <a:normAutofit/>
           </a:bodyPr>
+          <a:lstStyle/>
           <a:p>
             <a:pPr>
               <a:lnSpc>
                 <a:spcPct val="100000"/>
               </a:lnSpc>
               <a:tabLst>
-                <a:tab algn="l" pos="0"/>
+                <a:tab pos="0" algn="l"/>
               </a:tabLst>
             </a:pPr>
             <a:r>
-              <a:rPr b="0" lang="en-GB" sz="3000" spc="-1" strike="noStrike">
+              <a:rPr lang="en-GB" sz="3000" b="0" strike="noStrike" spc="-1">
                 <a:solidFill>
-                  <a:srgbClr val="ffffff"/>
+                  <a:srgbClr val="FFFFFF"/>
                 </a:solidFill>
                 <a:latin typeface="Roboto Slab"/>
                 <a:ea typeface="Roboto Slab"/>
               </a:rPr>
               <a:t>Data Visualization - Animation</a:t>
             </a:r>
-            <a:endParaRPr b="0" lang="en-MY" sz="3000" spc="-1" strike="noStrike">
+            <a:endParaRPr lang="en-MY" sz="3000" b="0" strike="noStrike" spc="-1">
               <a:solidFill>
                 <a:srgbClr val="000000"/>
               </a:solidFill>
@@ -5861,7 +6826,7 @@
           <p:nvPr/>
         </p:nvPicPr>
         <p:blipFill>
-          <a:blip r:embed="rId1"/>
+          <a:blip r:embed="rId2"/>
           <a:stretch/>
         </p:blipFill>
         <p:spPr>
@@ -5879,43 +6844,38 @@
       </p:pic>
     </p:spTree>
   </p:cSld>
-  <mc:AlternateContent>
-    <mc:Choice Requires="p14">
-      <p:transition spd="slow" p14:dur="2000"/>
-    </mc:Choice>
-    <mc:Fallback>
-      <p:transition spd="slow"/>
-    </mc:Fallback>
-  </mc:AlternateContent>
+  <p:clrMapOvr>
+    <a:masterClrMapping/>
+  </p:clrMapOvr>
   <p:timing>
     <p:tnLst>
       <p:par>
-        <p:cTn id="8" dur="indefinite" restart="never" nodeType="tmRoot">
+        <p:cTn id="1" dur="indefinite" restart="never" nodeType="tmRoot">
           <p:childTnLst>
             <p:seq>
-              <p:cTn id="9" dur="indefinite" nodeType="mainSeq">
+              <p:cTn id="2" dur="indefinite" nodeType="mainSeq">
                 <p:childTnLst>
                   <p:par>
-                    <p:cTn id="10" fill="hold">
+                    <p:cTn id="3" fill="hold">
                       <p:stCondLst>
                         <p:cond delay="indefinite"/>
                       </p:stCondLst>
                       <p:childTnLst>
                         <p:par>
-                          <p:cTn id="11" fill="hold">
+                          <p:cTn id="4" fill="hold">
                             <p:stCondLst>
                               <p:cond delay="0"/>
                             </p:stCondLst>
                             <p:childTnLst>
                               <p:par>
-                                <p:cTn id="12" nodeType="clickEffect" fill="hold" presetClass="entr" presetID="10">
+                                <p:cTn id="5" presetID="10" presetClass="entr" fill="hold" nodeType="clickEffect">
                                   <p:stCondLst>
                                     <p:cond delay="0"/>
                                   </p:stCondLst>
                                   <p:childTnLst>
                                     <p:set>
                                       <p:cBhvr>
-                                        <p:cTn id="13" dur="1" fill="hold">
+                                        <p:cTn id="6" dur="1" fill="hold">
                                           <p:stCondLst>
                                             <p:cond delay="0"/>
                                           </p:stCondLst>
@@ -5931,9 +6891,9 @@
                                         <p:strVal val="visible"/>
                                       </p:to>
                                     </p:set>
-                                    <p:animEffect filter="fade" transition="in">
+                                    <p:animEffect transition="in" filter="fade">
                                       <p:cBhvr additive="repl">
-                                        <p:cTn id="14" dur="1000"/>
+                                        <p:cTn id="7" dur="1000"/>
                                         <p:tgtEl>
                                           <p:spTgt spid="103"/>
                                         </p:tgtEl>
@@ -5951,14 +6911,14 @@
                 </p:childTnLst>
               </p:cTn>
               <p:prevCondLst>
-                <p:cond evt="onPrev">
+                <p:cond evt="onPrev" delay="0">
                   <p:tgtEl>
                     <p:sldTgt/>
                   </p:tgtEl>
                 </p:cond>
               </p:prevCondLst>
               <p:nextCondLst>
-                <p:cond evt="onNext">
+                <p:cond evt="onNext" delay="0">
                   <p:tgtEl>
                     <p:sldTgt/>
                   </p:tgtEl>
@@ -5974,7 +6934,7 @@
 </file>
 
 <file path=ppt/slides/slide8.xml><?xml version="1.0" encoding="utf-8"?>
-<p:sld xmlns:a="http://schemas.openxmlformats.org/drawingml/2006/main" xmlns:p="http://schemas.openxmlformats.org/presentationml/2006/main" xmlns:r="http://schemas.openxmlformats.org/officeDocument/2006/relationships" xmlns:p14="http://schemas.microsoft.com/office/powerpoint/2010/main" xmlns:p15="http://schemas.microsoft.com/office/powerpoint/2012/main" xmlns:mc="http://schemas.openxmlformats.org/markup-compatibility/2006">
+<p:sld xmlns:a="http://schemas.openxmlformats.org/drawingml/2006/main" xmlns:r="http://schemas.openxmlformats.org/officeDocument/2006/relationships" xmlns:p="http://schemas.openxmlformats.org/presentationml/2006/main">
   <p:cSld>
     <p:spTree>
       <p:nvGrpSpPr>
@@ -6013,26 +6973,27 @@
           <a:bodyPr tIns="91440" bIns="91440" anchor="b">
             <a:normAutofit/>
           </a:bodyPr>
+          <a:lstStyle/>
           <a:p>
             <a:pPr>
               <a:lnSpc>
                 <a:spcPct val="100000"/>
               </a:lnSpc>
               <a:tabLst>
-                <a:tab algn="l" pos="0"/>
+                <a:tab pos="0" algn="l"/>
               </a:tabLst>
             </a:pPr>
             <a:r>
-              <a:rPr b="0" lang="en-GB" sz="3000" spc="-1" strike="noStrike">
+              <a:rPr lang="en-GB" sz="3000" b="0" strike="noStrike" spc="-1">
                 <a:solidFill>
-                  <a:srgbClr val="ffffff"/>
+                  <a:srgbClr val="FFFFFF"/>
                 </a:solidFill>
                 <a:latin typeface="Roboto Slab"/>
                 <a:ea typeface="Roboto Slab"/>
               </a:rPr>
               <a:t>Data Visualization </a:t>
             </a:r>
-            <a:endParaRPr b="0" lang="en-MY" sz="3000" spc="-1" strike="noStrike">
+            <a:endParaRPr lang="en-MY" sz="3000" b="0" strike="noStrike" spc="-1">
               <a:solidFill>
                 <a:srgbClr val="000000"/>
               </a:solidFill>
@@ -6064,36 +7025,27 @@
           <a:bodyPr tIns="91440" bIns="91440">
             <a:normAutofit/>
           </a:bodyPr>
+          <a:lstStyle/>
           <a:p>
             <a:pPr>
               <a:lnSpc>
                 <a:spcPct val="115000"/>
               </a:lnSpc>
               <a:tabLst>
-                <a:tab algn="l" pos="0"/>
+                <a:tab pos="0" algn="l"/>
               </a:tabLst>
             </a:pPr>
             <a:r>
-              <a:rPr b="0" lang="en-GB" sz="1800" spc="-1" strike="noStrike">
+              <a:rPr lang="en-GB" sz="1800" b="0" strike="noStrike" spc="-1" dirty="0">
                 <a:solidFill>
-                  <a:srgbClr val="ffffff"/>
+                  <a:srgbClr val="FFFFFF"/>
                 </a:solidFill>
                 <a:latin typeface="Roboto"/>
                 <a:ea typeface="Roboto"/>
               </a:rPr>
-              <a:t>“</a:t>
+              <a:t>“Our eyes are drawn to colours and patterns. We can quickly identify red from blue, square from circle. </a:t>
             </a:r>
-            <a:r>
-              <a:rPr b="0" lang="en-GB" sz="1800" spc="-1" strike="noStrike">
-                <a:solidFill>
-                  <a:srgbClr val="ffffff"/>
-                </a:solidFill>
-                <a:latin typeface="Roboto"/>
-                <a:ea typeface="Roboto"/>
-              </a:rPr>
-              <a:t>Our eyes are drawn to colours and patterns. We can quickly identify red from blue, square from circle. </a:t>
-            </a:r>
-            <a:endParaRPr b="0" lang="en-MY" sz="1800" spc="-1" strike="noStrike">
+            <a:endParaRPr lang="en-MY" sz="1800" b="0" strike="noStrike" spc="-1" dirty="0">
               <a:solidFill>
                 <a:srgbClr val="000000"/>
               </a:solidFill>
@@ -6109,20 +7061,20 @@
                 <a:spcPts val="1199"/>
               </a:spcBef>
               <a:tabLst>
-                <a:tab algn="l" pos="0"/>
+                <a:tab pos="0" algn="l"/>
               </a:tabLst>
             </a:pPr>
             <a:r>
-              <a:rPr b="0" lang="en-GB" sz="1800" spc="-1" strike="noStrike">
+              <a:rPr lang="en-GB" sz="1800" b="0" strike="noStrike" spc="-1" dirty="0">
                 <a:solidFill>
-                  <a:srgbClr val="ffffff"/>
+                  <a:srgbClr val="FFFFFF"/>
                 </a:solidFill>
                 <a:latin typeface="Roboto"/>
                 <a:ea typeface="Roboto"/>
               </a:rPr>
               <a:t>Our culture is visual, including everything from art and advertisements to TV and movies.”</a:t>
             </a:r>
-            <a:endParaRPr b="0" lang="en-MY" sz="1800" spc="-1" strike="noStrike">
+            <a:endParaRPr lang="en-MY" spc="-1" dirty="0">
               <a:solidFill>
                 <a:srgbClr val="000000"/>
               </a:solidFill>
@@ -6138,42 +7090,20 @@
                 <a:spcPts val="1199"/>
               </a:spcBef>
               <a:tabLst>
-                <a:tab algn="l" pos="0"/>
-              </a:tabLst>
-            </a:pPr>
-            <a:endParaRPr b="0" lang="en-MY" sz="1800" spc="-1" strike="noStrike">
-              <a:solidFill>
-                <a:srgbClr val="000000"/>
-              </a:solidFill>
-              <a:latin typeface="Arial"/>
-            </a:endParaRPr>
-          </a:p>
-          <a:p>
-            <a:pPr marL="457200">
-              <a:lnSpc>
-                <a:spcPct val="115000"/>
-              </a:lnSpc>
-              <a:spcBef>
-                <a:spcPts val="1199"/>
-              </a:spcBef>
-              <a:spcAft>
-                <a:spcPts val="1199"/>
-              </a:spcAft>
-              <a:tabLst>
-                <a:tab algn="l" pos="0"/>
+                <a:tab pos="0" algn="l"/>
               </a:tabLst>
             </a:pPr>
             <a:r>
-              <a:rPr b="0" lang="en-GB" sz="1800" spc="-1" strike="noStrike">
+              <a:rPr lang="en-GB" sz="1800" b="0" strike="noStrike" spc="-1" dirty="0">
                 <a:solidFill>
-                  <a:srgbClr val="ffffff"/>
+                  <a:srgbClr val="FFFFFF"/>
                 </a:solidFill>
                 <a:latin typeface="Roboto"/>
                 <a:ea typeface="Roboto"/>
               </a:rPr>
               <a:t>Data visualization makes data more understandable , and easier to see patterns between the variables</a:t>
             </a:r>
-            <a:endParaRPr b="0" lang="en-MY" sz="1800" spc="-1" strike="noStrike">
+            <a:endParaRPr lang="en-MY" sz="1800" b="0" strike="noStrike" spc="-1" dirty="0">
               <a:solidFill>
                 <a:srgbClr val="000000"/>
               </a:solidFill>
@@ -6184,19 +7114,14 @@
       </p:sp>
     </p:spTree>
   </p:cSld>
-  <mc:AlternateContent>
-    <mc:Choice Requires="p14">
-      <p:transition spd="slow" p14:dur="2000"/>
-    </mc:Choice>
-    <mc:Fallback>
-      <p:transition spd="slow"/>
-    </mc:Fallback>
-  </mc:AlternateContent>
+  <p:clrMapOvr>
+    <a:masterClrMapping/>
+  </p:clrMapOvr>
 </p:sld>
 </file>
 
 <file path=ppt/slides/slide9.xml><?xml version="1.0" encoding="utf-8"?>
-<p:sld xmlns:a="http://schemas.openxmlformats.org/drawingml/2006/main" xmlns:p="http://schemas.openxmlformats.org/presentationml/2006/main" xmlns:r="http://schemas.openxmlformats.org/officeDocument/2006/relationships" xmlns:p14="http://schemas.microsoft.com/office/powerpoint/2010/main" xmlns:p15="http://schemas.microsoft.com/office/powerpoint/2012/main" xmlns:mc="http://schemas.openxmlformats.org/markup-compatibility/2006">
+<p:sld xmlns:a="http://schemas.openxmlformats.org/drawingml/2006/main" xmlns:r="http://schemas.openxmlformats.org/officeDocument/2006/relationships" xmlns:p="http://schemas.openxmlformats.org/presentationml/2006/main">
   <p:cSld>
     <p:spTree>
       <p:nvGrpSpPr>
@@ -6235,26 +7160,27 @@
           <a:bodyPr tIns="91440" bIns="91440" anchor="b">
             <a:normAutofit/>
           </a:bodyPr>
+          <a:lstStyle/>
           <a:p>
             <a:pPr>
               <a:lnSpc>
                 <a:spcPct val="100000"/>
               </a:lnSpc>
               <a:tabLst>
-                <a:tab algn="l" pos="0"/>
+                <a:tab pos="0" algn="l"/>
               </a:tabLst>
             </a:pPr>
             <a:r>
-              <a:rPr b="0" lang="en-GB" sz="3000" spc="-1" strike="noStrike">
+              <a:rPr lang="en-GB" sz="3000" b="0" strike="noStrike" spc="-1">
                 <a:solidFill>
-                  <a:srgbClr val="ffffff"/>
+                  <a:srgbClr val="FFFFFF"/>
                 </a:solidFill>
                 <a:latin typeface="Roboto Slab"/>
                 <a:ea typeface="Roboto Slab"/>
               </a:rPr>
               <a:t>Table vs heatmap</a:t>
             </a:r>
-            <a:endParaRPr b="0" lang="en-MY" sz="3000" spc="-1" strike="noStrike">
+            <a:endParaRPr lang="en-MY" sz="3000" b="0" strike="noStrike" spc="-1">
               <a:solidFill>
                 <a:srgbClr val="000000"/>
               </a:solidFill>
@@ -6286,8 +7212,9 @@
           <a:bodyPr tIns="91440" bIns="91440">
             <a:normAutofit/>
           </a:bodyPr>
-          <a:p>
-            <a:endParaRPr b="0" lang="en-MY" sz="1400" spc="-1" strike="noStrike">
+          <a:lstStyle/>
+          <a:p>
+            <a:endParaRPr lang="en-MY" sz="1400" b="0" strike="noStrike" spc="-1">
               <a:solidFill>
                 <a:srgbClr val="000000"/>
               </a:solidFill>
@@ -6298,30 +7225,7 @@
       </p:sp>
       <p:pic>
         <p:nvPicPr>
-          <p:cNvPr id="108" name="Google Shape;115;p21" descr=""/>
-          <p:cNvPicPr/>
-          <p:nvPr/>
-        </p:nvPicPr>
-        <p:blipFill>
-          <a:blip r:embed="rId1"/>
-          <a:stretch/>
-        </p:blipFill>
-        <p:spPr>
-          <a:xfrm>
-            <a:off x="187560" y="1489680"/>
-            <a:ext cx="4433760" cy="2733120"/>
-          </a:xfrm>
-          <a:prstGeom prst="rect">
-            <a:avLst/>
-          </a:prstGeom>
-          <a:ln w="0">
-            <a:noFill/>
-          </a:ln>
-        </p:spPr>
-      </p:pic>
-      <p:pic>
-        <p:nvPicPr>
-          <p:cNvPr id="109" name="Google Shape;116;p21" descr=""/>
+          <p:cNvPr id="108" name="Google Shape;115;p21"/>
           <p:cNvPicPr/>
           <p:nvPr/>
         </p:nvPicPr>
@@ -6331,8 +7235,8 @@
         </p:blipFill>
         <p:spPr>
           <a:xfrm>
-            <a:off x="4881240" y="1489680"/>
-            <a:ext cx="4201560" cy="3182760"/>
+            <a:off x="187560" y="1489680"/>
+            <a:ext cx="4433760" cy="2733120"/>
           </a:xfrm>
           <a:prstGeom prst="rect">
             <a:avLst/>
@@ -6342,16 +7246,34 @@
           </a:ln>
         </p:spPr>
       </p:pic>
+      <p:pic>
+        <p:nvPicPr>
+          <p:cNvPr id="109" name="Google Shape;116;p21"/>
+          <p:cNvPicPr/>
+          <p:nvPr/>
+        </p:nvPicPr>
+        <p:blipFill>
+          <a:blip r:embed="rId3"/>
+          <a:stretch/>
+        </p:blipFill>
+        <p:spPr>
+          <a:xfrm>
+            <a:off x="4881240" y="1489680"/>
+            <a:ext cx="4201560" cy="3182760"/>
+          </a:xfrm>
+          <a:prstGeom prst="rect">
+            <a:avLst/>
+          </a:prstGeom>
+          <a:ln w="0">
+            <a:noFill/>
+          </a:ln>
+        </p:spPr>
+      </p:pic>
     </p:spTree>
   </p:cSld>
-  <mc:AlternateContent>
-    <mc:Choice Requires="p14">
-      <p:transition spd="slow" p14:dur="2000"/>
-    </mc:Choice>
-    <mc:Fallback>
-      <p:transition spd="slow"/>
-    </mc:Fallback>
-  </mc:AlternateContent>
+  <p:clrMapOvr>
+    <a:masterClrMapping/>
+  </p:clrMapOvr>
 </p:sld>
 </file>
 
@@ -6369,31 +7291,31 @@
         <a:srgbClr val="004065"/>
       </a:dk2>
       <a:lt2>
-        <a:srgbClr val="cfd8dc"/>
+        <a:srgbClr val="CFD8DC"/>
       </a:lt2>
       <a:accent1>
-        <a:srgbClr val="0277bd"/>
+        <a:srgbClr val="0277BD"/>
       </a:accent1>
       <a:accent2>
-        <a:srgbClr val="558b2f"/>
+        <a:srgbClr val="558B2F"/>
       </a:accent2>
       <a:accent3>
         <a:srgbClr val="009688"/>
       </a:accent3>
       <a:accent4>
-        <a:srgbClr val="039be5"/>
+        <a:srgbClr val="039BE5"/>
       </a:accent4>
       <a:accent5>
-        <a:srgbClr val="8bc34a"/>
+        <a:srgbClr val="8BC34A"/>
       </a:accent5>
       <a:accent6>
-        <a:srgbClr val="ffeb38"/>
+        <a:srgbClr val="FFEB38"/>
       </a:accent6>
       <a:hlink>
-        <a:srgbClr val="8bc34a"/>
+        <a:srgbClr val="8BC34A"/>
       </a:hlink>
       <a:folHlink>
-        <a:srgbClr val="8bc34a"/>
+        <a:srgbClr val="8BC34A"/>
       </a:folHlink>
     </a:clrScheme>
     <a:fontScheme name="Office">
@@ -6578,6 +7500,8 @@
       </a:bgFillStyleLst>
     </a:fmtScheme>
   </a:themeElements>
+  <a:objectDefaults/>
+  <a:extraClrSchemeLst/>
 </a:theme>
 </file>
 
@@ -6595,31 +7519,31 @@
         <a:srgbClr val="004065"/>
       </a:dk2>
       <a:lt2>
-        <a:srgbClr val="cfd8dc"/>
+        <a:srgbClr val="CFD8DC"/>
       </a:lt2>
       <a:accent1>
-        <a:srgbClr val="0277bd"/>
+        <a:srgbClr val="0277BD"/>
       </a:accent1>
       <a:accent2>
-        <a:srgbClr val="558b2f"/>
+        <a:srgbClr val="558B2F"/>
       </a:accent2>
       <a:accent3>
         <a:srgbClr val="009688"/>
       </a:accent3>
       <a:accent4>
-        <a:srgbClr val="039be5"/>
+        <a:srgbClr val="039BE5"/>
       </a:accent4>
       <a:accent5>
-        <a:srgbClr val="8bc34a"/>
+        <a:srgbClr val="8BC34A"/>
       </a:accent5>
       <a:accent6>
-        <a:srgbClr val="ffeb38"/>
+        <a:srgbClr val="FFEB38"/>
       </a:accent6>
       <a:hlink>
-        <a:srgbClr val="8bc34a"/>
+        <a:srgbClr val="8BC34A"/>
       </a:hlink>
       <a:folHlink>
-        <a:srgbClr val="8bc34a"/>
+        <a:srgbClr val="8BC34A"/>
       </a:folHlink>
     </a:clrScheme>
     <a:fontScheme name="Office">
@@ -6804,6 +7728,8 @@
       </a:bgFillStyleLst>
     </a:fmtScheme>
   </a:themeElements>
+  <a:objectDefaults/>
+  <a:extraClrSchemeLst/>
 </a:theme>
 </file>
 
@@ -6821,31 +7747,31 @@
         <a:srgbClr val="004065"/>
       </a:dk2>
       <a:lt2>
-        <a:srgbClr val="cfd8dc"/>
+        <a:srgbClr val="CFD8DC"/>
       </a:lt2>
       <a:accent1>
-        <a:srgbClr val="0277bd"/>
+        <a:srgbClr val="0277BD"/>
       </a:accent1>
       <a:accent2>
-        <a:srgbClr val="558b2f"/>
+        <a:srgbClr val="558B2F"/>
       </a:accent2>
       <a:accent3>
         <a:srgbClr val="009688"/>
       </a:accent3>
       <a:accent4>
-        <a:srgbClr val="039be5"/>
+        <a:srgbClr val="039BE5"/>
       </a:accent4>
       <a:accent5>
-        <a:srgbClr val="8bc34a"/>
+        <a:srgbClr val="8BC34A"/>
       </a:accent5>
       <a:accent6>
-        <a:srgbClr val="ffeb38"/>
+        <a:srgbClr val="FFEB38"/>
       </a:accent6>
       <a:hlink>
-        <a:srgbClr val="8bc34a"/>
+        <a:srgbClr val="8BC34A"/>
       </a:hlink>
       <a:folHlink>
-        <a:srgbClr val="8bc34a"/>
+        <a:srgbClr val="8BC34A"/>
       </a:folHlink>
     </a:clrScheme>
     <a:fontScheme name="Office">
@@ -7030,5 +7956,7 @@
       </a:bgFillStyleLst>
     </a:fmtScheme>
   </a:themeElements>
+  <a:objectDefaults/>
+  <a:extraClrSchemeLst/>
 </a:theme>
 </file>